--- a/CamelPresentationITWeek2017.pptx
+++ b/CamelPresentationITWeek2017.pptx
@@ -5,10 +5,10 @@
     <p:sldMasterId id="2147483730" r:id="rId4"/>
   </p:sldMasterIdLst>
   <p:notesMasterIdLst>
-    <p:notesMasterId r:id="rId45"/>
+    <p:notesMasterId r:id="rId44"/>
   </p:notesMasterIdLst>
   <p:handoutMasterIdLst>
-    <p:handoutMasterId r:id="rId46"/>
+    <p:handoutMasterId r:id="rId45"/>
   </p:handoutMasterIdLst>
   <p:sldIdLst>
     <p:sldId id="478" r:id="rId5"/>
@@ -31,26 +31,25 @@
     <p:sldId id="533" r:id="rId22"/>
     <p:sldId id="534" r:id="rId23"/>
     <p:sldId id="500" r:id="rId24"/>
-    <p:sldId id="543" r:id="rId25"/>
-    <p:sldId id="535" r:id="rId26"/>
-    <p:sldId id="536" r:id="rId27"/>
-    <p:sldId id="537" r:id="rId28"/>
-    <p:sldId id="544" r:id="rId29"/>
-    <p:sldId id="545" r:id="rId30"/>
-    <p:sldId id="546" r:id="rId31"/>
-    <p:sldId id="547" r:id="rId32"/>
-    <p:sldId id="548" r:id="rId33"/>
-    <p:sldId id="549" r:id="rId34"/>
-    <p:sldId id="550" r:id="rId35"/>
-    <p:sldId id="541" r:id="rId36"/>
-    <p:sldId id="538" r:id="rId37"/>
-    <p:sldId id="551" r:id="rId38"/>
-    <p:sldId id="552" r:id="rId39"/>
-    <p:sldId id="539" r:id="rId40"/>
-    <p:sldId id="540" r:id="rId41"/>
-    <p:sldId id="553" r:id="rId42"/>
-    <p:sldId id="496" r:id="rId43"/>
-    <p:sldId id="446" r:id="rId44"/>
+    <p:sldId id="535" r:id="rId25"/>
+    <p:sldId id="536" r:id="rId26"/>
+    <p:sldId id="537" r:id="rId27"/>
+    <p:sldId id="544" r:id="rId28"/>
+    <p:sldId id="545" r:id="rId29"/>
+    <p:sldId id="546" r:id="rId30"/>
+    <p:sldId id="547" r:id="rId31"/>
+    <p:sldId id="548" r:id="rId32"/>
+    <p:sldId id="549" r:id="rId33"/>
+    <p:sldId id="550" r:id="rId34"/>
+    <p:sldId id="541" r:id="rId35"/>
+    <p:sldId id="538" r:id="rId36"/>
+    <p:sldId id="551" r:id="rId37"/>
+    <p:sldId id="552" r:id="rId38"/>
+    <p:sldId id="539" r:id="rId39"/>
+    <p:sldId id="540" r:id="rId40"/>
+    <p:sldId id="553" r:id="rId41"/>
+    <p:sldId id="496" r:id="rId42"/>
+    <p:sldId id="446" r:id="rId43"/>
   </p:sldIdLst>
   <p:sldSz cx="6858000" cy="5143500"/>
   <p:notesSz cx="6858000" cy="9144000"/>
@@ -500,7 +499,7 @@
             <a:fld id="{7F5E9BF7-95E4-A242-BA1D-05FDCF603BE6}" type="datetime1">
               <a:rPr lang="en-US" smtClean="0"/>
               <a:pPr/>
-              <a:t>3/19/2017</a:t>
+              <a:t>3/20/2017</a:t>
             </a:fld>
             <a:endParaRPr lang="en-US"/>
           </a:p>
@@ -668,7 +667,7 @@
             <a:fld id="{165DBCB1-0306-AD41-9452-11E7C08D5C04}" type="datetime1">
               <a:rPr lang="en-US" smtClean="0"/>
               <a:pPr/>
-              <a:t>3/19/2017</a:t>
+              <a:t>3/20/2017</a:t>
             </a:fld>
             <a:endParaRPr lang="en-US"/>
           </a:p>
@@ -1616,11 +1615,7 @@
             </a:r>
             <a:r>
               <a:rPr lang="en-US" baseline="0" dirty="0" smtClean="0"/>
-              <a:t> – then in most cases they are worth to use), then do we have transactions for messages</a:t>
-            </a:r>
-            <a:r>
-              <a:rPr lang="en-US" baseline="0" dirty="0" smtClean="0"/>
-              <a:t>?</a:t>
+              <a:t> – then in most cases they are worth to use), then do we have transactions for messages?</a:t>
             </a:r>
           </a:p>
           <a:p>
@@ -1715,11 +1710,7 @@
           <a:p>
             <a:r>
               <a:rPr lang="en-US" baseline="0" dirty="0" smtClean="0"/>
-              <a:t>In </a:t>
-            </a:r>
-            <a:r>
-              <a:rPr lang="en-US" baseline="0" dirty="0" smtClean="0"/>
-              <a:t>JMS specification there are 4 acknowledge modes</a:t>
+              <a:t>In JMS specification there are 4 acknowledge modes</a:t>
             </a:r>
             <a:r>
               <a:rPr lang="ru-RU" baseline="0" dirty="0" smtClean="0"/>
@@ -1843,21 +1834,8 @@
           <a:p>
             <a:r>
               <a:rPr lang="en-US" baseline="0" dirty="0" smtClean="0"/>
-              <a:t>To deal with simple case </a:t>
-            </a:r>
-            <a:r>
-              <a:rPr lang="en-US" baseline="0" dirty="0" smtClean="0"/>
-              <a:t>(network lag) </a:t>
-            </a:r>
-            <a:r>
-              <a:rPr lang="en-US" baseline="0" dirty="0" smtClean="0"/>
-              <a:t>we can use retry and redelivery, but what if the lights went down or consumer suddenly just died</a:t>
-            </a:r>
-            <a:r>
-              <a:rPr lang="en-US" baseline="0" dirty="0" smtClean="0"/>
-              <a:t>? Or the exception is NPE and is essentially not recoverable?</a:t>
-            </a:r>
-            <a:endParaRPr lang="en-US" baseline="0" dirty="0" smtClean="0"/>
+              <a:t>To deal with simple case (network lag) we can use retry and redelivery, but what if the lights went down or consumer suddenly just died? Or the exception is NPE and is essentially not recoverable?</a:t>
+            </a:r>
           </a:p>
           <a:p>
             <a:r>
@@ -2050,19 +2028,7 @@
             </a:r>
             <a:r>
               <a:rPr lang="en-US" baseline="0" dirty="0" smtClean="0"/>
-              <a:t>CLIENT_ACKNOWLEDGE – message is considered to be read only </a:t>
-            </a:r>
-            <a:r>
-              <a:rPr lang="en-US" baseline="0" dirty="0" smtClean="0"/>
-              <a:t>after </a:t>
-            </a:r>
-            <a:r>
-              <a:rPr lang="en-US" baseline="0" dirty="0" smtClean="0"/>
-              <a:t>full processing. </a:t>
-            </a:r>
-            <a:r>
-              <a:rPr lang="en-US" baseline="0" dirty="0" smtClean="0"/>
-              <a:t>Spring JMS do this itself so when it’s passed by the route, it’s automatically  acknowledged by spring </a:t>
+              <a:t>CLIENT_ACKNOWLEDGE – message is considered to be read only after full processing. Spring JMS do this itself so when it’s passed by the route, it’s automatically  acknowledged by spring </a:t>
             </a:r>
             <a:r>
               <a:rPr lang="en-US" baseline="0" dirty="0" err="1" smtClean="0"/>
@@ -2093,7 +2059,15 @@
             </a:pPr>
             <a:r>
               <a:rPr lang="en-US" baseline="0" dirty="0" smtClean="0"/>
-              <a:t>Ok, let’s imagine producer stores record about order in DB and sends message about order to consumer, after that (with help of aspect oriented programming) commits changes to DB. Consumer reads record from DB and does something with it. </a:t>
+              <a:t>Ok, let’s imagine producer stores record about order in DB and sends message about order to </a:t>
+            </a:r>
+            <a:r>
+              <a:rPr lang="en-US" baseline="0" dirty="0" smtClean="0"/>
+              <a:t>consumer. </a:t>
+            </a:r>
+            <a:r>
+              <a:rPr lang="en-US" baseline="0" dirty="0" smtClean="0"/>
+              <a:t>Consumer reads record from DB and does something with it. </a:t>
             </a:r>
             <a:endParaRPr lang="ru-RU" dirty="0" smtClean="0"/>
           </a:p>
@@ -2434,15 +2408,7 @@
             </a:pPr>
             <a:r>
               <a:rPr lang="en-US" baseline="0" dirty="0" smtClean="0"/>
-              <a:t>The </a:t>
-            </a:r>
-            <a:r>
-              <a:rPr lang="en-US" baseline="0" dirty="0" smtClean="0"/>
-              <a:t>main goal of this talk is share practical advices we’ve collected during work on our project that requires high reliability and fault tolerance. What issues we faced with and how we solved it</a:t>
-            </a:r>
-            <a:r>
-              <a:rPr lang="en-US" baseline="0" dirty="0" smtClean="0"/>
-              <a:t>.</a:t>
+              <a:t>The main goal of this talk is share practical advices we’ve collected during work on our project that requires high reliability and fault tolerance. What issues we faced with and how we solved it.</a:t>
             </a:r>
           </a:p>
           <a:p>
@@ -2457,7 +2423,7 @@
             </a:pPr>
             <a:r>
               <a:rPr lang="en-US" baseline="0" dirty="0" smtClean="0"/>
-              <a:t>As result, our plan is:</a:t>
+              <a:t>So what is our plan for this talk.</a:t>
             </a:r>
           </a:p>
           <a:p>
@@ -2466,7 +2432,11 @@
             </a:pPr>
             <a:r>
               <a:rPr lang="en-US" baseline="0" dirty="0" smtClean="0"/>
-              <a:t>If you are not familiar with Camel, hopefully short introduction gives you insight on what it is, how it helps to deal with </a:t>
+              <a:t>If </a:t>
+            </a:r>
+            <a:r>
+              <a:rPr lang="en-US" baseline="0" dirty="0" smtClean="0"/>
+              <a:t>you are not familiar with Camel, hopefully short introduction gives you insight on what it is, how it helps to deal with </a:t>
             </a:r>
             <a:r>
               <a:rPr lang="en-US" baseline="0" dirty="0" err="1" smtClean="0"/>
@@ -2476,7 +2446,6 @@
               <a:rPr lang="en-US" baseline="0" dirty="0" smtClean="0"/>
               <a:t> processing issues. If you are experienced with Camel, it may uncover some advanced tips on raising reliability of your application. Also if you are familiar with Camel, but avoid testing the parts you write in it – I hope I can convince you this is pretty easy task.</a:t>
             </a:r>
-            <a:endParaRPr lang="en-US" baseline="0" dirty="0" smtClean="0"/>
           </a:p>
           <a:p>
             <a:endParaRPr lang="ru-RU" dirty="0"/>
@@ -2582,30 +2551,13 @@
           <a:p>
             <a:r>
               <a:rPr lang="en-US" baseline="0" dirty="0" smtClean="0"/>
-              <a:t>The </a:t>
+              <a:t>The issue is attempt to send message after stop signal will result in exception what is probably not what we want</a:t>
             </a:r>
             <a:r>
               <a:rPr lang="en-US" baseline="0" dirty="0" smtClean="0"/>
-              <a:t>issue is attempt to send message after stop signal will result in exception what is probably not what we want.</a:t>
+              <a:t>.</a:t>
             </a:r>
             <a:endParaRPr lang="en-US" dirty="0" smtClean="0"/>
-          </a:p>
-          <a:p>
-            <a:r>
-              <a:rPr lang="en-US" baseline="0" dirty="0" smtClean="0"/>
-              <a:t>To change this behavior, we can use deferred routes.</a:t>
-            </a:r>
-          </a:p>
-          <a:p>
-            <a:r>
-              <a:rPr lang="en-US" baseline="0" dirty="0" smtClean="0"/>
-              <a:t>How </a:t>
-            </a:r>
-            <a:r>
-              <a:rPr lang="en-US" baseline="0" dirty="0" smtClean="0"/>
-              <a:t>to handle this issue, suggestions?</a:t>
-            </a:r>
-            <a:endParaRPr lang="ru-RU" dirty="0"/>
           </a:p>
         </p:txBody>
       </p:sp>
@@ -2692,30 +2644,33 @@
           <a:p>
             <a:r>
               <a:rPr lang="en-US" dirty="0" smtClean="0"/>
-              <a:t>It’s also important how application will behave on stop signal – for example, when we deploy a new version of application</a:t>
+              <a:t>Let’s take a look at typical scenario</a:t>
             </a:r>
           </a:p>
           <a:p>
             <a:r>
               <a:rPr lang="en-US" dirty="0" smtClean="0"/>
-              <a:t>Camel allows to defer</a:t>
+              <a:t>User requests some document.</a:t>
             </a:r>
             <a:r>
               <a:rPr lang="en-US" baseline="0" dirty="0" smtClean="0"/>
-              <a:t> final application shutdown until all the inflight messages are processed. At the same time, new messages will not be consumed.</a:t>
-            </a:r>
-          </a:p>
-          <a:p>
+              <a:t> Message is sent on broker and then gets processed by Document Processor, </a:t>
+            </a:r>
             <a:r>
               <a:rPr lang="en-US" baseline="0" dirty="0" smtClean="0"/>
-              <a:t>The issue is attempt to send message after stop signal will result in exception what is probably not what we want.</a:t>
-            </a:r>
-            <a:endParaRPr lang="en-US" dirty="0" smtClean="0"/>
-          </a:p>
-          <a:p>
+              <a:t>which </a:t>
+            </a:r>
             <a:r>
               <a:rPr lang="en-US" baseline="0" dirty="0" smtClean="0"/>
-              <a:t>To change this behavior, we can use deferred routes.</a:t>
+              <a:t>send another message </a:t>
+            </a:r>
+            <a:r>
+              <a:rPr lang="en-US" baseline="0" dirty="0" err="1" smtClean="0"/>
+              <a:t>notify.user</a:t>
+            </a:r>
+            <a:r>
+              <a:rPr lang="en-US" baseline="0" dirty="0" smtClean="0"/>
+              <a:t> that in turn is processed by Notify User Processor which sends an email</a:t>
             </a:r>
             <a:endParaRPr lang="ru-RU" dirty="0"/>
           </a:p>
@@ -2748,7 +2703,7 @@
     </p:spTree>
     <p:extLst>
       <p:ext uri="{BB962C8B-B14F-4D97-AF65-F5344CB8AC3E}">
-        <p14:creationId xmlns:p14="http://schemas.microsoft.com/office/powerpoint/2010/main" val="127041087"/>
+        <p14:creationId xmlns:p14="http://schemas.microsoft.com/office/powerpoint/2010/main" val="133372761"/>
       </p:ext>
     </p:extLst>
   </p:cSld>
@@ -2804,25 +2759,11 @@
           <a:p>
             <a:r>
               <a:rPr lang="en-US" dirty="0" smtClean="0"/>
-              <a:t>Let’s take a look at typical scenario</a:t>
-            </a:r>
-          </a:p>
-          <a:p>
-            <a:r>
-              <a:rPr lang="en-US" dirty="0" smtClean="0"/>
-              <a:t>User requests some document.</a:t>
+              <a:t>Here</a:t>
             </a:r>
             <a:r>
               <a:rPr lang="en-US" baseline="0" dirty="0" smtClean="0"/>
-              <a:t> Message is sent on broker and then gets processed by Document Processor, which send another message </a:t>
-            </a:r>
-            <a:r>
-              <a:rPr lang="en-US" baseline="0" dirty="0" err="1" smtClean="0"/>
-              <a:t>notify.user</a:t>
-            </a:r>
-            <a:r>
-              <a:rPr lang="en-US" baseline="0" dirty="0" smtClean="0"/>
-              <a:t> that in turn is processed by Notify User Processor which sends an email</a:t>
+              <a:t> we have 3 routes – as shown on a slide</a:t>
             </a:r>
             <a:endParaRPr lang="ru-RU" dirty="0"/>
           </a:p>
@@ -2855,7 +2796,7 @@
     </p:spTree>
     <p:extLst>
       <p:ext uri="{BB962C8B-B14F-4D97-AF65-F5344CB8AC3E}">
-        <p14:creationId xmlns:p14="http://schemas.microsoft.com/office/powerpoint/2010/main" val="133372761"/>
+        <p14:creationId xmlns:p14="http://schemas.microsoft.com/office/powerpoint/2010/main" val="3740398176"/>
       </p:ext>
     </p:extLst>
   </p:cSld>
@@ -2911,12 +2852,82 @@
           <a:p>
             <a:r>
               <a:rPr lang="en-US" dirty="0" smtClean="0"/>
-              <a:t>Here</a:t>
+              <a:t>If during message</a:t>
             </a:r>
             <a:r>
               <a:rPr lang="en-US" baseline="0" dirty="0" smtClean="0"/>
-              <a:t> we have 3 routes – as shown on a slide</a:t>
-            </a:r>
+              <a:t> </a:t>
+            </a:r>
+            <a:r>
+              <a:rPr lang="en-US" dirty="0" smtClean="0"/>
+              <a:t>processing in </a:t>
+            </a:r>
+            <a:r>
+              <a:rPr lang="en-US" baseline="0" dirty="0" smtClean="0"/>
+              <a:t>Document Processor</a:t>
+            </a:r>
+            <a:r>
+              <a:rPr lang="ru-RU" baseline="0" dirty="0" smtClean="0"/>
+              <a:t> </a:t>
+            </a:r>
+            <a:r>
+              <a:rPr lang="en-US" baseline="0" dirty="0" smtClean="0"/>
+              <a:t>application will get a stop signal (</a:t>
+            </a:r>
+            <a:r>
+              <a:rPr lang="en-US" baseline="0" dirty="0" err="1" smtClean="0"/>
+              <a:t>Ctrl+c</a:t>
+            </a:r>
+            <a:r>
+              <a:rPr lang="en-US" baseline="0" dirty="0" smtClean="0"/>
+              <a:t>), then it’s clear with </a:t>
+            </a:r>
+            <a:r>
+              <a:rPr lang="en-US" baseline="0" dirty="0" err="1" smtClean="0"/>
+              <a:t>notify.user</a:t>
+            </a:r>
+            <a:r>
+              <a:rPr lang="en-US" baseline="0" dirty="0" smtClean="0"/>
+              <a:t> consuming – it will not be received by Notify User Processor. But why? It will not be received just because it will not be send – instead on attempt to send </a:t>
+            </a:r>
+            <a:r>
+              <a:rPr lang="en-US" baseline="0" dirty="0" err="1" smtClean="0"/>
+              <a:t>notify.user</a:t>
+            </a:r>
+            <a:r>
+              <a:rPr lang="en-US" baseline="0" dirty="0" smtClean="0"/>
+              <a:t> message we will get an </a:t>
+            </a:r>
+            <a:r>
+              <a:rPr lang="en-US" baseline="0" dirty="0" smtClean="0"/>
+              <a:t>exception</a:t>
+            </a:r>
+          </a:p>
+          <a:p>
+            <a:pPr marL="0" marR="0" indent="0" algn="l" defTabSz="342900" rtl="0" eaLnBrk="1" fontAlgn="auto" latinLnBrk="0" hangingPunct="1">
+              <a:lnSpc>
+                <a:spcPct val="100000"/>
+              </a:lnSpc>
+              <a:spcBef>
+                <a:spcPts val="0"/>
+              </a:spcBef>
+              <a:spcAft>
+                <a:spcPts val="0"/>
+              </a:spcAft>
+              <a:buClrTx/>
+              <a:buSzTx/>
+              <a:buFontTx/>
+              <a:buNone/>
+              <a:tabLst/>
+              <a:defRPr/>
+            </a:pPr>
+            <a:r>
+              <a:rPr lang="en-US" baseline="0" dirty="0" smtClean="0"/>
+              <a:t>How to handle this issue, suggestions?</a:t>
+            </a:r>
+            <a:endParaRPr lang="ru-RU" dirty="0" smtClean="0"/>
+          </a:p>
+          <a:p>
             <a:endParaRPr lang="ru-RU" dirty="0"/>
           </a:p>
         </p:txBody>
@@ -2948,7 +2959,7 @@
     </p:spTree>
     <p:extLst>
       <p:ext uri="{BB962C8B-B14F-4D97-AF65-F5344CB8AC3E}">
-        <p14:creationId xmlns:p14="http://schemas.microsoft.com/office/powerpoint/2010/main" val="3740398176"/>
+        <p14:creationId xmlns:p14="http://schemas.microsoft.com/office/powerpoint/2010/main" val="3809606816"/>
       </p:ext>
     </p:extLst>
   </p:cSld>
@@ -3004,52 +3015,53 @@
           <a:p>
             <a:r>
               <a:rPr lang="en-US" dirty="0" smtClean="0"/>
-              <a:t>If during message</a:t>
+              <a:t>But if we mark second route (with </a:t>
+            </a:r>
+            <a:r>
+              <a:rPr lang="en-US" dirty="0" err="1" smtClean="0"/>
+              <a:t>notify.user</a:t>
+            </a:r>
+            <a:r>
+              <a:rPr lang="en-US" dirty="0" smtClean="0"/>
+              <a:t> message) as deferred (with help of </a:t>
+            </a:r>
+            <a:r>
+              <a:rPr lang="en-US" dirty="0" err="1" smtClean="0"/>
+              <a:t>shutdownRoute</a:t>
+            </a:r>
+            <a:r>
+              <a:rPr lang="en-US" dirty="0" smtClean="0"/>
+              <a:t> attribute) as mentioned in DSL on this slide, then message will be delivered</a:t>
             </a:r>
             <a:r>
               <a:rPr lang="en-US" baseline="0" dirty="0" smtClean="0"/>
-              <a:t> </a:t>
-            </a:r>
-            <a:r>
-              <a:rPr lang="en-US" dirty="0" smtClean="0"/>
-              <a:t>processing in </a:t>
+              <a:t> on broker, but won’t be </a:t>
             </a:r>
             <a:r>
               <a:rPr lang="en-US" baseline="0" dirty="0" smtClean="0"/>
-              <a:t>Document Processor</a:t>
-            </a:r>
-            <a:r>
-              <a:rPr lang="ru-RU" baseline="0" dirty="0" smtClean="0"/>
-              <a:t> </a:t>
+              <a:t>consumed because </a:t>
             </a:r>
             <a:r>
               <a:rPr lang="en-US" baseline="0" dirty="0" smtClean="0"/>
-              <a:t>application will get a stop signal (</a:t>
-            </a:r>
-            <a:r>
-              <a:rPr lang="en-US" baseline="0" dirty="0" err="1" smtClean="0"/>
-              <a:t>Ctrl+c</a:t>
-            </a:r>
+              <a:t>we are shutting down. </a:t>
+            </a:r>
+            <a:endParaRPr lang="en-US" baseline="0" dirty="0" smtClean="0"/>
+          </a:p>
+          <a:p>
             <a:r>
               <a:rPr lang="en-US" baseline="0" dirty="0" smtClean="0"/>
-              <a:t>), then it’s clear with </a:t>
-            </a:r>
-            <a:r>
-              <a:rPr lang="en-US" baseline="0" dirty="0" err="1" smtClean="0"/>
-              <a:t>notify.user</a:t>
+              <a:t>It </a:t>
             </a:r>
             <a:r>
               <a:rPr lang="en-US" baseline="0" dirty="0" smtClean="0"/>
-              <a:t> consuming – it will not be received by Notify User Processor. But why? It will not be received just because it will not be send – instead on attempt to send </a:t>
-            </a:r>
-            <a:r>
-              <a:rPr lang="en-US" baseline="0" dirty="0" err="1" smtClean="0"/>
-              <a:t>notify.user</a:t>
+              <a:t>will be processed either on another host in another consumer or on this host when we start consumer </a:t>
             </a:r>
             <a:r>
               <a:rPr lang="en-US" baseline="0" dirty="0" smtClean="0"/>
-              <a:t> message we will get an exception</a:t>
-            </a:r>
+              <a:t>again</a:t>
+            </a:r>
+          </a:p>
+          <a:p>
             <a:endParaRPr lang="ru-RU" dirty="0"/>
           </a:p>
         </p:txBody>
@@ -3081,7 +3093,7 @@
     </p:spTree>
     <p:extLst>
       <p:ext uri="{BB962C8B-B14F-4D97-AF65-F5344CB8AC3E}">
-        <p14:creationId xmlns:p14="http://schemas.microsoft.com/office/powerpoint/2010/main" val="3809606816"/>
+        <p14:creationId xmlns:p14="http://schemas.microsoft.com/office/powerpoint/2010/main" val="254815921"/>
       </p:ext>
     </p:extLst>
   </p:cSld>
@@ -3137,37 +3149,41 @@
           <a:p>
             <a:r>
               <a:rPr lang="en-US" dirty="0" smtClean="0"/>
-              <a:t>But if we mark second route (with </a:t>
-            </a:r>
-            <a:r>
-              <a:rPr lang="en-US" dirty="0" err="1" smtClean="0"/>
-              <a:t>notify.user</a:t>
+              <a:t>For the next</a:t>
+            </a:r>
+            <a:r>
+              <a:rPr lang="en-US" baseline="0" dirty="0" smtClean="0"/>
+              <a:t> tip, l</a:t>
             </a:r>
             <a:r>
               <a:rPr lang="en-US" dirty="0" smtClean="0"/>
-              <a:t> message) as deferred (with help of </a:t>
-            </a:r>
-            <a:r>
-              <a:rPr lang="en-US" dirty="0" err="1" smtClean="0"/>
-              <a:t>shutdownRoute</a:t>
-            </a:r>
-            <a:r>
-              <a:rPr lang="en-US" dirty="0" smtClean="0"/>
-              <a:t> attribute) as mentioned in DSL on this slide, then message will be delivered</a:t>
+              <a:t>et’s try to</a:t>
             </a:r>
             <a:r>
               <a:rPr lang="en-US" baseline="0" dirty="0" smtClean="0"/>
-              <a:t> on broker, but won’t be </a:t>
+              <a:t> solve following issue. You want your application to consume files from ftp. This means, read file, process it, delete it. Most probably, if you care about reliability, you have 2 instances of this application for failover. If there are two of them, they work in parallel and may read and process the same file at the same time. This is not what we want. What we want, to have only one </a:t>
             </a:r>
             <a:r>
               <a:rPr lang="en-US" baseline="0" dirty="0" smtClean="0"/>
-              <a:t>consumed. </a:t>
+              <a:t>consumer active</a:t>
             </a:r>
             <a:r>
               <a:rPr lang="en-US" baseline="0" dirty="0" smtClean="0"/>
-              <a:t>Because we are shutting down. It will be processed either on another host in another consumer or on this host when we start consumer again</a:t>
-            </a:r>
-            <a:endParaRPr lang="ru-RU" dirty="0"/>
+              <a:t>, another should be inactive in this case. </a:t>
+            </a:r>
+          </a:p>
+          <a:p>
+            <a:r>
+              <a:rPr lang="en-US" baseline="0" dirty="0" smtClean="0"/>
+              <a:t>How to achieve this?</a:t>
+            </a:r>
+          </a:p>
+          <a:p>
+            <a:r>
+              <a:rPr lang="en-US" b="1" u="sng" baseline="0" dirty="0" smtClean="0"/>
+              <a:t>Your suggestions?</a:t>
+            </a:r>
+            <a:endParaRPr lang="ru-RU" b="1" u="sng" dirty="0"/>
           </a:p>
         </p:txBody>
       </p:sp>
@@ -3198,7 +3214,7 @@
     </p:spTree>
     <p:extLst>
       <p:ext uri="{BB962C8B-B14F-4D97-AF65-F5344CB8AC3E}">
-        <p14:creationId xmlns:p14="http://schemas.microsoft.com/office/powerpoint/2010/main" val="254815921"/>
+        <p14:creationId xmlns:p14="http://schemas.microsoft.com/office/powerpoint/2010/main" val="1351964368"/>
       </p:ext>
     </p:extLst>
   </p:cSld>
@@ -3254,61 +3270,17 @@
           <a:p>
             <a:r>
               <a:rPr lang="en-US" dirty="0" smtClean="0"/>
-              <a:t>For the next</a:t>
+              <a:t>You</a:t>
             </a:r>
             <a:r>
               <a:rPr lang="en-US" baseline="0" dirty="0" smtClean="0"/>
-              <a:t> tip, l</a:t>
-            </a:r>
-            <a:r>
-              <a:rPr lang="en-US" dirty="0" smtClean="0"/>
-              <a:t>et’s </a:t>
-            </a:r>
-            <a:r>
-              <a:rPr lang="en-US" dirty="0" smtClean="0"/>
-              <a:t>try to</a:t>
+              <a:t> can just disable the consuming functionality on one host with help of configuration property (so the whole ftp consuming is turned </a:t>
             </a:r>
             <a:r>
               <a:rPr lang="en-US" baseline="0" dirty="0" smtClean="0"/>
-              <a:t> solve following issue. You </a:t>
-            </a:r>
-            <a:r>
-              <a:rPr lang="en-US" baseline="0" dirty="0" smtClean="0"/>
-              <a:t>want your </a:t>
-            </a:r>
-            <a:r>
-              <a:rPr lang="en-US" baseline="0" dirty="0" smtClean="0"/>
-              <a:t>application to consume files from ftp. This means, read file, </a:t>
-            </a:r>
-            <a:r>
-              <a:rPr lang="en-US" baseline="0" dirty="0" smtClean="0"/>
-              <a:t>process it, delete it. </a:t>
-            </a:r>
-            <a:r>
-              <a:rPr lang="en-US" baseline="0" dirty="0" smtClean="0"/>
-              <a:t>Most probably, if you care about reliability, you have 2 instances of this application for failover. If there are two of them, they work in parallel and may </a:t>
-            </a:r>
-            <a:r>
-              <a:rPr lang="en-US" baseline="0" dirty="0" smtClean="0"/>
-              <a:t>read </a:t>
-            </a:r>
-            <a:r>
-              <a:rPr lang="en-US" baseline="0" dirty="0" smtClean="0"/>
-              <a:t>and process the same file at the same time. This is not what we want. What we want, to have only one processor active, another should be inactive in this case. </a:t>
-            </a:r>
-          </a:p>
-          <a:p>
-            <a:r>
-              <a:rPr lang="en-US" baseline="0" dirty="0" smtClean="0"/>
-              <a:t>How to achieve this?</a:t>
-            </a:r>
-          </a:p>
-          <a:p>
-            <a:r>
-              <a:rPr lang="en-US" b="1" u="sng" baseline="0" dirty="0" smtClean="0"/>
-              <a:t>Your suggestions?</a:t>
-            </a:r>
-            <a:endParaRPr lang="ru-RU" b="1" u="sng" dirty="0"/>
+              <a:t>off on that host)</a:t>
+            </a:r>
+            <a:endParaRPr lang="ru-RU" dirty="0"/>
           </a:p>
         </p:txBody>
       </p:sp>
@@ -3339,7 +3311,7 @@
     </p:spTree>
     <p:extLst>
       <p:ext uri="{BB962C8B-B14F-4D97-AF65-F5344CB8AC3E}">
-        <p14:creationId xmlns:p14="http://schemas.microsoft.com/office/powerpoint/2010/main" val="1351964368"/>
+        <p14:creationId xmlns:p14="http://schemas.microsoft.com/office/powerpoint/2010/main" val="3462169580"/>
       </p:ext>
     </p:extLst>
   </p:cSld>
@@ -3395,19 +3367,19 @@
           <a:p>
             <a:r>
               <a:rPr lang="en-US" dirty="0" smtClean="0"/>
-              <a:t>You</a:t>
+              <a:t>But then,</a:t>
             </a:r>
             <a:r>
               <a:rPr lang="en-US" baseline="0" dirty="0" smtClean="0"/>
-              <a:t> can just disable the </a:t>
+              <a:t> if the remaining host goes down, nobody is </a:t>
             </a:r>
             <a:r>
               <a:rPr lang="en-US" baseline="0" dirty="0" smtClean="0"/>
-              <a:t>consuming functionality on one host with </a:t>
+              <a:t>looking into ftp server – </a:t>
             </a:r>
             <a:r>
               <a:rPr lang="en-US" baseline="0" dirty="0" smtClean="0"/>
-              <a:t>help of configuration property (so the whole ftp consuming is turned off)</a:t>
+              <a:t>so why we ever cared for two hosts and failover?</a:t>
             </a:r>
             <a:endParaRPr lang="ru-RU" dirty="0"/>
           </a:p>
@@ -3440,7 +3412,7 @@
     </p:spTree>
     <p:extLst>
       <p:ext uri="{BB962C8B-B14F-4D97-AF65-F5344CB8AC3E}">
-        <p14:creationId xmlns:p14="http://schemas.microsoft.com/office/powerpoint/2010/main" val="3462169580"/>
+        <p14:creationId xmlns:p14="http://schemas.microsoft.com/office/powerpoint/2010/main" val="2416050967"/>
       </p:ext>
     </p:extLst>
   </p:cSld>
@@ -3496,11 +3468,11 @@
           <a:p>
             <a:r>
               <a:rPr lang="en-US" dirty="0" smtClean="0"/>
-              <a:t>But then,</a:t>
+              <a:t>Better solution would be to say that we</a:t>
             </a:r>
             <a:r>
               <a:rPr lang="en-US" baseline="0" dirty="0" smtClean="0"/>
-              <a:t> if the remaining host goes down, nobody is processing the ftp – so why we ever cared for two hosts and failover?</a:t>
+              <a:t> have a kind of master/slave configuration. When the master goes down, slave detects this and becomes master</a:t>
             </a:r>
             <a:endParaRPr lang="ru-RU" dirty="0"/>
           </a:p>
@@ -3533,7 +3505,7 @@
     </p:spTree>
     <p:extLst>
       <p:ext uri="{BB962C8B-B14F-4D97-AF65-F5344CB8AC3E}">
-        <p14:creationId xmlns:p14="http://schemas.microsoft.com/office/powerpoint/2010/main" val="2416050967"/>
+        <p14:creationId xmlns:p14="http://schemas.microsoft.com/office/powerpoint/2010/main" val="1995027975"/>
       </p:ext>
     </p:extLst>
   </p:cSld>
@@ -3589,11 +3561,11 @@
           <a:p>
             <a:r>
               <a:rPr lang="en-US" dirty="0" smtClean="0"/>
-              <a:t>Better solution would be to say that we</a:t>
+              <a:t>We</a:t>
             </a:r>
             <a:r>
               <a:rPr lang="en-US" baseline="0" dirty="0" smtClean="0"/>
-              <a:t> have a kind of master/slave configuration. When the master goes down, slave detects this and becomes master</a:t>
+              <a:t> can use zookeeper server for this scenario. Both master and slave register on zookeeper server. Who registered first is elected as master. Later if master goes down, slave is elected as new master</a:t>
             </a:r>
             <a:endParaRPr lang="ru-RU" dirty="0"/>
           </a:p>
@@ -3626,7 +3598,7 @@
     </p:spTree>
     <p:extLst>
       <p:ext uri="{BB962C8B-B14F-4D97-AF65-F5344CB8AC3E}">
-        <p14:creationId xmlns:p14="http://schemas.microsoft.com/office/powerpoint/2010/main" val="1995027975"/>
+        <p14:creationId xmlns:p14="http://schemas.microsoft.com/office/powerpoint/2010/main" val="141735383"/>
       </p:ext>
     </p:extLst>
   </p:cSld>
@@ -3815,13 +3787,15 @@
           <a:p>
             <a:r>
               <a:rPr lang="en-US" dirty="0" smtClean="0"/>
-              <a:t>We</a:t>
-            </a:r>
-            <a:r>
-              <a:rPr lang="en-US" baseline="0" dirty="0" smtClean="0"/>
-              <a:t> can use zookeeper server for this scenario. Both master and slave register on zookeeper server. Who registered first is elected as master. Later if master goes down, slave is elected as new master</a:t>
-            </a:r>
-            <a:endParaRPr lang="ru-RU" dirty="0"/>
+              <a:t>So how complex should be doing such a thing?</a:t>
+            </a:r>
+          </a:p>
+          <a:p>
+            <a:r>
+              <a:rPr lang="en-US" b="1" dirty="0" smtClean="0"/>
+              <a:t>Your suggestions? One line, 10, 100?</a:t>
+            </a:r>
+            <a:endParaRPr lang="ru-RU" b="1" dirty="0"/>
           </a:p>
         </p:txBody>
       </p:sp>
@@ -3852,7 +3826,7 @@
     </p:spTree>
     <p:extLst>
       <p:ext uri="{BB962C8B-B14F-4D97-AF65-F5344CB8AC3E}">
-        <p14:creationId xmlns:p14="http://schemas.microsoft.com/office/powerpoint/2010/main" val="141735383"/>
+        <p14:creationId xmlns:p14="http://schemas.microsoft.com/office/powerpoint/2010/main" val="411962562"/>
       </p:ext>
     </p:extLst>
   </p:cSld>
@@ -3908,15 +3882,13 @@
           <a:p>
             <a:r>
               <a:rPr lang="en-US" dirty="0" smtClean="0"/>
-              <a:t>So how complex should be doing such a thing?</a:t>
-            </a:r>
-          </a:p>
-          <a:p>
-            <a:r>
-              <a:rPr lang="en-US" b="1" dirty="0" smtClean="0"/>
-              <a:t>Your suggestions? One line, 10, 100?</a:t>
-            </a:r>
-            <a:endParaRPr lang="ru-RU" b="1" dirty="0"/>
+              <a:t>The solution to</a:t>
+            </a:r>
+            <a:r>
+              <a:rPr lang="en-US" baseline="0" dirty="0" smtClean="0"/>
+              <a:t> this problem is pretty simple – you would need to declare zookeeper policy bean and refer to it in route you need.</a:t>
+            </a:r>
+            <a:endParaRPr lang="ru-RU" dirty="0"/>
           </a:p>
         </p:txBody>
       </p:sp>
@@ -3947,7 +3919,7 @@
     </p:spTree>
     <p:extLst>
       <p:ext uri="{BB962C8B-B14F-4D97-AF65-F5344CB8AC3E}">
-        <p14:creationId xmlns:p14="http://schemas.microsoft.com/office/powerpoint/2010/main" val="411962562"/>
+        <p14:creationId xmlns:p14="http://schemas.microsoft.com/office/powerpoint/2010/main" val="3682573828"/>
       </p:ext>
     </p:extLst>
   </p:cSld>
@@ -4003,11 +3975,25 @@
           <a:p>
             <a:r>
               <a:rPr lang="en-US" dirty="0" smtClean="0"/>
-              <a:t>The solution to</a:t>
+              <a:t>Let’s talk a bit</a:t>
             </a:r>
             <a:r>
               <a:rPr lang="en-US" baseline="0" dirty="0" smtClean="0"/>
-              <a:t> this problem is pretty simple – you would need to declare zookeeper policy bean and refer to it in route you need.</a:t>
+              <a:t> about testing. When writing application for camel, we usually create different integrated parts – we create processors that consume the message at the end of route and do the logic, we write routes.</a:t>
+            </a:r>
+          </a:p>
+          <a:p>
+            <a:r>
+              <a:rPr lang="en-US" baseline="0" dirty="0" smtClean="0"/>
+              <a:t>What </a:t>
+            </a:r>
+            <a:r>
+              <a:rPr lang="en-US" baseline="0" dirty="0" smtClean="0"/>
+              <a:t>parts would you test</a:t>
+            </a:r>
+            <a:r>
+              <a:rPr lang="en-US" baseline="0" dirty="0" smtClean="0"/>
+              <a:t>?</a:t>
             </a:r>
             <a:endParaRPr lang="ru-RU" dirty="0"/>
           </a:p>
@@ -4040,7 +4026,7 @@
     </p:spTree>
     <p:extLst>
       <p:ext uri="{BB962C8B-B14F-4D97-AF65-F5344CB8AC3E}">
-        <p14:creationId xmlns:p14="http://schemas.microsoft.com/office/powerpoint/2010/main" val="3682573828"/>
+        <p14:creationId xmlns:p14="http://schemas.microsoft.com/office/powerpoint/2010/main" val="4049607275"/>
       </p:ext>
     </p:extLst>
   </p:cSld>
@@ -4095,24 +4081,9 @@
           <a:lstStyle/>
           <a:p>
             <a:r>
-              <a:rPr lang="en-US" dirty="0" smtClean="0"/>
-              <a:t>Let’s talk a bit</a:t>
-            </a:r>
-            <a:r>
               <a:rPr lang="en-US" baseline="0" dirty="0" smtClean="0"/>
-              <a:t> about testing. </a:t>
-            </a:r>
-            <a:r>
-              <a:rPr lang="en-US" baseline="0" dirty="0" smtClean="0"/>
-              <a:t>When writing application for camel, we usually create different integrated parts – we create processors that consume the message at the end of route and do the logic, we write routes.</a:t>
-            </a:r>
-          </a:p>
-          <a:p>
-            <a:r>
-              <a:rPr lang="en-US" baseline="0" dirty="0" smtClean="0"/>
-              <a:t>What from this parts would test?</a:t>
-            </a:r>
-            <a:endParaRPr lang="ru-RU" dirty="0"/>
+              <a:t>Camel tries to be very lightweight framework and all parts that developer writes – mostly POJOs that could be easily tested with unit tests</a:t>
+            </a:r>
           </a:p>
         </p:txBody>
       </p:sp>
@@ -4143,7 +4114,7 @@
     </p:spTree>
     <p:extLst>
       <p:ext uri="{BB962C8B-B14F-4D97-AF65-F5344CB8AC3E}">
-        <p14:creationId xmlns:p14="http://schemas.microsoft.com/office/powerpoint/2010/main" val="4049607275"/>
+        <p14:creationId xmlns:p14="http://schemas.microsoft.com/office/powerpoint/2010/main" val="755885285"/>
       </p:ext>
     </p:extLst>
   </p:cSld>
@@ -4199,25 +4170,13 @@
           <a:p>
             <a:r>
               <a:rPr lang="en-US" baseline="0" dirty="0" smtClean="0"/>
-              <a:t>Camel </a:t>
+              <a:t>But developer writes routes as well, so it would be nice to test them too. And if routes involve broker, it would be nice to use it too to check correct </a:t>
             </a:r>
             <a:r>
               <a:rPr lang="en-US" baseline="0" dirty="0" smtClean="0"/>
-              <a:t>tries to be very lightweight framework and all </a:t>
-            </a:r>
-            <a:r>
-              <a:rPr lang="en-US" baseline="0" dirty="0" smtClean="0"/>
-              <a:t>parts that </a:t>
-            </a:r>
-            <a:r>
-              <a:rPr lang="en-US" baseline="0" dirty="0" smtClean="0"/>
-              <a:t>developer writes – mostly POJOs that could be easily tested with unit </a:t>
-            </a:r>
-            <a:r>
-              <a:rPr lang="en-US" baseline="0" dirty="0" smtClean="0"/>
-              <a:t>tests</a:t>
-            </a:r>
-            <a:endParaRPr lang="en-US" baseline="0" dirty="0" smtClean="0"/>
+              <a:t>integration. And it would be nice to run broker in some embedded mode</a:t>
+            </a:r>
+            <a:endParaRPr lang="ru-RU" dirty="0"/>
           </a:p>
         </p:txBody>
       </p:sp>
@@ -4248,7 +4207,7 @@
     </p:spTree>
     <p:extLst>
       <p:ext uri="{BB962C8B-B14F-4D97-AF65-F5344CB8AC3E}">
-        <p14:creationId xmlns:p14="http://schemas.microsoft.com/office/powerpoint/2010/main" val="755885285"/>
+        <p14:creationId xmlns:p14="http://schemas.microsoft.com/office/powerpoint/2010/main" val="3390704959"/>
       </p:ext>
     </p:extLst>
   </p:cSld>
@@ -4303,12 +4262,34 @@
           <a:lstStyle/>
           <a:p>
             <a:r>
+              <a:rPr lang="en-US" dirty="0" smtClean="0"/>
+              <a:t>Fortunately </a:t>
+            </a:r>
+            <a:r>
+              <a:rPr lang="en-US" dirty="0" err="1" smtClean="0"/>
+              <a:t>ActiveMQ</a:t>
+            </a:r>
+            <a:r>
+              <a:rPr lang="en-US" dirty="0" smtClean="0"/>
+              <a:t> supports such working mode. On this slide we can see example of configuration</a:t>
+            </a:r>
+            <a:r>
               <a:rPr lang="en-US" baseline="0" dirty="0" smtClean="0"/>
-              <a:t>But </a:t>
+              <a:t> that will automatically start broker in process of JVM. Also internal </a:t>
+            </a:r>
+            <a:r>
+              <a:rPr lang="en-US" baseline="0" dirty="0" err="1" smtClean="0"/>
+              <a:t>ActiveMQ</a:t>
             </a:r>
             <a:r>
               <a:rPr lang="en-US" baseline="0" dirty="0" smtClean="0"/>
-              <a:t>developer writes routes as well, so it would be nice to test them too. And if routes involve broker, it would be nice to use it too to check correct integration</a:t>
+              <a:t> database for message storing will reside in memory (so no need to clean file system after tests).</a:t>
+            </a:r>
+          </a:p>
+          <a:p>
+            <a:r>
+              <a:rPr lang="en-US" baseline="0" dirty="0" smtClean="0"/>
+              <a:t>No additional configuration needed.</a:t>
             </a:r>
             <a:endParaRPr lang="ru-RU" dirty="0"/>
           </a:p>
@@ -4341,7 +4322,7 @@
     </p:spTree>
     <p:extLst>
       <p:ext uri="{BB962C8B-B14F-4D97-AF65-F5344CB8AC3E}">
-        <p14:creationId xmlns:p14="http://schemas.microsoft.com/office/powerpoint/2010/main" val="3390704959"/>
+        <p14:creationId xmlns:p14="http://schemas.microsoft.com/office/powerpoint/2010/main" val="28695373"/>
       </p:ext>
     </p:extLst>
   </p:cSld>
@@ -4397,41 +4378,11 @@
           <a:p>
             <a:r>
               <a:rPr lang="en-US" dirty="0" smtClean="0"/>
-              <a:t>Fortunately </a:t>
-            </a:r>
-            <a:r>
-              <a:rPr lang="en-US" dirty="0" err="1" smtClean="0"/>
-              <a:t>ActiveMQ</a:t>
-            </a:r>
-            <a:r>
-              <a:rPr lang="en-US" dirty="0" smtClean="0"/>
-              <a:t> supports such working mode. On this slide we can see example of configuration</a:t>
+              <a:t>Also for testing routes Camel has own mocks that allow</a:t>
             </a:r>
             <a:r>
               <a:rPr lang="en-US" baseline="0" dirty="0" smtClean="0"/>
-              <a:t> that will </a:t>
-            </a:r>
-            <a:r>
-              <a:rPr lang="en-US" baseline="0" dirty="0" smtClean="0"/>
-              <a:t>automatically start </a:t>
-            </a:r>
-            <a:r>
-              <a:rPr lang="en-US" baseline="0" dirty="0" smtClean="0"/>
-              <a:t>broker in process of JVM. Also internal </a:t>
-            </a:r>
-            <a:r>
-              <a:rPr lang="en-US" baseline="0" dirty="0" err="1" smtClean="0"/>
-              <a:t>ActiveMQ</a:t>
-            </a:r>
-            <a:r>
-              <a:rPr lang="en-US" baseline="0" dirty="0" smtClean="0"/>
-              <a:t> database for message storing will reside in memory (so no need to clean file system after tests).</a:t>
-            </a:r>
-          </a:p>
-          <a:p>
-            <a:r>
-              <a:rPr lang="en-US" baseline="0" dirty="0" smtClean="0"/>
-              <a:t>No additional configuration needed.</a:t>
+              <a:t> to specify a mock object as endpoint, </a:t>
             </a:r>
             <a:endParaRPr lang="ru-RU" dirty="0"/>
           </a:p>
@@ -4464,7 +4415,7 @@
     </p:spTree>
     <p:extLst>
       <p:ext uri="{BB962C8B-B14F-4D97-AF65-F5344CB8AC3E}">
-        <p14:creationId xmlns:p14="http://schemas.microsoft.com/office/powerpoint/2010/main" val="28695373"/>
+        <p14:creationId xmlns:p14="http://schemas.microsoft.com/office/powerpoint/2010/main" val="2807010291"/>
       </p:ext>
     </p:extLst>
   </p:cSld>
@@ -4520,19 +4471,42 @@
           <a:p>
             <a:r>
               <a:rPr lang="en-US" dirty="0" smtClean="0"/>
-              <a:t>Also </a:t>
+              <a:t>We can </a:t>
+            </a:r>
+            <a:r>
+              <a:rPr lang="en-US" baseline="0" dirty="0" smtClean="0"/>
+              <a:t>make some assertions on it and after message is processed, verify them.</a:t>
+            </a:r>
+          </a:p>
+          <a:p>
+            <a:r>
+              <a:rPr lang="en-US" baseline="0" dirty="0" smtClean="0"/>
+              <a:t>Also</a:t>
             </a:r>
             <a:r>
               <a:rPr lang="en-US" dirty="0" smtClean="0"/>
-              <a:t>for testing routes Camel </a:t>
-            </a:r>
-            <a:r>
-              <a:rPr lang="en-US" dirty="0" smtClean="0"/>
-              <a:t>has own mocks that allow</a:t>
+              <a:t> </a:t>
             </a:r>
             <a:r>
               <a:rPr lang="en-US" baseline="0" dirty="0" smtClean="0"/>
-              <a:t> to specify a mock object as endpoint, </a:t>
+              <a:t>Camel</a:t>
+            </a:r>
+            <a:r>
+              <a:rPr lang="ru-RU" baseline="0" dirty="0" smtClean="0"/>
+              <a:t> </a:t>
+            </a:r>
+            <a:r>
+              <a:rPr lang="en-US" baseline="0" dirty="0" smtClean="0"/>
+              <a:t>supports Spring and allows to use annotations for dependency injection in test classes</a:t>
+            </a:r>
+          </a:p>
+          <a:p>
+            <a:endParaRPr lang="en-US" baseline="0" dirty="0" smtClean="0"/>
+          </a:p>
+          <a:p>
+            <a:r>
+              <a:rPr lang="en-US" baseline="0" dirty="0" smtClean="0"/>
+              <a:t>So I hope I intrigued you enough to give Camel a try if you never used it or uncovered some tips with it you didn’t know about.</a:t>
             </a:r>
             <a:endParaRPr lang="ru-RU" dirty="0"/>
           </a:p>
@@ -4565,7 +4539,7 @@
     </p:spTree>
     <p:extLst>
       <p:ext uri="{BB962C8B-B14F-4D97-AF65-F5344CB8AC3E}">
-        <p14:creationId xmlns:p14="http://schemas.microsoft.com/office/powerpoint/2010/main" val="2807010291"/>
+        <p14:creationId xmlns:p14="http://schemas.microsoft.com/office/powerpoint/2010/main" val="3893870202"/>
       </p:ext>
     </p:extLst>
   </p:cSld>
@@ -4594,7 +4568,7 @@
       </p:grpSpPr>
       <p:sp>
         <p:nvSpPr>
-          <p:cNvPr id="2" name="Образ слайда 1"/>
+          <p:cNvPr id="2" name="Slide Image Placeholder 1"/>
           <p:cNvSpPr>
             <a:spLocks noGrp="1" noRot="1" noChangeAspect="1"/>
           </p:cNvSpPr>
@@ -4602,11 +4576,16 @@
             <p:ph type="sldImg"/>
           </p:nvPr>
         </p:nvSpPr>
-        <p:spPr/>
-      </p:sp>
-      <p:sp>
-        <p:nvSpPr>
-          <p:cNvPr id="3" name="Заметки 2"/>
+        <p:spPr>
+          <a:xfrm>
+            <a:off x="1143000" y="685800"/>
+            <a:ext cx="4572000" cy="3429000"/>
+          </a:xfrm>
+        </p:spPr>
+      </p:sp>
+      <p:sp>
+        <p:nvSpPr>
+          <p:cNvPr id="3" name="Notes Placeholder 2"/>
           <p:cNvSpPr>
             <a:spLocks noGrp="1"/>
           </p:cNvSpPr>
@@ -4619,68 +4598,30 @@
           <a:bodyPr/>
           <a:lstStyle/>
           <a:p>
-            <a:r>
-              <a:rPr lang="en-US" dirty="0" smtClean="0"/>
-              <a:t>We can </a:t>
-            </a:r>
-            <a:r>
-              <a:rPr lang="en-US" baseline="0" dirty="0" smtClean="0"/>
-              <a:t>make </a:t>
-            </a:r>
-            <a:r>
-              <a:rPr lang="en-US" baseline="0" dirty="0" smtClean="0"/>
-              <a:t>some assertions on it and after message is processed, verify them.</a:t>
-            </a:r>
-          </a:p>
-          <a:p>
-            <a:r>
-              <a:rPr lang="en-US" baseline="0" dirty="0" smtClean="0"/>
-              <a:t>Also</a:t>
-            </a:r>
-            <a:r>
-              <a:rPr lang="en-US" dirty="0" smtClean="0"/>
-              <a:t> </a:t>
-            </a:r>
-            <a:r>
-              <a:rPr lang="en-US" baseline="0" dirty="0" smtClean="0"/>
-              <a:t>Camel</a:t>
-            </a:r>
-            <a:r>
-              <a:rPr lang="ru-RU" baseline="0" dirty="0" smtClean="0"/>
-              <a:t> </a:t>
-            </a:r>
-            <a:r>
-              <a:rPr lang="en-US" baseline="0" dirty="0" smtClean="0"/>
-              <a:t>supports Spring </a:t>
-            </a:r>
-            <a:r>
-              <a:rPr lang="en-US" baseline="0" dirty="0" smtClean="0"/>
-              <a:t>and </a:t>
-            </a:r>
-            <a:r>
-              <a:rPr lang="en-US" baseline="0" dirty="0" smtClean="0"/>
-              <a:t>allows to use annotations for dependency injection in test </a:t>
-            </a:r>
-            <a:r>
-              <a:rPr lang="en-US" baseline="0" dirty="0" smtClean="0"/>
-              <a:t>classes</a:t>
-            </a:r>
-          </a:p>
-          <a:p>
-            <a:endParaRPr lang="en-US" baseline="0" dirty="0" smtClean="0"/>
-          </a:p>
-          <a:p>
-            <a:r>
-              <a:rPr lang="en-US" baseline="0" dirty="0" smtClean="0"/>
-              <a:t>So I hope I intrigued you enough to give Camel a try if you never used it or uncovered some tips with it you didn’t know about.</a:t>
-            </a:r>
-            <a:endParaRPr lang="ru-RU" dirty="0"/>
-          </a:p>
-        </p:txBody>
-      </p:sp>
-      <p:sp>
-        <p:nvSpPr>
-          <p:cNvPr id="4" name="Номер слайда 3"/>
+            <a:pPr marL="0" marR="0" indent="0" algn="l" defTabSz="914400" rtl="0" eaLnBrk="1" fontAlgn="auto" latinLnBrk="0" hangingPunct="1">
+              <a:lnSpc>
+                <a:spcPct val="100000"/>
+              </a:lnSpc>
+              <a:spcBef>
+                <a:spcPts val="0"/>
+              </a:spcBef>
+              <a:spcAft>
+                <a:spcPts val="0"/>
+              </a:spcAft>
+              <a:buClrTx/>
+              <a:buSzTx/>
+              <a:buFontTx/>
+              <a:buNone/>
+              <a:tabLst/>
+              <a:defRPr/>
+            </a:pPr>
+            <a:endParaRPr lang="en-US" dirty="0"/>
+          </a:p>
+        </p:txBody>
+      </p:sp>
+      <p:sp>
+        <p:nvSpPr>
+          <p:cNvPr id="4" name="Slide Number Placeholder 3"/>
           <p:cNvSpPr>
             <a:spLocks noGrp="1"/>
           </p:cNvSpPr>
@@ -4705,7 +4646,7 @@
     </p:spTree>
     <p:extLst>
       <p:ext uri="{BB962C8B-B14F-4D97-AF65-F5344CB8AC3E}">
-        <p14:creationId xmlns:p14="http://schemas.microsoft.com/office/powerpoint/2010/main" val="3893870202"/>
+        <p14:creationId xmlns:p14="http://schemas.microsoft.com/office/powerpoint/2010/main" val="1347711957"/>
       </p:ext>
     </p:extLst>
   </p:cSld>
@@ -4734,7 +4675,7 @@
       </p:grpSpPr>
       <p:sp>
         <p:nvSpPr>
-          <p:cNvPr id="2" name="Slide Image Placeholder 1"/>
+          <p:cNvPr id="2" name="Образ слайда 1"/>
           <p:cNvSpPr>
             <a:spLocks noGrp="1" noRot="1" noChangeAspect="1"/>
           </p:cNvSpPr>
@@ -4742,16 +4683,11 @@
             <p:ph type="sldImg"/>
           </p:nvPr>
         </p:nvSpPr>
-        <p:spPr>
-          <a:xfrm>
-            <a:off x="1143000" y="685800"/>
-            <a:ext cx="4572000" cy="3429000"/>
-          </a:xfrm>
-        </p:spPr>
-      </p:sp>
-      <p:sp>
-        <p:nvSpPr>
-          <p:cNvPr id="3" name="Notes Placeholder 2"/>
+        <p:spPr/>
+      </p:sp>
+      <p:sp>
+        <p:nvSpPr>
+          <p:cNvPr id="3" name="Заметки 2"/>
           <p:cNvSpPr>
             <a:spLocks noGrp="1"/>
           </p:cNvSpPr>
@@ -4764,30 +4700,13 @@
           <a:bodyPr/>
           <a:lstStyle/>
           <a:p>
-            <a:pPr marL="0" marR="0" indent="0" algn="l" defTabSz="914400" rtl="0" eaLnBrk="1" fontAlgn="auto" latinLnBrk="0" hangingPunct="1">
-              <a:lnSpc>
-                <a:spcPct val="100000"/>
-              </a:lnSpc>
-              <a:spcBef>
-                <a:spcPts val="0"/>
-              </a:spcBef>
-              <a:spcAft>
-                <a:spcPts val="0"/>
-              </a:spcAft>
-              <a:buClrTx/>
-              <a:buSzTx/>
-              <a:buFontTx/>
-              <a:buNone/>
-              <a:tabLst/>
-              <a:defRPr/>
-            </a:pPr>
-            <a:endParaRPr lang="en-US" dirty="0"/>
-          </a:p>
-        </p:txBody>
-      </p:sp>
-      <p:sp>
-        <p:nvSpPr>
-          <p:cNvPr id="4" name="Slide Number Placeholder 3"/>
+            <a:endParaRPr lang="ru-RU"/>
+          </a:p>
+        </p:txBody>
+      </p:sp>
+      <p:sp>
+        <p:nvSpPr>
+          <p:cNvPr id="4" name="Номер слайда 3"/>
           <p:cNvSpPr>
             <a:spLocks noGrp="1"/>
           </p:cNvSpPr>
@@ -4812,7 +4731,7 @@
     </p:spTree>
     <p:extLst>
       <p:ext uri="{BB962C8B-B14F-4D97-AF65-F5344CB8AC3E}">
-        <p14:creationId xmlns:p14="http://schemas.microsoft.com/office/powerpoint/2010/main" val="1347711957"/>
+        <p14:creationId xmlns:p14="http://schemas.microsoft.com/office/powerpoint/2010/main" val="374075770"/>
       </p:ext>
     </p:extLst>
   </p:cSld>
@@ -4972,91 +4891,6 @@
 </p:notes>
 </file>
 
-<file path=ppt/notesSlides/notesSlide40.xml><?xml version="1.0" encoding="utf-8"?>
-<p:notes xmlns:a="http://schemas.openxmlformats.org/drawingml/2006/main" xmlns:r="http://schemas.openxmlformats.org/officeDocument/2006/relationships" xmlns:p="http://schemas.openxmlformats.org/presentationml/2006/main">
-  <p:cSld>
-    <p:spTree>
-      <p:nvGrpSpPr>
-        <p:cNvPr id="1" name=""/>
-        <p:cNvGrpSpPr/>
-        <p:nvPr/>
-      </p:nvGrpSpPr>
-      <p:grpSpPr>
-        <a:xfrm>
-          <a:off x="0" y="0"/>
-          <a:ext cx="0" cy="0"/>
-          <a:chOff x="0" y="0"/>
-          <a:chExt cx="0" cy="0"/>
-        </a:xfrm>
-      </p:grpSpPr>
-      <p:sp>
-        <p:nvSpPr>
-          <p:cNvPr id="2" name="Образ слайда 1"/>
-          <p:cNvSpPr>
-            <a:spLocks noGrp="1" noRot="1" noChangeAspect="1"/>
-          </p:cNvSpPr>
-          <p:nvPr>
-            <p:ph type="sldImg"/>
-          </p:nvPr>
-        </p:nvSpPr>
-        <p:spPr/>
-      </p:sp>
-      <p:sp>
-        <p:nvSpPr>
-          <p:cNvPr id="3" name="Заметки 2"/>
-          <p:cNvSpPr>
-            <a:spLocks noGrp="1"/>
-          </p:cNvSpPr>
-          <p:nvPr>
-            <p:ph type="body" idx="1"/>
-          </p:nvPr>
-        </p:nvSpPr>
-        <p:spPr/>
-        <p:txBody>
-          <a:bodyPr/>
-          <a:lstStyle/>
-          <a:p>
-            <a:endParaRPr lang="ru-RU"/>
-          </a:p>
-        </p:txBody>
-      </p:sp>
-      <p:sp>
-        <p:nvSpPr>
-          <p:cNvPr id="4" name="Номер слайда 3"/>
-          <p:cNvSpPr>
-            <a:spLocks noGrp="1"/>
-          </p:cNvSpPr>
-          <p:nvPr>
-            <p:ph type="sldNum" sz="quarter" idx="10"/>
-          </p:nvPr>
-        </p:nvSpPr>
-        <p:spPr/>
-        <p:txBody>
-          <a:bodyPr/>
-          <a:lstStyle/>
-          <a:p>
-            <a:fld id="{7AE90029-A909-AD4E-9775-A0D64990AD22}" type="slidenum">
-              <a:rPr lang="en-US" smtClean="0"/>
-              <a:pPr/>
-              <a:t>40</a:t>
-            </a:fld>
-            <a:endParaRPr lang="en-US"/>
-          </a:p>
-        </p:txBody>
-      </p:sp>
-    </p:spTree>
-    <p:extLst>
-      <p:ext uri="{BB962C8B-B14F-4D97-AF65-F5344CB8AC3E}">
-        <p14:creationId xmlns:p14="http://schemas.microsoft.com/office/powerpoint/2010/main" val="374075770"/>
-      </p:ext>
-    </p:extLst>
-  </p:cSld>
-  <p:clrMapOvr>
-    <a:masterClrMapping/>
-  </p:clrMapOvr>
-</p:notes>
-</file>
-
 <file path=ppt/notesSlides/notesSlide5.xml><?xml version="1.0" encoding="utf-8"?>
 <p:notes xmlns:a="http://schemas.openxmlformats.org/drawingml/2006/main" xmlns:r="http://schemas.openxmlformats.org/officeDocument/2006/relationships" xmlns:p="http://schemas.openxmlformats.org/presentationml/2006/main">
   <p:cSld>
@@ -5137,26 +4971,30 @@
           </a:p>
           <a:p>
             <a:r>
-              <a:rPr lang="en-US" dirty="0" err="1" smtClean="0"/>
-              <a:t>Async</a:t>
-            </a:r>
-            <a:r>
               <a:rPr lang="en-US" dirty="0" smtClean="0"/>
-              <a:t> </a:t>
+              <a:t>It’s </a:t>
             </a:r>
             <a:r>
               <a:rPr lang="en-US" dirty="0" smtClean="0"/>
-              <a:t>processing usually is</a:t>
+              <a:t>usually </a:t>
             </a:r>
             <a:r>
               <a:rPr lang="en-US" baseline="0" dirty="0" smtClean="0"/>
-              <a:t> used if the request processing requires significant time or high load.</a:t>
-            </a:r>
-          </a:p>
-          <a:p>
+              <a:t>used </a:t>
+            </a:r>
             <a:r>
               <a:rPr lang="en-US" baseline="0" dirty="0" smtClean="0"/>
-              <a:t>User gets immediate answer like “Your request is accepted” and all the hard work executed in background. And on completion, user is notified for example, by email</a:t>
+              <a:t>if the request processing requires significant time or high load.</a:t>
+            </a:r>
+          </a:p>
+          <a:p>
+            <a:r>
+              <a:rPr lang="en-US" baseline="0" dirty="0" smtClean="0"/>
+              <a:t>User gets immediate answer like “Your request is accepted” and all the hard work executed in background. And on completion, user is notified </a:t>
+            </a:r>
+            <a:r>
+              <a:rPr lang="en-US" baseline="0" dirty="0" smtClean="0"/>
+              <a:t>by email for example</a:t>
             </a:r>
             <a:endParaRPr lang="ru-RU" baseline="0" dirty="0" smtClean="0"/>
           </a:p>
@@ -5258,19 +5096,7 @@
           <a:p>
             <a:r>
               <a:rPr lang="en-US" baseline="0" dirty="0" smtClean="0"/>
-              <a:t>What even worse, we will loose </a:t>
-            </a:r>
-            <a:r>
-              <a:rPr lang="en-US" baseline="0" dirty="0" smtClean="0"/>
-              <a:t>the message we’ve sent (which </a:t>
-            </a:r>
-            <a:r>
-              <a:rPr lang="en-US" baseline="0" dirty="0" smtClean="0"/>
-              <a:t>is our context) and consumer will not be able to try to process it once again using </a:t>
-            </a:r>
-            <a:r>
-              <a:rPr lang="en-US" baseline="0" dirty="0" smtClean="0"/>
-              <a:t>simple retry</a:t>
+              <a:t>What even worse, we will loose the message we’ve sent (which is our context) and consumer will not be able to try to process it once again using simple retry</a:t>
             </a:r>
             <a:endParaRPr lang="ru-RU" baseline="0" dirty="0" smtClean="0"/>
           </a:p>
@@ -5359,13 +5185,8 @@
           <a:p>
             <a:r>
               <a:rPr lang="en-US" baseline="0" dirty="0" smtClean="0"/>
-              <a:t>To mitigate this, we can introduce new component between producer and consumer called broker. Who accepts message from producer and keeps it until consumer will </a:t>
-            </a:r>
-            <a:r>
-              <a:rPr lang="en-US" baseline="0" dirty="0" smtClean="0"/>
-              <a:t>receive, read and acknowledge it</a:t>
-            </a:r>
-            <a:endParaRPr lang="en-US" baseline="0" dirty="0" smtClean="0"/>
+              <a:t>To mitigate this, we can introduce new component between producer and consumer called broker. Who accepts message from producer and keeps it until consumer will receive, read and acknowledge it</a:t>
+            </a:r>
           </a:p>
           <a:p>
             <a:r>
@@ -5398,7 +5219,15 @@
             </a:pPr>
             <a:r>
               <a:rPr lang="en-US" b="0" baseline="0" dirty="0" smtClean="0"/>
-              <a:t>Usually producer generates message slower than consumer can process it, so to keep consuming messages at the same speed as producing them, we can add more consumers that will run in parallel</a:t>
+              <a:t>Usually producer generates message </a:t>
+            </a:r>
+            <a:r>
+              <a:rPr lang="en-US" b="0" baseline="0" dirty="0" smtClean="0"/>
+              <a:t>faster than </a:t>
+            </a:r>
+            <a:r>
+              <a:rPr lang="en-US" b="0" baseline="0" dirty="0" smtClean="0"/>
+              <a:t>consumer can process it, so to keep consuming messages at the same speed as producing them, we can add more consumers that will run in parallel</a:t>
             </a:r>
           </a:p>
           <a:p>
@@ -5620,15 +5449,7 @@
             </a:r>
             <a:r>
               <a:rPr lang="en-US" baseline="0" dirty="0" smtClean="0"/>
-              <a:t> Camel helps to enable different features for </a:t>
-            </a:r>
-            <a:r>
-              <a:rPr lang="en-US" baseline="0" dirty="0" smtClean="0"/>
-              <a:t>making your application more reliable like </a:t>
-            </a:r>
-            <a:r>
-              <a:rPr lang="en-US" baseline="0" dirty="0" smtClean="0"/>
-              <a:t>the broker usage, error handling, transactions and correct shutdown. Let’s take a look what it can give us</a:t>
+              <a:t> Camel helps to enable different features for making your application more reliable like the broker usage, error handling, transactions and correct shutdown. Let’s take a look what it can give us</a:t>
             </a:r>
             <a:endParaRPr lang="ru-RU" baseline="0" dirty="0" smtClean="0"/>
           </a:p>
@@ -5720,11 +5541,7 @@
           <a:p>
             <a:r>
               <a:rPr lang="en-US" dirty="0" smtClean="0"/>
-              <a:t>For </a:t>
-            </a:r>
-            <a:r>
-              <a:rPr lang="en-US" dirty="0" smtClean="0"/>
-              <a:t>our project we’ve chosen</a:t>
+              <a:t>For our project we’ve chosen</a:t>
             </a:r>
             <a:r>
               <a:rPr lang="en-US" baseline="0" dirty="0" smtClean="0"/>
@@ -13097,11 +12914,7 @@
             </a:pPr>
             <a:r>
               <a:rPr lang="en-US" b="1" dirty="0" smtClean="0"/>
-              <a:t>Using </a:t>
-            </a:r>
-            <a:r>
-              <a:rPr lang="en-US" b="1" dirty="0" smtClean="0"/>
-              <a:t>Transactions</a:t>
+              <a:t>Using Transactions</a:t>
             </a:r>
             <a:endParaRPr lang="en-US" b="1" u="sng" dirty="0"/>
           </a:p>
@@ -13306,11 +13119,7 @@
           <a:p>
             <a:r>
               <a:rPr lang="en-US" sz="3200" dirty="0" smtClean="0"/>
-              <a:t>Message Transactions</a:t>
-            </a:r>
-            <a:r>
-              <a:rPr lang="en-US" sz="3200" dirty="0" smtClean="0"/>
-              <a:t>?</a:t>
+              <a:t>Message Transactions?</a:t>
             </a:r>
             <a:endParaRPr lang="en-US" sz="3200" dirty="0"/>
           </a:p>
@@ -13380,11 +13189,7 @@
             </a:pPr>
             <a:r>
               <a:rPr lang="en-US" b="1" dirty="0" smtClean="0"/>
-              <a:t>Using </a:t>
-            </a:r>
-            <a:r>
-              <a:rPr lang="en-US" b="1" dirty="0" smtClean="0"/>
-              <a:t>Transactions</a:t>
+              <a:t>Using Transactions</a:t>
             </a:r>
             <a:endParaRPr lang="en-US" b="1" u="sng" dirty="0"/>
           </a:p>
@@ -18668,7 +18473,6 @@
               <a:rPr lang="en-US" sz="2400" dirty="0" smtClean="0"/>
               <a:t>SESSION_TRANSACTED</a:t>
             </a:r>
-            <a:endParaRPr lang="en-US" sz="2400" dirty="0" smtClean="0"/>
           </a:p>
           <a:p>
             <a:pPr marL="617220" lvl="3" indent="-342900"/>
@@ -19908,11 +19712,7 @@
             </a:pPr>
             <a:r>
               <a:rPr lang="en-US" sz="3200" dirty="0" smtClean="0"/>
-              <a:t>Reliability </a:t>
-            </a:r>
-            <a:r>
-              <a:rPr lang="en-US" sz="3200" dirty="0" smtClean="0"/>
-              <a:t>with Camel</a:t>
+              <a:t>Reliability with Camel</a:t>
             </a:r>
           </a:p>
           <a:p>
@@ -20147,129 +19947,651 @@
             </a:pPr>
             <a:r>
               <a:rPr lang="en-US" b="1" dirty="0" smtClean="0"/>
-              <a:t>Shutdown </a:t>
-            </a:r>
-            <a:r>
-              <a:rPr lang="en-US" b="1" dirty="0"/>
-              <a:t>application properly</a:t>
-            </a:r>
-          </a:p>
-        </p:txBody>
-      </p:sp>
-      <p:sp>
-        <p:nvSpPr>
-          <p:cNvPr id="4" name="Объект 2"/>
-          <p:cNvSpPr>
-            <a:spLocks noGrp="1"/>
+              <a:t>Deferred Routes</a:t>
+            </a:r>
+            <a:endParaRPr lang="en-US" b="1" u="sng" dirty="0"/>
+          </a:p>
+        </p:txBody>
+      </p:sp>
+      <p:sp>
+        <p:nvSpPr>
+          <p:cNvPr id="8" name="Объект 2"/>
+          <p:cNvSpPr txBox="1">
+            <a:spLocks/>
           </p:cNvSpPr>
-          <p:nvPr>
-            <p:ph idx="1"/>
-          </p:nvPr>
+          <p:nvPr/>
         </p:nvSpPr>
         <p:spPr>
           <a:xfrm>
-            <a:off x="142875" y="800100"/>
-            <a:ext cx="6457950" cy="4876800"/>
-          </a:xfrm>
-        </p:spPr>
-        <p:txBody>
-          <a:bodyPr>
+            <a:off x="89453" y="788969"/>
+            <a:ext cx="8229600" cy="4876800"/>
+          </a:xfrm>
+          <a:prstGeom prst="rect">
+            <a:avLst/>
+          </a:prstGeom>
+        </p:spPr>
+        <p:txBody>
+          <a:bodyPr vert="horz" lIns="91440" tIns="45720" rIns="91440" bIns="45720" rtlCol="0">
             <a:normAutofit/>
           </a:bodyPr>
+          <a:lstStyle>
+            <a:lvl1pPr marL="182880" indent="-182880" algn="l" defTabSz="914400" rtl="0" eaLnBrk="1" latinLnBrk="0" hangingPunct="1">
+              <a:spcBef>
+                <a:spcPct val="20000"/>
+              </a:spcBef>
+              <a:buClr>
+                <a:schemeClr val="accent1"/>
+              </a:buClr>
+              <a:buSzPct val="85000"/>
+              <a:buFont typeface="Arial" pitchFamily="34" charset="0"/>
+              <a:buChar char="•"/>
+              <a:defRPr sz="2400" kern="1200">
+                <a:solidFill>
+                  <a:schemeClr val="tx1"/>
+                </a:solidFill>
+                <a:latin typeface="+mn-lt"/>
+                <a:ea typeface="+mn-ea"/>
+                <a:cs typeface="+mn-cs"/>
+              </a:defRPr>
+            </a:lvl1pPr>
+            <a:lvl2pPr marL="457200" indent="-182880" algn="l" defTabSz="914400" rtl="0" eaLnBrk="1" latinLnBrk="0" hangingPunct="1">
+              <a:spcBef>
+                <a:spcPct val="20000"/>
+              </a:spcBef>
+              <a:buClr>
+                <a:schemeClr val="accent1"/>
+              </a:buClr>
+              <a:buSzPct val="85000"/>
+              <a:buFont typeface="Arial" pitchFamily="34" charset="0"/>
+              <a:buChar char="•"/>
+              <a:defRPr sz="2000" kern="1200">
+                <a:solidFill>
+                  <a:schemeClr val="tx1"/>
+                </a:solidFill>
+                <a:latin typeface="+mn-lt"/>
+                <a:ea typeface="+mn-ea"/>
+                <a:cs typeface="+mn-cs"/>
+              </a:defRPr>
+            </a:lvl2pPr>
+            <a:lvl3pPr marL="731520" indent="-182880" algn="l" defTabSz="914400" rtl="0" eaLnBrk="1" latinLnBrk="0" hangingPunct="1">
+              <a:spcBef>
+                <a:spcPct val="20000"/>
+              </a:spcBef>
+              <a:buClr>
+                <a:schemeClr val="accent1"/>
+              </a:buClr>
+              <a:buSzPct val="90000"/>
+              <a:buFont typeface="Arial" pitchFamily="34" charset="0"/>
+              <a:buChar char="•"/>
+              <a:defRPr sz="1800" kern="1200">
+                <a:solidFill>
+                  <a:schemeClr val="tx1"/>
+                </a:solidFill>
+                <a:latin typeface="+mn-lt"/>
+                <a:ea typeface="+mn-ea"/>
+                <a:cs typeface="+mn-cs"/>
+              </a:defRPr>
+            </a:lvl3pPr>
+            <a:lvl4pPr marL="1005840" indent="-182880" algn="l" defTabSz="914400" rtl="0" eaLnBrk="1" latinLnBrk="0" hangingPunct="1">
+              <a:spcBef>
+                <a:spcPct val="20000"/>
+              </a:spcBef>
+              <a:buClr>
+                <a:schemeClr val="accent1"/>
+              </a:buClr>
+              <a:buFont typeface="Arial" pitchFamily="34" charset="0"/>
+              <a:buChar char="•"/>
+              <a:defRPr sz="1600" kern="1200">
+                <a:solidFill>
+                  <a:schemeClr val="tx1"/>
+                </a:solidFill>
+                <a:latin typeface="+mn-lt"/>
+                <a:ea typeface="+mn-ea"/>
+                <a:cs typeface="+mn-cs"/>
+              </a:defRPr>
+            </a:lvl4pPr>
+            <a:lvl5pPr marL="1188720" indent="-137160" algn="l" defTabSz="914400" rtl="0" eaLnBrk="1" latinLnBrk="0" hangingPunct="1">
+              <a:spcBef>
+                <a:spcPct val="20000"/>
+              </a:spcBef>
+              <a:buClr>
+                <a:schemeClr val="accent1"/>
+              </a:buClr>
+              <a:buSzPct val="100000"/>
+              <a:buFont typeface="Arial" pitchFamily="34" charset="0"/>
+              <a:buChar char="•"/>
+              <a:defRPr sz="1400" kern="1200" baseline="0">
+                <a:solidFill>
+                  <a:schemeClr val="tx1"/>
+                </a:solidFill>
+                <a:latin typeface="+mn-lt"/>
+                <a:ea typeface="+mn-ea"/>
+                <a:cs typeface="+mn-cs"/>
+              </a:defRPr>
+            </a:lvl5pPr>
+            <a:lvl6pPr marL="1371600" indent="-182880" algn="l" defTabSz="914400" rtl="0" eaLnBrk="1" latinLnBrk="0" hangingPunct="1">
+              <a:spcBef>
+                <a:spcPct val="20000"/>
+              </a:spcBef>
+              <a:buClr>
+                <a:schemeClr val="accent1"/>
+              </a:buClr>
+              <a:buFont typeface="Arial" pitchFamily="34" charset="0"/>
+              <a:buChar char="•"/>
+              <a:defRPr sz="1300" kern="1200">
+                <a:solidFill>
+                  <a:schemeClr val="tx1"/>
+                </a:solidFill>
+                <a:latin typeface="+mn-lt"/>
+                <a:ea typeface="+mn-ea"/>
+                <a:cs typeface="+mn-cs"/>
+              </a:defRPr>
+            </a:lvl6pPr>
+            <a:lvl7pPr marL="1554480" indent="-182880" algn="l" defTabSz="914400" rtl="0" eaLnBrk="1" latinLnBrk="0" hangingPunct="1">
+              <a:spcBef>
+                <a:spcPct val="20000"/>
+              </a:spcBef>
+              <a:buClr>
+                <a:schemeClr val="accent1"/>
+              </a:buClr>
+              <a:buFont typeface="Arial" pitchFamily="34" charset="0"/>
+              <a:buChar char="•"/>
+              <a:defRPr sz="1300" kern="1200">
+                <a:solidFill>
+                  <a:schemeClr val="tx1"/>
+                </a:solidFill>
+                <a:latin typeface="+mn-lt"/>
+                <a:ea typeface="+mn-ea"/>
+                <a:cs typeface="+mn-cs"/>
+              </a:defRPr>
+            </a:lvl7pPr>
+            <a:lvl8pPr marL="1737360" indent="-182880" algn="l" defTabSz="914400" rtl="0" eaLnBrk="1" latinLnBrk="0" hangingPunct="1">
+              <a:spcBef>
+                <a:spcPct val="20000"/>
+              </a:spcBef>
+              <a:buClr>
+                <a:schemeClr val="accent1"/>
+              </a:buClr>
+              <a:buFont typeface="Arial" pitchFamily="34" charset="0"/>
+              <a:buChar char="•"/>
+              <a:defRPr sz="1300" kern="1200">
+                <a:solidFill>
+                  <a:schemeClr val="tx1"/>
+                </a:solidFill>
+                <a:latin typeface="+mn-lt"/>
+                <a:ea typeface="+mn-ea"/>
+                <a:cs typeface="+mn-cs"/>
+              </a:defRPr>
+            </a:lvl8pPr>
+            <a:lvl9pPr marL="1920240" indent="-182880" algn="l" defTabSz="914400" rtl="0" eaLnBrk="1" latinLnBrk="0" hangingPunct="1">
+              <a:spcBef>
+                <a:spcPct val="20000"/>
+              </a:spcBef>
+              <a:buClr>
+                <a:schemeClr val="accent1"/>
+              </a:buClr>
+              <a:buFont typeface="Arial" pitchFamily="34" charset="0"/>
+              <a:buChar char="•"/>
+              <a:defRPr sz="1300" kern="1200">
+                <a:solidFill>
+                  <a:schemeClr val="tx1"/>
+                </a:solidFill>
+                <a:latin typeface="+mn-lt"/>
+                <a:ea typeface="+mn-ea"/>
+                <a:cs typeface="+mn-cs"/>
+              </a:defRPr>
+            </a:lvl9pPr>
+          </a:lstStyle>
+          <a:p>
+            <a:pPr marL="342900" lvl="2" indent="-342900"/>
+            <a:r>
+              <a:rPr lang="en-US" sz="2400" dirty="0" smtClean="0"/>
+              <a:t>Example of messages flow</a:t>
+            </a:r>
+          </a:p>
+        </p:txBody>
+      </p:sp>
+      <p:sp>
+        <p:nvSpPr>
+          <p:cNvPr id="7" name="Прямоугольник 6"/>
+          <p:cNvSpPr/>
+          <p:nvPr/>
+        </p:nvSpPr>
+        <p:spPr>
+          <a:xfrm>
+            <a:off x="2668167" y="1687134"/>
+            <a:ext cx="1579036" cy="779039"/>
+          </a:xfrm>
+          <a:prstGeom prst="rect">
+            <a:avLst/>
+          </a:prstGeom>
+          <a:ln>
+            <a:solidFill>
+              <a:schemeClr val="tx1"/>
+            </a:solidFill>
+          </a:ln>
+          <a:effectLst/>
+        </p:spPr>
+        <p:style>
+          <a:lnRef idx="1">
+            <a:schemeClr val="accent1"/>
+          </a:lnRef>
+          <a:fillRef idx="3">
+            <a:schemeClr val="accent1"/>
+          </a:fillRef>
+          <a:effectRef idx="2">
+            <a:schemeClr val="accent1"/>
+          </a:effectRef>
+          <a:fontRef idx="minor">
+            <a:schemeClr val="lt1"/>
+          </a:fontRef>
+        </p:style>
+        <p:txBody>
+          <a:bodyPr rtlCol="0" anchor="ctr"/>
           <a:lstStyle/>
           <a:p>
-            <a:pPr>
-              <a:lnSpc>
-                <a:spcPct val="200000"/>
-              </a:lnSpc>
-            </a:pPr>
-            <a:r>
-              <a:rPr lang="en-US" sz="2000" dirty="0" err="1" smtClean="0"/>
-              <a:t>Ctrl+C</a:t>
-            </a:r>
-            <a:r>
-              <a:rPr lang="en-US" sz="2000" dirty="0" smtClean="0"/>
-              <a:t>, shutdown the application server</a:t>
-            </a:r>
-          </a:p>
-          <a:p>
-            <a:pPr lvl="1">
-              <a:lnSpc>
-                <a:spcPct val="200000"/>
-              </a:lnSpc>
-            </a:pPr>
-            <a:r>
-              <a:rPr lang="en-US" sz="1800" dirty="0" smtClean="0"/>
-              <a:t>All inflight messages (on a route) will be processed</a:t>
-            </a:r>
-            <a:endParaRPr lang="ru-RU" sz="1800" dirty="0" smtClean="0"/>
-          </a:p>
-          <a:p>
-            <a:pPr lvl="1">
-              <a:lnSpc>
-                <a:spcPct val="200000"/>
-              </a:lnSpc>
-            </a:pPr>
-            <a:r>
-              <a:rPr lang="en-US" sz="1800" dirty="0" smtClean="0"/>
-              <a:t>New messages will not be consumed</a:t>
-            </a:r>
-            <a:endParaRPr lang="ru-RU" sz="1800" dirty="0" smtClean="0"/>
-          </a:p>
-          <a:p>
-            <a:pPr lvl="1">
-              <a:lnSpc>
-                <a:spcPct val="200000"/>
-              </a:lnSpc>
-            </a:pPr>
-            <a:r>
-              <a:rPr lang="en-US" sz="1800" dirty="0" smtClean="0"/>
-              <a:t>Attempt to send message after stop signal results in exception</a:t>
-            </a:r>
-            <a:endParaRPr lang="ru-RU" sz="1800" dirty="0" smtClean="0"/>
-          </a:p>
-          <a:p>
-            <a:pPr lvl="2">
-              <a:lnSpc>
-                <a:spcPct val="200000"/>
-              </a:lnSpc>
-            </a:pPr>
-            <a:r>
-              <a:rPr lang="en-US" sz="2000" dirty="0" smtClean="0">
-                <a:solidFill>
-                  <a:srgbClr val="FF0000"/>
+            <a:pPr algn="ctr"/>
+            <a:r>
+              <a:rPr lang="en-US" dirty="0" smtClean="0">
+                <a:solidFill>
+                  <a:sysClr val="windowText" lastClr="000000"/>
                 </a:solidFill>
               </a:rPr>
-              <a:t>Except </a:t>
-            </a:r>
-            <a:r>
-              <a:rPr lang="en-US" sz="2000" b="1" dirty="0" smtClean="0">
-                <a:solidFill>
-                  <a:srgbClr val="FF0000"/>
-                </a:solidFill>
-              </a:rPr>
-              <a:t>deferred</a:t>
-            </a:r>
-            <a:r>
-              <a:rPr lang="en-US" sz="2000" dirty="0" smtClean="0">
-                <a:solidFill>
-                  <a:srgbClr val="FF0000"/>
-                </a:solidFill>
-              </a:rPr>
-              <a:t> routes</a:t>
-            </a:r>
-            <a:endParaRPr lang="ru-RU" sz="2000" dirty="0" smtClean="0">
+              <a:t>Document Processor</a:t>
+            </a:r>
+            <a:endParaRPr lang="ru-RU" dirty="0">
               <a:solidFill>
-                <a:srgbClr val="FF0000"/>
+                <a:sysClr val="windowText" lastClr="000000"/>
               </a:solidFill>
             </a:endParaRPr>
+          </a:p>
+        </p:txBody>
+      </p:sp>
+      <p:sp>
+        <p:nvSpPr>
+          <p:cNvPr id="9" name="Прямоугольник 8"/>
+          <p:cNvSpPr/>
+          <p:nvPr/>
+        </p:nvSpPr>
+        <p:spPr>
+          <a:xfrm>
+            <a:off x="2668167" y="2823992"/>
+            <a:ext cx="1579036" cy="833607"/>
+          </a:xfrm>
+          <a:prstGeom prst="rect">
+            <a:avLst/>
+          </a:prstGeom>
+          <a:ln>
+            <a:solidFill>
+              <a:schemeClr val="tx1"/>
+            </a:solidFill>
+          </a:ln>
+          <a:effectLst/>
+        </p:spPr>
+        <p:style>
+          <a:lnRef idx="1">
+            <a:schemeClr val="accent1"/>
+          </a:lnRef>
+          <a:fillRef idx="3">
+            <a:schemeClr val="accent1"/>
+          </a:fillRef>
+          <a:effectRef idx="2">
+            <a:schemeClr val="accent1"/>
+          </a:effectRef>
+          <a:fontRef idx="minor">
+            <a:schemeClr val="lt1"/>
+          </a:fontRef>
+        </p:style>
+        <p:txBody>
+          <a:bodyPr rtlCol="0" anchor="ctr"/>
+          <a:lstStyle/>
+          <a:p>
+            <a:pPr algn="ctr"/>
+            <a:r>
+              <a:rPr lang="en-US" dirty="0" smtClean="0">
+                <a:solidFill>
+                  <a:sysClr val="windowText" lastClr="000000"/>
+                </a:solidFill>
+              </a:rPr>
+              <a:t>Notify User Processor</a:t>
+            </a:r>
+            <a:endParaRPr lang="ru-RU" dirty="0">
+              <a:solidFill>
+                <a:sysClr val="windowText" lastClr="000000"/>
+              </a:solidFill>
+            </a:endParaRPr>
+          </a:p>
+        </p:txBody>
+      </p:sp>
+      <p:cxnSp>
+        <p:nvCxnSpPr>
+          <p:cNvPr id="28" name="Прямая со стрелкой 27"/>
+          <p:cNvCxnSpPr>
+            <a:stCxn id="26" idx="4"/>
+            <a:endCxn id="7" idx="1"/>
+          </p:cNvCxnSpPr>
+          <p:nvPr/>
+        </p:nvCxnSpPr>
+        <p:spPr>
+          <a:xfrm flipV="1">
+            <a:off x="1289385" y="2076654"/>
+            <a:ext cx="1378782" cy="2883"/>
+          </a:xfrm>
+          <a:prstGeom prst="straightConnector1">
+            <a:avLst/>
+          </a:prstGeom>
+          <a:ln>
+            <a:solidFill>
+              <a:schemeClr val="tx1"/>
+            </a:solidFill>
+            <a:headEnd w="lg" len="med"/>
+            <a:tailEnd type="triangle" w="lg" len="med"/>
+          </a:ln>
+          <a:effectLst/>
+        </p:spPr>
+        <p:style>
+          <a:lnRef idx="2">
+            <a:schemeClr val="accent1"/>
+          </a:lnRef>
+          <a:fillRef idx="0">
+            <a:schemeClr val="accent1"/>
+          </a:fillRef>
+          <a:effectRef idx="1">
+            <a:schemeClr val="accent1"/>
+          </a:effectRef>
+          <a:fontRef idx="minor">
+            <a:schemeClr val="tx1"/>
+          </a:fontRef>
+        </p:style>
+      </p:cxnSp>
+      <p:sp>
+        <p:nvSpPr>
+          <p:cNvPr id="40" name="TextBox 39"/>
+          <p:cNvSpPr txBox="1"/>
+          <p:nvPr/>
+        </p:nvSpPr>
+        <p:spPr>
+          <a:xfrm>
+            <a:off x="1207571" y="1744059"/>
+            <a:ext cx="1542410" cy="276999"/>
+          </a:xfrm>
+          <a:prstGeom prst="rect">
+            <a:avLst/>
+          </a:prstGeom>
+          <a:noFill/>
+        </p:spPr>
+        <p:txBody>
+          <a:bodyPr wrap="none" rtlCol="0">
+            <a:spAutoFit/>
+          </a:bodyPr>
+          <a:lstStyle/>
+          <a:p>
+            <a:r>
+              <a:rPr lang="en-US" sz="1200" dirty="0" err="1" smtClean="0"/>
+              <a:t>document.available</a:t>
+            </a:r>
+            <a:endParaRPr lang="ru-RU" sz="1200" dirty="0"/>
+          </a:p>
+        </p:txBody>
+      </p:sp>
+      <p:sp>
+        <p:nvSpPr>
+          <p:cNvPr id="26" name="Блок-схема: магнитный диск 25"/>
+          <p:cNvSpPr/>
+          <p:nvPr/>
+        </p:nvSpPr>
+        <p:spPr>
+          <a:xfrm>
+            <a:off x="233024" y="1683225"/>
+            <a:ext cx="1056361" cy="792623"/>
+          </a:xfrm>
+          <a:prstGeom prst="flowChartMagneticDisk">
+            <a:avLst/>
+          </a:prstGeom>
+          <a:ln>
+            <a:solidFill>
+              <a:schemeClr val="tx1"/>
+            </a:solidFill>
+          </a:ln>
+          <a:effectLst/>
+        </p:spPr>
+        <p:style>
+          <a:lnRef idx="1">
+            <a:schemeClr val="accent1"/>
+          </a:lnRef>
+          <a:fillRef idx="3">
+            <a:schemeClr val="accent1"/>
+          </a:fillRef>
+          <a:effectRef idx="2">
+            <a:schemeClr val="accent1"/>
+          </a:effectRef>
+          <a:fontRef idx="minor">
+            <a:schemeClr val="lt1"/>
+          </a:fontRef>
+        </p:style>
+        <p:txBody>
+          <a:bodyPr rtlCol="0" anchor="ctr"/>
+          <a:lstStyle/>
+          <a:p>
+            <a:pPr algn="ctr"/>
+            <a:r>
+              <a:rPr lang="en-US" sz="2000" dirty="0" smtClean="0">
+                <a:solidFill>
+                  <a:sysClr val="windowText" lastClr="000000"/>
+                </a:solidFill>
+              </a:rPr>
+              <a:t>Broker</a:t>
+            </a:r>
+            <a:endParaRPr lang="ru-RU" sz="2000" dirty="0">
+              <a:solidFill>
+                <a:sysClr val="windowText" lastClr="000000"/>
+              </a:solidFill>
+            </a:endParaRPr>
+          </a:p>
+        </p:txBody>
+      </p:sp>
+      <p:sp>
+        <p:nvSpPr>
+          <p:cNvPr id="42" name="Блок-схема: магнитный диск 41"/>
+          <p:cNvSpPr/>
+          <p:nvPr/>
+        </p:nvSpPr>
+        <p:spPr>
+          <a:xfrm>
+            <a:off x="5447415" y="1679864"/>
+            <a:ext cx="1098090" cy="792623"/>
+          </a:xfrm>
+          <a:prstGeom prst="flowChartMagneticDisk">
+            <a:avLst/>
+          </a:prstGeom>
+          <a:ln>
+            <a:solidFill>
+              <a:schemeClr val="tx1"/>
+            </a:solidFill>
+          </a:ln>
+          <a:effectLst/>
+        </p:spPr>
+        <p:style>
+          <a:lnRef idx="1">
+            <a:schemeClr val="accent1"/>
+          </a:lnRef>
+          <a:fillRef idx="3">
+            <a:schemeClr val="accent1"/>
+          </a:fillRef>
+          <a:effectRef idx="2">
+            <a:schemeClr val="accent1"/>
+          </a:effectRef>
+          <a:fontRef idx="minor">
+            <a:schemeClr val="lt1"/>
+          </a:fontRef>
+        </p:style>
+        <p:txBody>
+          <a:bodyPr rtlCol="0" anchor="ctr"/>
+          <a:lstStyle/>
+          <a:p>
+            <a:pPr algn="ctr"/>
+            <a:r>
+              <a:rPr lang="en-US" sz="2000" dirty="0" smtClean="0">
+                <a:solidFill>
+                  <a:sysClr val="windowText" lastClr="000000"/>
+                </a:solidFill>
+              </a:rPr>
+              <a:t>Broker</a:t>
+            </a:r>
+            <a:endParaRPr lang="ru-RU" sz="2000" dirty="0">
+              <a:solidFill>
+                <a:sysClr val="windowText" lastClr="000000"/>
+              </a:solidFill>
+            </a:endParaRPr>
+          </a:p>
+        </p:txBody>
+      </p:sp>
+      <p:cxnSp>
+        <p:nvCxnSpPr>
+          <p:cNvPr id="43" name="Прямая со стрелкой 42"/>
+          <p:cNvCxnSpPr>
+            <a:stCxn id="7" idx="3"/>
+            <a:endCxn id="42" idx="2"/>
+          </p:cNvCxnSpPr>
+          <p:nvPr/>
+        </p:nvCxnSpPr>
+        <p:spPr>
+          <a:xfrm flipV="1">
+            <a:off x="4247203" y="2076176"/>
+            <a:ext cx="1200212" cy="478"/>
+          </a:xfrm>
+          <a:prstGeom prst="straightConnector1">
+            <a:avLst/>
+          </a:prstGeom>
+          <a:ln>
+            <a:solidFill>
+              <a:schemeClr val="tx1"/>
+            </a:solidFill>
+            <a:headEnd w="lg" len="med"/>
+            <a:tailEnd type="triangle" w="lg" len="med"/>
+          </a:ln>
+          <a:effectLst/>
+        </p:spPr>
+        <p:style>
+          <a:lnRef idx="2">
+            <a:schemeClr val="accent1"/>
+          </a:lnRef>
+          <a:fillRef idx="0">
+            <a:schemeClr val="accent1"/>
+          </a:fillRef>
+          <a:effectRef idx="1">
+            <a:schemeClr val="accent1"/>
+          </a:effectRef>
+          <a:fontRef idx="minor">
+            <a:schemeClr val="tx1"/>
+          </a:fontRef>
+        </p:style>
+      </p:cxnSp>
+      <p:sp>
+        <p:nvSpPr>
+          <p:cNvPr id="49" name="TextBox 48"/>
+          <p:cNvSpPr txBox="1"/>
+          <p:nvPr/>
+        </p:nvSpPr>
+        <p:spPr>
+          <a:xfrm>
+            <a:off x="4390869" y="1779950"/>
+            <a:ext cx="912879" cy="276999"/>
+          </a:xfrm>
+          <a:prstGeom prst="rect">
+            <a:avLst/>
+          </a:prstGeom>
+          <a:noFill/>
+        </p:spPr>
+        <p:txBody>
+          <a:bodyPr wrap="none" rtlCol="0">
+            <a:spAutoFit/>
+          </a:bodyPr>
+          <a:lstStyle/>
+          <a:p>
+            <a:r>
+              <a:rPr lang="en-US" sz="1200" dirty="0" err="1" smtClean="0"/>
+              <a:t>notify.user</a:t>
+            </a:r>
+            <a:endParaRPr lang="ru-RU" sz="1200" dirty="0"/>
+          </a:p>
+        </p:txBody>
+      </p:sp>
+      <p:cxnSp>
+        <p:nvCxnSpPr>
+          <p:cNvPr id="52" name="Прямая со стрелкой 51"/>
+          <p:cNvCxnSpPr>
+            <a:stCxn id="42" idx="3"/>
+            <a:endCxn id="9" idx="3"/>
+          </p:cNvCxnSpPr>
+          <p:nvPr/>
+        </p:nvCxnSpPr>
+        <p:spPr>
+          <a:xfrm flipH="1">
+            <a:off x="4247203" y="2472487"/>
+            <a:ext cx="1749257" cy="768309"/>
+          </a:xfrm>
+          <a:prstGeom prst="straightConnector1">
+            <a:avLst/>
+          </a:prstGeom>
+          <a:ln>
+            <a:solidFill>
+              <a:schemeClr val="tx1"/>
+            </a:solidFill>
+            <a:headEnd w="lg" len="med"/>
+            <a:tailEnd type="triangle" w="lg" len="med"/>
+          </a:ln>
+          <a:effectLst/>
+        </p:spPr>
+        <p:style>
+          <a:lnRef idx="2">
+            <a:schemeClr val="accent1"/>
+          </a:lnRef>
+          <a:fillRef idx="0">
+            <a:schemeClr val="accent1"/>
+          </a:fillRef>
+          <a:effectRef idx="1">
+            <a:schemeClr val="accent1"/>
+          </a:effectRef>
+          <a:fontRef idx="minor">
+            <a:schemeClr val="tx1"/>
+          </a:fontRef>
+        </p:style>
+      </p:cxnSp>
+      <p:sp>
+        <p:nvSpPr>
+          <p:cNvPr id="55" name="TextBox 54"/>
+          <p:cNvSpPr txBox="1"/>
+          <p:nvPr/>
+        </p:nvSpPr>
+        <p:spPr>
+          <a:xfrm>
+            <a:off x="4847309" y="2918527"/>
+            <a:ext cx="912879" cy="276999"/>
+          </a:xfrm>
+          <a:prstGeom prst="rect">
+            <a:avLst/>
+          </a:prstGeom>
+          <a:noFill/>
+        </p:spPr>
+        <p:txBody>
+          <a:bodyPr wrap="none" rtlCol="0">
+            <a:spAutoFit/>
+          </a:bodyPr>
+          <a:lstStyle/>
+          <a:p>
+            <a:r>
+              <a:rPr lang="en-US" sz="1200" dirty="0" err="1" smtClean="0"/>
+              <a:t>notify.user</a:t>
+            </a:r>
+            <a:endParaRPr lang="ru-RU" sz="1200" dirty="0"/>
           </a:p>
         </p:txBody>
       </p:sp>
     </p:spTree>
     <p:extLst>
       <p:ext uri="{BB962C8B-B14F-4D97-AF65-F5344CB8AC3E}">
-        <p14:creationId xmlns:p14="http://schemas.microsoft.com/office/powerpoint/2010/main" val="2019601208"/>
+        <p14:creationId xmlns:p14="http://schemas.microsoft.com/office/powerpoint/2010/main" val="2490955413"/>
       </p:ext>
     </p:extLst>
   </p:cSld>
@@ -20971,711 +21293,6 @@
           </a:p>
         </p:txBody>
       </p:sp>
-    </p:spTree>
-    <p:extLst>
-      <p:ext uri="{BB962C8B-B14F-4D97-AF65-F5344CB8AC3E}">
-        <p14:creationId xmlns:p14="http://schemas.microsoft.com/office/powerpoint/2010/main" val="2490955413"/>
-      </p:ext>
-    </p:extLst>
-  </p:cSld>
-  <p:clrMapOvr>
-    <a:masterClrMapping/>
-  </p:clrMapOvr>
-  <p:timing>
-    <p:tnLst>
-      <p:par>
-        <p:cTn id="1" dur="indefinite" restart="never" nodeType="tmRoot"/>
-      </p:par>
-    </p:tnLst>
-  </p:timing>
-</p:sld>
-</file>
-
-<file path=ppt/slides/slide23.xml><?xml version="1.0" encoding="utf-8"?>
-<p:sld xmlns:a="http://schemas.openxmlformats.org/drawingml/2006/main" xmlns:r="http://schemas.openxmlformats.org/officeDocument/2006/relationships" xmlns:p="http://schemas.openxmlformats.org/presentationml/2006/main">
-  <p:cSld>
-    <p:spTree>
-      <p:nvGrpSpPr>
-        <p:cNvPr id="1" name=""/>
-        <p:cNvGrpSpPr/>
-        <p:nvPr/>
-      </p:nvGrpSpPr>
-      <p:grpSpPr>
-        <a:xfrm>
-          <a:off x="0" y="0"/>
-          <a:ext cx="0" cy="0"/>
-          <a:chOff x="0" y="0"/>
-          <a:chExt cx="0" cy="0"/>
-        </a:xfrm>
-      </p:grpSpPr>
-      <p:sp>
-        <p:nvSpPr>
-          <p:cNvPr id="3" name="Text Placeholder 2"/>
-          <p:cNvSpPr>
-            <a:spLocks noGrp="1"/>
-          </p:cNvSpPr>
-          <p:nvPr>
-            <p:ph type="body" sz="quarter" idx="11"/>
-          </p:nvPr>
-        </p:nvSpPr>
-        <p:spPr/>
-        <p:txBody>
-          <a:bodyPr/>
-          <a:lstStyle/>
-          <a:p>
-            <a:pPr>
-              <a:lnSpc>
-                <a:spcPct val="200000"/>
-              </a:lnSpc>
-              <a:buClr>
-                <a:schemeClr val="accent3">
-                  <a:lumMod val="75000"/>
-                </a:schemeClr>
-              </a:buClr>
-            </a:pPr>
-            <a:r>
-              <a:rPr lang="en-US" b="1" dirty="0" smtClean="0"/>
-              <a:t>Deferred Routes</a:t>
-            </a:r>
-            <a:endParaRPr lang="en-US" b="1" u="sng" dirty="0"/>
-          </a:p>
-        </p:txBody>
-      </p:sp>
-      <p:sp>
-        <p:nvSpPr>
-          <p:cNvPr id="8" name="Объект 2"/>
-          <p:cNvSpPr txBox="1">
-            <a:spLocks/>
-          </p:cNvSpPr>
-          <p:nvPr/>
-        </p:nvSpPr>
-        <p:spPr>
-          <a:xfrm>
-            <a:off x="89453" y="788969"/>
-            <a:ext cx="8229600" cy="4876800"/>
-          </a:xfrm>
-          <a:prstGeom prst="rect">
-            <a:avLst/>
-          </a:prstGeom>
-        </p:spPr>
-        <p:txBody>
-          <a:bodyPr vert="horz" lIns="91440" tIns="45720" rIns="91440" bIns="45720" rtlCol="0">
-            <a:normAutofit/>
-          </a:bodyPr>
-          <a:lstStyle>
-            <a:lvl1pPr marL="182880" indent="-182880" algn="l" defTabSz="914400" rtl="0" eaLnBrk="1" latinLnBrk="0" hangingPunct="1">
-              <a:spcBef>
-                <a:spcPct val="20000"/>
-              </a:spcBef>
-              <a:buClr>
-                <a:schemeClr val="accent1"/>
-              </a:buClr>
-              <a:buSzPct val="85000"/>
-              <a:buFont typeface="Arial" pitchFamily="34" charset="0"/>
-              <a:buChar char="•"/>
-              <a:defRPr sz="2400" kern="1200">
-                <a:solidFill>
-                  <a:schemeClr val="tx1"/>
-                </a:solidFill>
-                <a:latin typeface="+mn-lt"/>
-                <a:ea typeface="+mn-ea"/>
-                <a:cs typeface="+mn-cs"/>
-              </a:defRPr>
-            </a:lvl1pPr>
-            <a:lvl2pPr marL="457200" indent="-182880" algn="l" defTabSz="914400" rtl="0" eaLnBrk="1" latinLnBrk="0" hangingPunct="1">
-              <a:spcBef>
-                <a:spcPct val="20000"/>
-              </a:spcBef>
-              <a:buClr>
-                <a:schemeClr val="accent1"/>
-              </a:buClr>
-              <a:buSzPct val="85000"/>
-              <a:buFont typeface="Arial" pitchFamily="34" charset="0"/>
-              <a:buChar char="•"/>
-              <a:defRPr sz="2000" kern="1200">
-                <a:solidFill>
-                  <a:schemeClr val="tx1"/>
-                </a:solidFill>
-                <a:latin typeface="+mn-lt"/>
-                <a:ea typeface="+mn-ea"/>
-                <a:cs typeface="+mn-cs"/>
-              </a:defRPr>
-            </a:lvl2pPr>
-            <a:lvl3pPr marL="731520" indent="-182880" algn="l" defTabSz="914400" rtl="0" eaLnBrk="1" latinLnBrk="0" hangingPunct="1">
-              <a:spcBef>
-                <a:spcPct val="20000"/>
-              </a:spcBef>
-              <a:buClr>
-                <a:schemeClr val="accent1"/>
-              </a:buClr>
-              <a:buSzPct val="90000"/>
-              <a:buFont typeface="Arial" pitchFamily="34" charset="0"/>
-              <a:buChar char="•"/>
-              <a:defRPr sz="1800" kern="1200">
-                <a:solidFill>
-                  <a:schemeClr val="tx1"/>
-                </a:solidFill>
-                <a:latin typeface="+mn-lt"/>
-                <a:ea typeface="+mn-ea"/>
-                <a:cs typeface="+mn-cs"/>
-              </a:defRPr>
-            </a:lvl3pPr>
-            <a:lvl4pPr marL="1005840" indent="-182880" algn="l" defTabSz="914400" rtl="0" eaLnBrk="1" latinLnBrk="0" hangingPunct="1">
-              <a:spcBef>
-                <a:spcPct val="20000"/>
-              </a:spcBef>
-              <a:buClr>
-                <a:schemeClr val="accent1"/>
-              </a:buClr>
-              <a:buFont typeface="Arial" pitchFamily="34" charset="0"/>
-              <a:buChar char="•"/>
-              <a:defRPr sz="1600" kern="1200">
-                <a:solidFill>
-                  <a:schemeClr val="tx1"/>
-                </a:solidFill>
-                <a:latin typeface="+mn-lt"/>
-                <a:ea typeface="+mn-ea"/>
-                <a:cs typeface="+mn-cs"/>
-              </a:defRPr>
-            </a:lvl4pPr>
-            <a:lvl5pPr marL="1188720" indent="-137160" algn="l" defTabSz="914400" rtl="0" eaLnBrk="1" latinLnBrk="0" hangingPunct="1">
-              <a:spcBef>
-                <a:spcPct val="20000"/>
-              </a:spcBef>
-              <a:buClr>
-                <a:schemeClr val="accent1"/>
-              </a:buClr>
-              <a:buSzPct val="100000"/>
-              <a:buFont typeface="Arial" pitchFamily="34" charset="0"/>
-              <a:buChar char="•"/>
-              <a:defRPr sz="1400" kern="1200" baseline="0">
-                <a:solidFill>
-                  <a:schemeClr val="tx1"/>
-                </a:solidFill>
-                <a:latin typeface="+mn-lt"/>
-                <a:ea typeface="+mn-ea"/>
-                <a:cs typeface="+mn-cs"/>
-              </a:defRPr>
-            </a:lvl5pPr>
-            <a:lvl6pPr marL="1371600" indent="-182880" algn="l" defTabSz="914400" rtl="0" eaLnBrk="1" latinLnBrk="0" hangingPunct="1">
-              <a:spcBef>
-                <a:spcPct val="20000"/>
-              </a:spcBef>
-              <a:buClr>
-                <a:schemeClr val="accent1"/>
-              </a:buClr>
-              <a:buFont typeface="Arial" pitchFamily="34" charset="0"/>
-              <a:buChar char="•"/>
-              <a:defRPr sz="1300" kern="1200">
-                <a:solidFill>
-                  <a:schemeClr val="tx1"/>
-                </a:solidFill>
-                <a:latin typeface="+mn-lt"/>
-                <a:ea typeface="+mn-ea"/>
-                <a:cs typeface="+mn-cs"/>
-              </a:defRPr>
-            </a:lvl6pPr>
-            <a:lvl7pPr marL="1554480" indent="-182880" algn="l" defTabSz="914400" rtl="0" eaLnBrk="1" latinLnBrk="0" hangingPunct="1">
-              <a:spcBef>
-                <a:spcPct val="20000"/>
-              </a:spcBef>
-              <a:buClr>
-                <a:schemeClr val="accent1"/>
-              </a:buClr>
-              <a:buFont typeface="Arial" pitchFamily="34" charset="0"/>
-              <a:buChar char="•"/>
-              <a:defRPr sz="1300" kern="1200">
-                <a:solidFill>
-                  <a:schemeClr val="tx1"/>
-                </a:solidFill>
-                <a:latin typeface="+mn-lt"/>
-                <a:ea typeface="+mn-ea"/>
-                <a:cs typeface="+mn-cs"/>
-              </a:defRPr>
-            </a:lvl7pPr>
-            <a:lvl8pPr marL="1737360" indent="-182880" algn="l" defTabSz="914400" rtl="0" eaLnBrk="1" latinLnBrk="0" hangingPunct="1">
-              <a:spcBef>
-                <a:spcPct val="20000"/>
-              </a:spcBef>
-              <a:buClr>
-                <a:schemeClr val="accent1"/>
-              </a:buClr>
-              <a:buFont typeface="Arial" pitchFamily="34" charset="0"/>
-              <a:buChar char="•"/>
-              <a:defRPr sz="1300" kern="1200">
-                <a:solidFill>
-                  <a:schemeClr val="tx1"/>
-                </a:solidFill>
-                <a:latin typeface="+mn-lt"/>
-                <a:ea typeface="+mn-ea"/>
-                <a:cs typeface="+mn-cs"/>
-              </a:defRPr>
-            </a:lvl8pPr>
-            <a:lvl9pPr marL="1920240" indent="-182880" algn="l" defTabSz="914400" rtl="0" eaLnBrk="1" latinLnBrk="0" hangingPunct="1">
-              <a:spcBef>
-                <a:spcPct val="20000"/>
-              </a:spcBef>
-              <a:buClr>
-                <a:schemeClr val="accent1"/>
-              </a:buClr>
-              <a:buFont typeface="Arial" pitchFamily="34" charset="0"/>
-              <a:buChar char="•"/>
-              <a:defRPr sz="1300" kern="1200">
-                <a:solidFill>
-                  <a:schemeClr val="tx1"/>
-                </a:solidFill>
-                <a:latin typeface="+mn-lt"/>
-                <a:ea typeface="+mn-ea"/>
-                <a:cs typeface="+mn-cs"/>
-              </a:defRPr>
-            </a:lvl9pPr>
-          </a:lstStyle>
-          <a:p>
-            <a:pPr marL="342900" lvl="2" indent="-342900"/>
-            <a:r>
-              <a:rPr lang="en-US" sz="2400" dirty="0" smtClean="0"/>
-              <a:t>Example of messages flow</a:t>
-            </a:r>
-          </a:p>
-        </p:txBody>
-      </p:sp>
-      <p:sp>
-        <p:nvSpPr>
-          <p:cNvPr id="7" name="Прямоугольник 6"/>
-          <p:cNvSpPr/>
-          <p:nvPr/>
-        </p:nvSpPr>
-        <p:spPr>
-          <a:xfrm>
-            <a:off x="2668167" y="1687134"/>
-            <a:ext cx="1579036" cy="779039"/>
-          </a:xfrm>
-          <a:prstGeom prst="rect">
-            <a:avLst/>
-          </a:prstGeom>
-          <a:ln>
-            <a:solidFill>
-              <a:schemeClr val="tx1"/>
-            </a:solidFill>
-          </a:ln>
-          <a:effectLst/>
-        </p:spPr>
-        <p:style>
-          <a:lnRef idx="1">
-            <a:schemeClr val="accent1"/>
-          </a:lnRef>
-          <a:fillRef idx="3">
-            <a:schemeClr val="accent1"/>
-          </a:fillRef>
-          <a:effectRef idx="2">
-            <a:schemeClr val="accent1"/>
-          </a:effectRef>
-          <a:fontRef idx="minor">
-            <a:schemeClr val="lt1"/>
-          </a:fontRef>
-        </p:style>
-        <p:txBody>
-          <a:bodyPr rtlCol="0" anchor="ctr"/>
-          <a:lstStyle/>
-          <a:p>
-            <a:pPr algn="ctr"/>
-            <a:r>
-              <a:rPr lang="en-US" dirty="0" smtClean="0">
-                <a:solidFill>
-                  <a:sysClr val="windowText" lastClr="000000"/>
-                </a:solidFill>
-              </a:rPr>
-              <a:t>Document Processor</a:t>
-            </a:r>
-            <a:endParaRPr lang="ru-RU" dirty="0">
-              <a:solidFill>
-                <a:sysClr val="windowText" lastClr="000000"/>
-              </a:solidFill>
-            </a:endParaRPr>
-          </a:p>
-        </p:txBody>
-      </p:sp>
-      <p:sp>
-        <p:nvSpPr>
-          <p:cNvPr id="9" name="Прямоугольник 8"/>
-          <p:cNvSpPr/>
-          <p:nvPr/>
-        </p:nvSpPr>
-        <p:spPr>
-          <a:xfrm>
-            <a:off x="2668167" y="2823992"/>
-            <a:ext cx="1579036" cy="833607"/>
-          </a:xfrm>
-          <a:prstGeom prst="rect">
-            <a:avLst/>
-          </a:prstGeom>
-          <a:ln>
-            <a:solidFill>
-              <a:schemeClr val="tx1"/>
-            </a:solidFill>
-          </a:ln>
-          <a:effectLst/>
-        </p:spPr>
-        <p:style>
-          <a:lnRef idx="1">
-            <a:schemeClr val="accent1"/>
-          </a:lnRef>
-          <a:fillRef idx="3">
-            <a:schemeClr val="accent1"/>
-          </a:fillRef>
-          <a:effectRef idx="2">
-            <a:schemeClr val="accent1"/>
-          </a:effectRef>
-          <a:fontRef idx="minor">
-            <a:schemeClr val="lt1"/>
-          </a:fontRef>
-        </p:style>
-        <p:txBody>
-          <a:bodyPr rtlCol="0" anchor="ctr"/>
-          <a:lstStyle/>
-          <a:p>
-            <a:pPr algn="ctr"/>
-            <a:r>
-              <a:rPr lang="en-US" dirty="0" smtClean="0">
-                <a:solidFill>
-                  <a:sysClr val="windowText" lastClr="000000"/>
-                </a:solidFill>
-              </a:rPr>
-              <a:t>Notify User Processor</a:t>
-            </a:r>
-            <a:endParaRPr lang="ru-RU" dirty="0">
-              <a:solidFill>
-                <a:sysClr val="windowText" lastClr="000000"/>
-              </a:solidFill>
-            </a:endParaRPr>
-          </a:p>
-        </p:txBody>
-      </p:sp>
-      <p:cxnSp>
-        <p:nvCxnSpPr>
-          <p:cNvPr id="28" name="Прямая со стрелкой 27"/>
-          <p:cNvCxnSpPr>
-            <a:stCxn id="26" idx="4"/>
-            <a:endCxn id="7" idx="1"/>
-          </p:cNvCxnSpPr>
-          <p:nvPr/>
-        </p:nvCxnSpPr>
-        <p:spPr>
-          <a:xfrm flipV="1">
-            <a:off x="1289385" y="2076654"/>
-            <a:ext cx="1378782" cy="2883"/>
-          </a:xfrm>
-          <a:prstGeom prst="straightConnector1">
-            <a:avLst/>
-          </a:prstGeom>
-          <a:ln>
-            <a:solidFill>
-              <a:schemeClr val="tx1"/>
-            </a:solidFill>
-            <a:headEnd w="lg" len="med"/>
-            <a:tailEnd type="triangle" w="lg" len="med"/>
-          </a:ln>
-          <a:effectLst/>
-        </p:spPr>
-        <p:style>
-          <a:lnRef idx="2">
-            <a:schemeClr val="accent1"/>
-          </a:lnRef>
-          <a:fillRef idx="0">
-            <a:schemeClr val="accent1"/>
-          </a:fillRef>
-          <a:effectRef idx="1">
-            <a:schemeClr val="accent1"/>
-          </a:effectRef>
-          <a:fontRef idx="minor">
-            <a:schemeClr val="tx1"/>
-          </a:fontRef>
-        </p:style>
-      </p:cxnSp>
-      <p:sp>
-        <p:nvSpPr>
-          <p:cNvPr id="40" name="TextBox 39"/>
-          <p:cNvSpPr txBox="1"/>
-          <p:nvPr/>
-        </p:nvSpPr>
-        <p:spPr>
-          <a:xfrm>
-            <a:off x="1207571" y="1744059"/>
-            <a:ext cx="1542410" cy="276999"/>
-          </a:xfrm>
-          <a:prstGeom prst="rect">
-            <a:avLst/>
-          </a:prstGeom>
-          <a:noFill/>
-        </p:spPr>
-        <p:txBody>
-          <a:bodyPr wrap="none" rtlCol="0">
-            <a:spAutoFit/>
-          </a:bodyPr>
-          <a:lstStyle/>
-          <a:p>
-            <a:r>
-              <a:rPr lang="en-US" sz="1200" dirty="0" err="1" smtClean="0"/>
-              <a:t>document.available</a:t>
-            </a:r>
-            <a:endParaRPr lang="ru-RU" sz="1200" dirty="0"/>
-          </a:p>
-        </p:txBody>
-      </p:sp>
-      <p:sp>
-        <p:nvSpPr>
-          <p:cNvPr id="26" name="Блок-схема: магнитный диск 25"/>
-          <p:cNvSpPr/>
-          <p:nvPr/>
-        </p:nvSpPr>
-        <p:spPr>
-          <a:xfrm>
-            <a:off x="233024" y="1683225"/>
-            <a:ext cx="1056361" cy="792623"/>
-          </a:xfrm>
-          <a:prstGeom prst="flowChartMagneticDisk">
-            <a:avLst/>
-          </a:prstGeom>
-          <a:ln>
-            <a:solidFill>
-              <a:schemeClr val="tx1"/>
-            </a:solidFill>
-          </a:ln>
-          <a:effectLst/>
-        </p:spPr>
-        <p:style>
-          <a:lnRef idx="1">
-            <a:schemeClr val="accent1"/>
-          </a:lnRef>
-          <a:fillRef idx="3">
-            <a:schemeClr val="accent1"/>
-          </a:fillRef>
-          <a:effectRef idx="2">
-            <a:schemeClr val="accent1"/>
-          </a:effectRef>
-          <a:fontRef idx="minor">
-            <a:schemeClr val="lt1"/>
-          </a:fontRef>
-        </p:style>
-        <p:txBody>
-          <a:bodyPr rtlCol="0" anchor="ctr"/>
-          <a:lstStyle/>
-          <a:p>
-            <a:pPr algn="ctr"/>
-            <a:r>
-              <a:rPr lang="en-US" sz="2000" dirty="0" smtClean="0">
-                <a:solidFill>
-                  <a:sysClr val="windowText" lastClr="000000"/>
-                </a:solidFill>
-              </a:rPr>
-              <a:t>Broker</a:t>
-            </a:r>
-            <a:endParaRPr lang="ru-RU" sz="2000" dirty="0">
-              <a:solidFill>
-                <a:sysClr val="windowText" lastClr="000000"/>
-              </a:solidFill>
-            </a:endParaRPr>
-          </a:p>
-        </p:txBody>
-      </p:sp>
-      <p:sp>
-        <p:nvSpPr>
-          <p:cNvPr id="42" name="Блок-схема: магнитный диск 41"/>
-          <p:cNvSpPr/>
-          <p:nvPr/>
-        </p:nvSpPr>
-        <p:spPr>
-          <a:xfrm>
-            <a:off x="5447415" y="1679864"/>
-            <a:ext cx="1098090" cy="792623"/>
-          </a:xfrm>
-          <a:prstGeom prst="flowChartMagneticDisk">
-            <a:avLst/>
-          </a:prstGeom>
-          <a:ln>
-            <a:solidFill>
-              <a:schemeClr val="tx1"/>
-            </a:solidFill>
-          </a:ln>
-          <a:effectLst/>
-        </p:spPr>
-        <p:style>
-          <a:lnRef idx="1">
-            <a:schemeClr val="accent1"/>
-          </a:lnRef>
-          <a:fillRef idx="3">
-            <a:schemeClr val="accent1"/>
-          </a:fillRef>
-          <a:effectRef idx="2">
-            <a:schemeClr val="accent1"/>
-          </a:effectRef>
-          <a:fontRef idx="minor">
-            <a:schemeClr val="lt1"/>
-          </a:fontRef>
-        </p:style>
-        <p:txBody>
-          <a:bodyPr rtlCol="0" anchor="ctr"/>
-          <a:lstStyle/>
-          <a:p>
-            <a:pPr algn="ctr"/>
-            <a:r>
-              <a:rPr lang="en-US" sz="2000" dirty="0" smtClean="0">
-                <a:solidFill>
-                  <a:sysClr val="windowText" lastClr="000000"/>
-                </a:solidFill>
-              </a:rPr>
-              <a:t>Broker</a:t>
-            </a:r>
-            <a:endParaRPr lang="ru-RU" sz="2000" dirty="0">
-              <a:solidFill>
-                <a:sysClr val="windowText" lastClr="000000"/>
-              </a:solidFill>
-            </a:endParaRPr>
-          </a:p>
-        </p:txBody>
-      </p:sp>
-      <p:cxnSp>
-        <p:nvCxnSpPr>
-          <p:cNvPr id="43" name="Прямая со стрелкой 42"/>
-          <p:cNvCxnSpPr>
-            <a:stCxn id="7" idx="3"/>
-            <a:endCxn id="42" idx="2"/>
-          </p:cNvCxnSpPr>
-          <p:nvPr/>
-        </p:nvCxnSpPr>
-        <p:spPr>
-          <a:xfrm flipV="1">
-            <a:off x="4247203" y="2076176"/>
-            <a:ext cx="1200212" cy="478"/>
-          </a:xfrm>
-          <a:prstGeom prst="straightConnector1">
-            <a:avLst/>
-          </a:prstGeom>
-          <a:ln>
-            <a:solidFill>
-              <a:schemeClr val="tx1"/>
-            </a:solidFill>
-            <a:headEnd w="lg" len="med"/>
-            <a:tailEnd type="triangle" w="lg" len="med"/>
-          </a:ln>
-          <a:effectLst/>
-        </p:spPr>
-        <p:style>
-          <a:lnRef idx="2">
-            <a:schemeClr val="accent1"/>
-          </a:lnRef>
-          <a:fillRef idx="0">
-            <a:schemeClr val="accent1"/>
-          </a:fillRef>
-          <a:effectRef idx="1">
-            <a:schemeClr val="accent1"/>
-          </a:effectRef>
-          <a:fontRef idx="minor">
-            <a:schemeClr val="tx1"/>
-          </a:fontRef>
-        </p:style>
-      </p:cxnSp>
-      <p:sp>
-        <p:nvSpPr>
-          <p:cNvPr id="49" name="TextBox 48"/>
-          <p:cNvSpPr txBox="1"/>
-          <p:nvPr/>
-        </p:nvSpPr>
-        <p:spPr>
-          <a:xfrm>
-            <a:off x="4390869" y="1779950"/>
-            <a:ext cx="912879" cy="276999"/>
-          </a:xfrm>
-          <a:prstGeom prst="rect">
-            <a:avLst/>
-          </a:prstGeom>
-          <a:noFill/>
-        </p:spPr>
-        <p:txBody>
-          <a:bodyPr wrap="none" rtlCol="0">
-            <a:spAutoFit/>
-          </a:bodyPr>
-          <a:lstStyle/>
-          <a:p>
-            <a:r>
-              <a:rPr lang="en-US" sz="1200" dirty="0" err="1" smtClean="0"/>
-              <a:t>notify.user</a:t>
-            </a:r>
-            <a:endParaRPr lang="ru-RU" sz="1200" dirty="0"/>
-          </a:p>
-        </p:txBody>
-      </p:sp>
-      <p:cxnSp>
-        <p:nvCxnSpPr>
-          <p:cNvPr id="52" name="Прямая со стрелкой 51"/>
-          <p:cNvCxnSpPr>
-            <a:stCxn id="42" idx="3"/>
-            <a:endCxn id="9" idx="3"/>
-          </p:cNvCxnSpPr>
-          <p:nvPr/>
-        </p:nvCxnSpPr>
-        <p:spPr>
-          <a:xfrm flipH="1">
-            <a:off x="4247203" y="2472487"/>
-            <a:ext cx="1749257" cy="768309"/>
-          </a:xfrm>
-          <a:prstGeom prst="straightConnector1">
-            <a:avLst/>
-          </a:prstGeom>
-          <a:ln>
-            <a:solidFill>
-              <a:schemeClr val="tx1"/>
-            </a:solidFill>
-            <a:headEnd w="lg" len="med"/>
-            <a:tailEnd type="triangle" w="lg" len="med"/>
-          </a:ln>
-          <a:effectLst/>
-        </p:spPr>
-        <p:style>
-          <a:lnRef idx="2">
-            <a:schemeClr val="accent1"/>
-          </a:lnRef>
-          <a:fillRef idx="0">
-            <a:schemeClr val="accent1"/>
-          </a:fillRef>
-          <a:effectRef idx="1">
-            <a:schemeClr val="accent1"/>
-          </a:effectRef>
-          <a:fontRef idx="minor">
-            <a:schemeClr val="tx1"/>
-          </a:fontRef>
-        </p:style>
-      </p:cxnSp>
-      <p:sp>
-        <p:nvSpPr>
-          <p:cNvPr id="55" name="TextBox 54"/>
-          <p:cNvSpPr txBox="1"/>
-          <p:nvPr/>
-        </p:nvSpPr>
-        <p:spPr>
-          <a:xfrm>
-            <a:off x="4847309" y="2918527"/>
-            <a:ext cx="912879" cy="276999"/>
-          </a:xfrm>
-          <a:prstGeom prst="rect">
-            <a:avLst/>
-          </a:prstGeom>
-          <a:noFill/>
-        </p:spPr>
-        <p:txBody>
-          <a:bodyPr wrap="none" rtlCol="0">
-            <a:spAutoFit/>
-          </a:bodyPr>
-          <a:lstStyle/>
-          <a:p>
-            <a:r>
-              <a:rPr lang="en-US" sz="1200" dirty="0" err="1" smtClean="0"/>
-              <a:t>notify.user</a:t>
-            </a:r>
-            <a:endParaRPr lang="ru-RU" sz="1200" dirty="0"/>
-          </a:p>
-        </p:txBody>
-      </p:sp>
       <p:sp>
         <p:nvSpPr>
           <p:cNvPr id="4" name="Прямоугольник 3"/>
@@ -21885,7 +21502,7 @@
 </p:sld>
 </file>
 
-<file path=ppt/slides/slide24.xml><?xml version="1.0" encoding="utf-8"?>
+<file path=ppt/slides/slide23.xml><?xml version="1.0" encoding="utf-8"?>
 <p:sld xmlns:a="http://schemas.openxmlformats.org/drawingml/2006/main" xmlns:r="http://schemas.openxmlformats.org/officeDocument/2006/relationships" xmlns:p="http://schemas.openxmlformats.org/presentationml/2006/main">
   <p:cSld>
     <p:spTree>
@@ -22924,7 +22541,7 @@
 </p:sld>
 </file>
 
-<file path=ppt/slides/slide25.xml><?xml version="1.0" encoding="utf-8"?>
+<file path=ppt/slides/slide24.xml><?xml version="1.0" encoding="utf-8"?>
 <p:sld xmlns:a="http://schemas.openxmlformats.org/drawingml/2006/main" xmlns:r="http://schemas.openxmlformats.org/officeDocument/2006/relationships" xmlns:p="http://schemas.openxmlformats.org/presentationml/2006/main">
   <p:cSld>
     <p:spTree>
@@ -24206,21 +23823,7 @@
                 <a:latin typeface="Arial Unicode MS" pitchFamily="34" charset="-128"/>
                 <a:cs typeface="Arial" pitchFamily="34" charset="0"/>
               </a:rPr>
-              <a:t>            </a:t>
-            </a:r>
-            <a:r>
-              <a:rPr kumimoji="0" lang="ru-RU" sz="1800" b="0" i="0" u="none" strike="noStrike" cap="none" normalizeH="0" baseline="0" dirty="0" smtClean="0">
-                <a:ln>
-                  <a:noFill/>
-                </a:ln>
-                <a:solidFill>
-                  <a:schemeClr val="tx1"/>
-                </a:solidFill>
-                <a:effectLst/>
-                <a:latin typeface="Arial Unicode MS" pitchFamily="34" charset="-128"/>
-                <a:cs typeface="Arial" pitchFamily="34" charset="0"/>
-              </a:rPr>
-              <a:t>&lt;</a:t>
+              <a:t>            &lt;</a:t>
             </a:r>
             <a:r>
               <a:rPr kumimoji="0" lang="en-US" sz="1800" b="0" i="0" u="none" strike="noStrike" cap="none" normalizeH="0" baseline="0" dirty="0" smtClean="0">
@@ -24360,21 +23963,7 @@
                 <a:latin typeface="Arial Unicode MS" pitchFamily="34" charset="-128"/>
                 <a:cs typeface="Arial" pitchFamily="34" charset="0"/>
               </a:rPr>
-              <a:t>" </a:t>
-            </a:r>
-            <a:r>
-              <a:rPr kumimoji="0" lang="ru-RU" sz="1800" b="0" i="0" u="none" strike="noStrike" cap="none" normalizeH="0" baseline="0" dirty="0" smtClean="0">
-                <a:ln>
-                  <a:noFill/>
-                </a:ln>
-                <a:solidFill>
-                  <a:schemeClr val="tx1"/>
-                </a:solidFill>
-                <a:effectLst/>
-                <a:latin typeface="Arial Unicode MS" pitchFamily="34" charset="-128"/>
-                <a:cs typeface="Arial" pitchFamily="34" charset="0"/>
-              </a:rPr>
-              <a:t>/&gt;</a:t>
+              <a:t>" /&gt;</a:t>
             </a:r>
             <a:endParaRPr kumimoji="0" lang="ru-RU" sz="4000" b="0" i="0" u="none" strike="noStrike" cap="none" normalizeH="0" baseline="0" dirty="0" smtClean="0">
               <a:ln>
@@ -24410,7 +23999,7 @@
 </p:sld>
 </file>
 
-<file path=ppt/slides/slide26.xml><?xml version="1.0" encoding="utf-8"?>
+<file path=ppt/slides/slide25.xml><?xml version="1.0" encoding="utf-8"?>
 <p:sld xmlns:a="http://schemas.openxmlformats.org/drawingml/2006/main" xmlns:r="http://schemas.openxmlformats.org/officeDocument/2006/relationships" xmlns:p="http://schemas.openxmlformats.org/presentationml/2006/main">
   <p:cSld>
     <p:spTree>
@@ -24444,7 +24033,7 @@
           <a:p>
             <a:r>
               <a:rPr lang="en-US" dirty="0" smtClean="0"/>
-              <a:t>Master/Slave</a:t>
+              <a:t>FTP Read</a:t>
             </a:r>
             <a:endParaRPr lang="ru-RU" dirty="0"/>
           </a:p>
@@ -24662,7 +24251,7 @@
 </p:sld>
 </file>
 
-<file path=ppt/slides/slide27.xml><?xml version="1.0" encoding="utf-8"?>
+<file path=ppt/slides/slide26.xml><?xml version="1.0" encoding="utf-8"?>
 <p:sld xmlns:a="http://schemas.openxmlformats.org/drawingml/2006/main" xmlns:r="http://schemas.openxmlformats.org/officeDocument/2006/relationships" xmlns:p="http://schemas.openxmlformats.org/presentationml/2006/main">
   <p:cSld>
     <p:spTree>
@@ -24695,8 +24284,12 @@
           <a:lstStyle/>
           <a:p>
             <a:r>
+              <a:rPr lang="en-US" dirty="0"/>
+              <a:t>FTP </a:t>
+            </a:r>
+            <a:r>
               <a:rPr lang="en-US" dirty="0" smtClean="0"/>
-              <a:t>Master/Slave</a:t>
+              <a:t>Read</a:t>
             </a:r>
             <a:endParaRPr lang="ru-RU" dirty="0"/>
           </a:p>
@@ -24959,7 +24552,7 @@
 </p:sld>
 </file>
 
-<file path=ppt/slides/slide28.xml><?xml version="1.0" encoding="utf-8"?>
+<file path=ppt/slides/slide27.xml><?xml version="1.0" encoding="utf-8"?>
 <p:sld xmlns:a="http://schemas.openxmlformats.org/drawingml/2006/main" xmlns:r="http://schemas.openxmlformats.org/officeDocument/2006/relationships" xmlns:p="http://schemas.openxmlformats.org/presentationml/2006/main">
   <p:cSld>
     <p:spTree>
@@ -24992,8 +24585,12 @@
           <a:lstStyle/>
           <a:p>
             <a:r>
+              <a:rPr lang="en-US" dirty="0"/>
+              <a:t>FTP </a:t>
+            </a:r>
+            <a:r>
               <a:rPr lang="en-US" dirty="0" smtClean="0"/>
-              <a:t>Master/Slave</a:t>
+              <a:t>Read</a:t>
             </a:r>
             <a:endParaRPr lang="ru-RU" dirty="0"/>
           </a:p>
@@ -25301,7 +24898,7 @@
 </p:sld>
 </file>
 
-<file path=ppt/slides/slide29.xml><?xml version="1.0" encoding="utf-8"?>
+<file path=ppt/slides/slide28.xml><?xml version="1.0" encoding="utf-8"?>
 <p:sld xmlns:a="http://schemas.openxmlformats.org/drawingml/2006/main" xmlns:r="http://schemas.openxmlformats.org/officeDocument/2006/relationships" xmlns:p="http://schemas.openxmlformats.org/presentationml/2006/main">
   <p:cSld>
     <p:spTree>
@@ -25649,6 +25246,477 @@
     <p:extLst>
       <p:ext uri="{BB962C8B-B14F-4D97-AF65-F5344CB8AC3E}">
         <p14:creationId xmlns:p14="http://schemas.microsoft.com/office/powerpoint/2010/main" val="3319275334"/>
+      </p:ext>
+    </p:extLst>
+  </p:cSld>
+  <p:clrMapOvr>
+    <a:masterClrMapping/>
+  </p:clrMapOvr>
+</p:sld>
+</file>
+
+<file path=ppt/slides/slide29.xml><?xml version="1.0" encoding="utf-8"?>
+<p:sld xmlns:a="http://schemas.openxmlformats.org/drawingml/2006/main" xmlns:r="http://schemas.openxmlformats.org/officeDocument/2006/relationships" xmlns:p="http://schemas.openxmlformats.org/presentationml/2006/main">
+  <p:cSld>
+    <p:spTree>
+      <p:nvGrpSpPr>
+        <p:cNvPr id="1" name=""/>
+        <p:cNvGrpSpPr/>
+        <p:nvPr/>
+      </p:nvGrpSpPr>
+      <p:grpSpPr>
+        <a:xfrm>
+          <a:off x="0" y="0"/>
+          <a:ext cx="0" cy="0"/>
+          <a:chOff x="0" y="0"/>
+          <a:chExt cx="0" cy="0"/>
+        </a:xfrm>
+      </p:grpSpPr>
+      <p:sp>
+        <p:nvSpPr>
+          <p:cNvPr id="3" name="Текст 2"/>
+          <p:cNvSpPr>
+            <a:spLocks noGrp="1"/>
+          </p:cNvSpPr>
+          <p:nvPr>
+            <p:ph type="body" sz="quarter" idx="11"/>
+          </p:nvPr>
+        </p:nvSpPr>
+        <p:spPr>
+          <a:xfrm>
+            <a:off x="0" y="49831"/>
+            <a:ext cx="6858000" cy="699516"/>
+          </a:xfrm>
+        </p:spPr>
+        <p:txBody>
+          <a:bodyPr/>
+          <a:lstStyle/>
+          <a:p>
+            <a:r>
+              <a:rPr lang="en-US" dirty="0" smtClean="0"/>
+              <a:t>Master/Slave</a:t>
+            </a:r>
+            <a:endParaRPr lang="ru-RU" dirty="0"/>
+          </a:p>
+        </p:txBody>
+      </p:sp>
+      <p:pic>
+        <p:nvPicPr>
+          <p:cNvPr id="1026" name="Picture 2" descr="Картинки по запросу ftp"/>
+          <p:cNvPicPr>
+            <a:picLocks noChangeAspect="1" noChangeArrowheads="1"/>
+          </p:cNvPicPr>
+          <p:nvPr/>
+        </p:nvPicPr>
+        <p:blipFill>
+          <a:blip r:embed="rId3">
+            <a:extLst>
+              <a:ext uri="{28A0092B-C50C-407E-A947-70E740481C1C}">
+                <a14:useLocalDpi xmlns:a14="http://schemas.microsoft.com/office/drawing/2010/main" val="0"/>
+              </a:ext>
+            </a:extLst>
+          </a:blip>
+          <a:srcRect/>
+          <a:stretch>
+            <a:fillRect/>
+          </a:stretch>
+        </p:blipFill>
+        <p:spPr bwMode="auto">
+          <a:xfrm>
+            <a:off x="373290" y="2242055"/>
+            <a:ext cx="882092" cy="882092"/>
+          </a:xfrm>
+          <a:prstGeom prst="rect">
+            <a:avLst/>
+          </a:prstGeom>
+          <a:noFill/>
+          <a:extLst>
+            <a:ext uri="{909E8E84-426E-40DD-AFC4-6F175D3DCCD1}">
+              <a14:hiddenFill xmlns:a14="http://schemas.microsoft.com/office/drawing/2010/main">
+                <a:solidFill>
+                  <a:srgbClr val="FFFFFF"/>
+                </a:solidFill>
+              </a14:hiddenFill>
+            </a:ext>
+          </a:extLst>
+        </p:spPr>
+      </p:pic>
+      <p:sp>
+        <p:nvSpPr>
+          <p:cNvPr id="5" name="Стрелка вправо 4"/>
+          <p:cNvSpPr/>
+          <p:nvPr/>
+        </p:nvSpPr>
+        <p:spPr>
+          <a:xfrm rot="20441450">
+            <a:off x="1255113" y="1965069"/>
+            <a:ext cx="1442108" cy="493485"/>
+          </a:xfrm>
+          <a:prstGeom prst="rightArrow">
+            <a:avLst/>
+          </a:prstGeom>
+        </p:spPr>
+        <p:style>
+          <a:lnRef idx="1">
+            <a:schemeClr val="accent1"/>
+          </a:lnRef>
+          <a:fillRef idx="3">
+            <a:schemeClr val="accent1"/>
+          </a:fillRef>
+          <a:effectRef idx="2">
+            <a:schemeClr val="accent1"/>
+          </a:effectRef>
+          <a:fontRef idx="minor">
+            <a:schemeClr val="lt1"/>
+          </a:fontRef>
+        </p:style>
+        <p:txBody>
+          <a:bodyPr rtlCol="0" anchor="ctr"/>
+          <a:lstStyle/>
+          <a:p>
+            <a:pPr algn="ctr"/>
+            <a:endParaRPr lang="ru-RU"/>
+          </a:p>
+        </p:txBody>
+      </p:sp>
+      <p:sp>
+        <p:nvSpPr>
+          <p:cNvPr id="7" name="Стрелка вправо 6"/>
+          <p:cNvSpPr/>
+          <p:nvPr/>
+        </p:nvSpPr>
+        <p:spPr>
+          <a:xfrm rot="1368310">
+            <a:off x="1254540" y="2926477"/>
+            <a:ext cx="1411781" cy="493485"/>
+          </a:xfrm>
+          <a:prstGeom prst="rightArrow">
+            <a:avLst/>
+          </a:prstGeom>
+        </p:spPr>
+        <p:style>
+          <a:lnRef idx="1">
+            <a:schemeClr val="accent1"/>
+          </a:lnRef>
+          <a:fillRef idx="3">
+            <a:schemeClr val="accent1"/>
+          </a:fillRef>
+          <a:effectRef idx="2">
+            <a:schemeClr val="accent1"/>
+          </a:effectRef>
+          <a:fontRef idx="minor">
+            <a:schemeClr val="lt1"/>
+          </a:fontRef>
+        </p:style>
+        <p:txBody>
+          <a:bodyPr rtlCol="0" anchor="ctr"/>
+          <a:lstStyle/>
+          <a:p>
+            <a:pPr algn="ctr"/>
+            <a:endParaRPr lang="ru-RU"/>
+          </a:p>
+        </p:txBody>
+      </p:sp>
+      <p:pic>
+        <p:nvPicPr>
+          <p:cNvPr id="1028" name="Picture 4" descr="Картинки по запросу server icon"/>
+          <p:cNvPicPr>
+            <a:picLocks noChangeAspect="1" noChangeArrowheads="1"/>
+          </p:cNvPicPr>
+          <p:nvPr/>
+        </p:nvPicPr>
+        <p:blipFill>
+          <a:blip r:embed="rId4">
+            <a:extLst>
+              <a:ext uri="{28A0092B-C50C-407E-A947-70E740481C1C}">
+                <a14:useLocalDpi xmlns:a14="http://schemas.microsoft.com/office/drawing/2010/main" val="0"/>
+              </a:ext>
+            </a:extLst>
+          </a:blip>
+          <a:srcRect/>
+          <a:stretch>
+            <a:fillRect/>
+          </a:stretch>
+        </p:blipFill>
+        <p:spPr bwMode="auto">
+          <a:xfrm>
+            <a:off x="2688695" y="933477"/>
+            <a:ext cx="1588544" cy="1588545"/>
+          </a:xfrm>
+          <a:prstGeom prst="rect">
+            <a:avLst/>
+          </a:prstGeom>
+          <a:noFill/>
+          <a:extLst>
+            <a:ext uri="{909E8E84-426E-40DD-AFC4-6F175D3DCCD1}">
+              <a14:hiddenFill xmlns:a14="http://schemas.microsoft.com/office/drawing/2010/main">
+                <a:solidFill>
+                  <a:srgbClr val="FFFFFF"/>
+                </a:solidFill>
+              </a14:hiddenFill>
+            </a:ext>
+          </a:extLst>
+        </p:spPr>
+      </p:pic>
+      <p:pic>
+        <p:nvPicPr>
+          <p:cNvPr id="9" name="Picture 4" descr="Картинки по запросу server icon"/>
+          <p:cNvPicPr>
+            <a:picLocks noChangeAspect="1" noChangeArrowheads="1"/>
+          </p:cNvPicPr>
+          <p:nvPr/>
+        </p:nvPicPr>
+        <p:blipFill>
+          <a:blip r:embed="rId4">
+            <a:extLst>
+              <a:ext uri="{28A0092B-C50C-407E-A947-70E740481C1C}">
+                <a14:useLocalDpi xmlns:a14="http://schemas.microsoft.com/office/drawing/2010/main" val="0"/>
+              </a:ext>
+            </a:extLst>
+          </a:blip>
+          <a:srcRect/>
+          <a:stretch>
+            <a:fillRect/>
+          </a:stretch>
+        </p:blipFill>
+        <p:spPr bwMode="auto">
+          <a:xfrm>
+            <a:off x="2688695" y="2937035"/>
+            <a:ext cx="1588544" cy="1588545"/>
+          </a:xfrm>
+          <a:prstGeom prst="rect">
+            <a:avLst/>
+          </a:prstGeom>
+          <a:noFill/>
+          <a:extLst>
+            <a:ext uri="{909E8E84-426E-40DD-AFC4-6F175D3DCCD1}">
+              <a14:hiddenFill xmlns:a14="http://schemas.microsoft.com/office/drawing/2010/main">
+                <a:solidFill>
+                  <a:srgbClr val="FFFFFF"/>
+                </a:solidFill>
+              </a14:hiddenFill>
+            </a:ext>
+          </a:extLst>
+        </p:spPr>
+      </p:pic>
+      <p:sp>
+        <p:nvSpPr>
+          <p:cNvPr id="6" name="TextBox 5"/>
+          <p:cNvSpPr txBox="1"/>
+          <p:nvPr/>
+        </p:nvSpPr>
+        <p:spPr>
+          <a:xfrm>
+            <a:off x="2856834" y="2376393"/>
+            <a:ext cx="1252266" cy="523220"/>
+          </a:xfrm>
+          <a:prstGeom prst="rect">
+            <a:avLst/>
+          </a:prstGeom>
+          <a:noFill/>
+        </p:spPr>
+        <p:txBody>
+          <a:bodyPr wrap="none" rtlCol="0">
+            <a:spAutoFit/>
+          </a:bodyPr>
+          <a:lstStyle/>
+          <a:p>
+            <a:r>
+              <a:rPr lang="en-US" sz="2800" dirty="0" smtClean="0"/>
+              <a:t>Master</a:t>
+            </a:r>
+            <a:endParaRPr lang="ru-RU" sz="2800" dirty="0"/>
+          </a:p>
+        </p:txBody>
+      </p:sp>
+      <p:sp>
+        <p:nvSpPr>
+          <p:cNvPr id="11" name="TextBox 10"/>
+          <p:cNvSpPr txBox="1"/>
+          <p:nvPr/>
+        </p:nvSpPr>
+        <p:spPr>
+          <a:xfrm>
+            <a:off x="2248612" y="4397400"/>
+            <a:ext cx="2626040" cy="523220"/>
+          </a:xfrm>
+          <a:prstGeom prst="rect">
+            <a:avLst/>
+          </a:prstGeom>
+          <a:noFill/>
+        </p:spPr>
+        <p:txBody>
+          <a:bodyPr wrap="none" rtlCol="0">
+            <a:spAutoFit/>
+          </a:bodyPr>
+          <a:lstStyle/>
+          <a:p>
+            <a:r>
+              <a:rPr lang="en-US" sz="2800" dirty="0" smtClean="0"/>
+              <a:t>Slave -&gt; Master</a:t>
+            </a:r>
+            <a:endParaRPr lang="ru-RU" sz="2800" dirty="0"/>
+          </a:p>
+        </p:txBody>
+      </p:sp>
+      <p:sp>
+        <p:nvSpPr>
+          <p:cNvPr id="12" name="Умножение 11"/>
+          <p:cNvSpPr/>
+          <p:nvPr/>
+        </p:nvSpPr>
+        <p:spPr>
+          <a:xfrm>
+            <a:off x="2895138" y="1116527"/>
+            <a:ext cx="1175657" cy="1222444"/>
+          </a:xfrm>
+          <a:prstGeom prst="mathMultiply">
+            <a:avLst/>
+          </a:prstGeom>
+          <a:solidFill>
+            <a:srgbClr val="FF0000"/>
+          </a:solidFill>
+        </p:spPr>
+        <p:style>
+          <a:lnRef idx="1">
+            <a:schemeClr val="accent1"/>
+          </a:lnRef>
+          <a:fillRef idx="3">
+            <a:schemeClr val="accent1"/>
+          </a:fillRef>
+          <a:effectRef idx="2">
+            <a:schemeClr val="accent1"/>
+          </a:effectRef>
+          <a:fontRef idx="minor">
+            <a:schemeClr val="lt1"/>
+          </a:fontRef>
+        </p:style>
+        <p:txBody>
+          <a:bodyPr rtlCol="0" anchor="ctr"/>
+          <a:lstStyle/>
+          <a:p>
+            <a:pPr algn="ctr"/>
+            <a:endParaRPr lang="ru-RU">
+              <a:solidFill>
+                <a:srgbClr val="FF0000"/>
+              </a:solidFill>
+            </a:endParaRPr>
+          </a:p>
+        </p:txBody>
+      </p:sp>
+      <p:pic>
+        <p:nvPicPr>
+          <p:cNvPr id="2052" name="Picture 4" descr="Картинки по запросу zookeeper"/>
+          <p:cNvPicPr>
+            <a:picLocks noChangeAspect="1" noChangeArrowheads="1"/>
+          </p:cNvPicPr>
+          <p:nvPr/>
+        </p:nvPicPr>
+        <p:blipFill>
+          <a:blip r:embed="rId5">
+            <a:extLst>
+              <a:ext uri="{28A0092B-C50C-407E-A947-70E740481C1C}">
+                <a14:useLocalDpi xmlns:a14="http://schemas.microsoft.com/office/drawing/2010/main" val="0"/>
+              </a:ext>
+            </a:extLst>
+          </a:blip>
+          <a:srcRect/>
+          <a:stretch>
+            <a:fillRect/>
+          </a:stretch>
+        </p:blipFill>
+        <p:spPr bwMode="auto">
+          <a:xfrm>
+            <a:off x="5111181" y="1465604"/>
+            <a:ext cx="1281338" cy="1821578"/>
+          </a:xfrm>
+          <a:prstGeom prst="rect">
+            <a:avLst/>
+          </a:prstGeom>
+          <a:noFill/>
+          <a:extLst>
+            <a:ext uri="{909E8E84-426E-40DD-AFC4-6F175D3DCCD1}">
+              <a14:hiddenFill xmlns:a14="http://schemas.microsoft.com/office/drawing/2010/main">
+                <a:solidFill>
+                  <a:srgbClr val="FFFFFF"/>
+                </a:solidFill>
+              </a14:hiddenFill>
+            </a:ext>
+          </a:extLst>
+        </p:spPr>
+      </p:pic>
+      <p:sp>
+        <p:nvSpPr>
+          <p:cNvPr id="13" name="TextBox 12"/>
+          <p:cNvSpPr txBox="1"/>
+          <p:nvPr/>
+        </p:nvSpPr>
+        <p:spPr>
+          <a:xfrm>
+            <a:off x="4879723" y="3287182"/>
+            <a:ext cx="1874231" cy="523220"/>
+          </a:xfrm>
+          <a:prstGeom prst="rect">
+            <a:avLst/>
+          </a:prstGeom>
+          <a:noFill/>
+        </p:spPr>
+        <p:txBody>
+          <a:bodyPr wrap="none" rtlCol="0">
+            <a:spAutoFit/>
+          </a:bodyPr>
+          <a:lstStyle/>
+          <a:p>
+            <a:r>
+              <a:rPr lang="en-US" sz="2800" dirty="0" smtClean="0"/>
+              <a:t>Zookeeper</a:t>
+            </a:r>
+            <a:endParaRPr lang="ru-RU" sz="2800" dirty="0"/>
+          </a:p>
+        </p:txBody>
+      </p:sp>
+      <p:sp>
+        <p:nvSpPr>
+          <p:cNvPr id="14" name="Стрелка вправо 13"/>
+          <p:cNvSpPr/>
+          <p:nvPr/>
+        </p:nvSpPr>
+        <p:spPr>
+          <a:xfrm rot="20317815">
+            <a:off x="4289560" y="2968458"/>
+            <a:ext cx="1411781" cy="493485"/>
+          </a:xfrm>
+          <a:prstGeom prst="rightArrow">
+            <a:avLst/>
+          </a:prstGeom>
+        </p:spPr>
+        <p:style>
+          <a:lnRef idx="1">
+            <a:schemeClr val="accent1"/>
+          </a:lnRef>
+          <a:fillRef idx="3">
+            <a:schemeClr val="accent1"/>
+          </a:fillRef>
+          <a:effectRef idx="2">
+            <a:schemeClr val="accent1"/>
+          </a:effectRef>
+          <a:fontRef idx="minor">
+            <a:schemeClr val="lt1"/>
+          </a:fontRef>
+        </p:style>
+        <p:txBody>
+          <a:bodyPr rtlCol="0" anchor="ctr"/>
+          <a:lstStyle/>
+          <a:p>
+            <a:pPr algn="ctr"/>
+            <a:endParaRPr lang="ru-RU"/>
+          </a:p>
+        </p:txBody>
+      </p:sp>
+    </p:spTree>
+    <p:extLst>
+      <p:ext uri="{BB962C8B-B14F-4D97-AF65-F5344CB8AC3E}">
+        <p14:creationId xmlns:p14="http://schemas.microsoft.com/office/powerpoint/2010/main" val="1289185913"/>
       </p:ext>
     </p:extLst>
   </p:cSld>
@@ -26397,215 +26465,16 @@
           </a:p>
         </p:txBody>
       </p:sp>
-      <p:pic>
-        <p:nvPicPr>
-          <p:cNvPr id="1026" name="Picture 2" descr="Картинки по запросу ftp"/>
-          <p:cNvPicPr>
-            <a:picLocks noChangeAspect="1" noChangeArrowheads="1"/>
-          </p:cNvPicPr>
-          <p:nvPr/>
-        </p:nvPicPr>
-        <p:blipFill>
-          <a:blip r:embed="rId3">
-            <a:extLst>
-              <a:ext uri="{28A0092B-C50C-407E-A947-70E740481C1C}">
-                <a14:useLocalDpi xmlns:a14="http://schemas.microsoft.com/office/drawing/2010/main" val="0"/>
-              </a:ext>
-            </a:extLst>
-          </a:blip>
-          <a:srcRect/>
-          <a:stretch>
-            <a:fillRect/>
-          </a:stretch>
-        </p:blipFill>
-        <p:spPr bwMode="auto">
-          <a:xfrm>
-            <a:off x="373290" y="2242055"/>
-            <a:ext cx="882092" cy="882092"/>
-          </a:xfrm>
-          <a:prstGeom prst="rect">
-            <a:avLst/>
-          </a:prstGeom>
-          <a:noFill/>
-          <a:extLst>
-            <a:ext uri="{909E8E84-426E-40DD-AFC4-6F175D3DCCD1}">
-              <a14:hiddenFill xmlns:a14="http://schemas.microsoft.com/office/drawing/2010/main">
-                <a:solidFill>
-                  <a:srgbClr val="FFFFFF"/>
-                </a:solidFill>
-              </a14:hiddenFill>
-            </a:ext>
-          </a:extLst>
-        </p:spPr>
-      </p:pic>
-      <p:sp>
-        <p:nvSpPr>
-          <p:cNvPr id="5" name="Стрелка вправо 4"/>
-          <p:cNvSpPr/>
-          <p:nvPr/>
-        </p:nvSpPr>
-        <p:spPr>
-          <a:xfrm rot="20441450">
-            <a:off x="1255113" y="1965069"/>
-            <a:ext cx="1442108" cy="493485"/>
-          </a:xfrm>
-          <a:prstGeom prst="rightArrow">
-            <a:avLst/>
-          </a:prstGeom>
-        </p:spPr>
-        <p:style>
-          <a:lnRef idx="1">
-            <a:schemeClr val="accent1"/>
-          </a:lnRef>
-          <a:fillRef idx="3">
-            <a:schemeClr val="accent1"/>
-          </a:fillRef>
-          <a:effectRef idx="2">
-            <a:schemeClr val="accent1"/>
-          </a:effectRef>
-          <a:fontRef idx="minor">
-            <a:schemeClr val="lt1"/>
-          </a:fontRef>
-        </p:style>
-        <p:txBody>
-          <a:bodyPr rtlCol="0" anchor="ctr"/>
-          <a:lstStyle/>
-          <a:p>
-            <a:pPr algn="ctr"/>
-            <a:endParaRPr lang="ru-RU"/>
-          </a:p>
-        </p:txBody>
-      </p:sp>
-      <p:sp>
-        <p:nvSpPr>
-          <p:cNvPr id="7" name="Стрелка вправо 6"/>
-          <p:cNvSpPr/>
-          <p:nvPr/>
-        </p:nvSpPr>
-        <p:spPr>
-          <a:xfrm rot="1368310">
-            <a:off x="1254540" y="2926477"/>
-            <a:ext cx="1411781" cy="493485"/>
-          </a:xfrm>
-          <a:prstGeom prst="rightArrow">
-            <a:avLst/>
-          </a:prstGeom>
-        </p:spPr>
-        <p:style>
-          <a:lnRef idx="1">
-            <a:schemeClr val="accent1"/>
-          </a:lnRef>
-          <a:fillRef idx="3">
-            <a:schemeClr val="accent1"/>
-          </a:fillRef>
-          <a:effectRef idx="2">
-            <a:schemeClr val="accent1"/>
-          </a:effectRef>
-          <a:fontRef idx="minor">
-            <a:schemeClr val="lt1"/>
-          </a:fontRef>
-        </p:style>
-        <p:txBody>
-          <a:bodyPr rtlCol="0" anchor="ctr"/>
-          <a:lstStyle/>
-          <a:p>
-            <a:pPr algn="ctr"/>
-            <a:endParaRPr lang="ru-RU"/>
-          </a:p>
-        </p:txBody>
-      </p:sp>
-      <p:pic>
-        <p:nvPicPr>
-          <p:cNvPr id="1028" name="Picture 4" descr="Картинки по запросу server icon"/>
-          <p:cNvPicPr>
-            <a:picLocks noChangeAspect="1" noChangeArrowheads="1"/>
-          </p:cNvPicPr>
-          <p:nvPr/>
-        </p:nvPicPr>
-        <p:blipFill>
-          <a:blip r:embed="rId4">
-            <a:extLst>
-              <a:ext uri="{28A0092B-C50C-407E-A947-70E740481C1C}">
-                <a14:useLocalDpi xmlns:a14="http://schemas.microsoft.com/office/drawing/2010/main" val="0"/>
-              </a:ext>
-            </a:extLst>
-          </a:blip>
-          <a:srcRect/>
-          <a:stretch>
-            <a:fillRect/>
-          </a:stretch>
-        </p:blipFill>
-        <p:spPr bwMode="auto">
-          <a:xfrm>
-            <a:off x="2688695" y="933477"/>
-            <a:ext cx="1588544" cy="1588545"/>
-          </a:xfrm>
-          <a:prstGeom prst="rect">
-            <a:avLst/>
-          </a:prstGeom>
-          <a:noFill/>
-          <a:extLst>
-            <a:ext uri="{909E8E84-426E-40DD-AFC4-6F175D3DCCD1}">
-              <a14:hiddenFill xmlns:a14="http://schemas.microsoft.com/office/drawing/2010/main">
-                <a:solidFill>
-                  <a:srgbClr val="FFFFFF"/>
-                </a:solidFill>
-              </a14:hiddenFill>
-            </a:ext>
-          </a:extLst>
-        </p:spPr>
-      </p:pic>
-      <p:pic>
-        <p:nvPicPr>
-          <p:cNvPr id="9" name="Picture 4" descr="Картинки по запросу server icon"/>
-          <p:cNvPicPr>
-            <a:picLocks noChangeAspect="1" noChangeArrowheads="1"/>
-          </p:cNvPicPr>
-          <p:nvPr/>
-        </p:nvPicPr>
-        <p:blipFill>
-          <a:blip r:embed="rId4">
-            <a:extLst>
-              <a:ext uri="{28A0092B-C50C-407E-A947-70E740481C1C}">
-                <a14:useLocalDpi xmlns:a14="http://schemas.microsoft.com/office/drawing/2010/main" val="0"/>
-              </a:ext>
-            </a:extLst>
-          </a:blip>
-          <a:srcRect/>
-          <a:stretch>
-            <a:fillRect/>
-          </a:stretch>
-        </p:blipFill>
-        <p:spPr bwMode="auto">
-          <a:xfrm>
-            <a:off x="2688695" y="2937035"/>
-            <a:ext cx="1588544" cy="1588545"/>
-          </a:xfrm>
-          <a:prstGeom prst="rect">
-            <a:avLst/>
-          </a:prstGeom>
-          <a:noFill/>
-          <a:extLst>
-            <a:ext uri="{909E8E84-426E-40DD-AFC4-6F175D3DCCD1}">
-              <a14:hiddenFill xmlns:a14="http://schemas.microsoft.com/office/drawing/2010/main">
-                <a:solidFill>
-                  <a:srgbClr val="FFFFFF"/>
-                </a:solidFill>
-              </a14:hiddenFill>
-            </a:ext>
-          </a:extLst>
-        </p:spPr>
-      </p:pic>
-      <p:sp>
-        <p:nvSpPr>
-          <p:cNvPr id="6" name="TextBox 5"/>
+      <p:sp>
+        <p:nvSpPr>
+          <p:cNvPr id="2" name="TextBox 1"/>
           <p:cNvSpPr txBox="1"/>
           <p:nvPr/>
         </p:nvSpPr>
         <p:spPr>
           <a:xfrm>
-            <a:off x="2856834" y="2376393"/>
-            <a:ext cx="1252266" cy="523220"/>
+            <a:off x="304800" y="2249716"/>
+            <a:ext cx="3568606" cy="954107"/>
           </a:xfrm>
           <a:prstGeom prst="rect">
             <a:avLst/>
@@ -26620,200 +26489,22 @@
           <a:p>
             <a:r>
               <a:rPr lang="en-US" sz="2800" dirty="0" smtClean="0"/>
-              <a:t>Master</a:t>
+              <a:t>The Master is dead. </a:t>
+            </a:r>
+          </a:p>
+          <a:p>
+            <a:r>
+              <a:rPr lang="en-US" sz="2800" dirty="0" smtClean="0"/>
+              <a:t>Long live the Master!</a:t>
             </a:r>
             <a:endParaRPr lang="ru-RU" sz="2800" dirty="0"/>
-          </a:p>
-        </p:txBody>
-      </p:sp>
-      <p:sp>
-        <p:nvSpPr>
-          <p:cNvPr id="11" name="TextBox 10"/>
-          <p:cNvSpPr txBox="1"/>
-          <p:nvPr/>
-        </p:nvSpPr>
-        <p:spPr>
-          <a:xfrm>
-            <a:off x="2248612" y="4397400"/>
-            <a:ext cx="2626040" cy="523220"/>
-          </a:xfrm>
-          <a:prstGeom prst="rect">
-            <a:avLst/>
-          </a:prstGeom>
-          <a:noFill/>
-        </p:spPr>
-        <p:txBody>
-          <a:bodyPr wrap="none" rtlCol="0">
-            <a:spAutoFit/>
-          </a:bodyPr>
-          <a:lstStyle/>
-          <a:p>
-            <a:r>
-              <a:rPr lang="en-US" sz="2800" dirty="0" smtClean="0"/>
-              <a:t>Slave -&gt; Master</a:t>
-            </a:r>
-            <a:endParaRPr lang="ru-RU" sz="2800" dirty="0"/>
-          </a:p>
-        </p:txBody>
-      </p:sp>
-      <p:sp>
-        <p:nvSpPr>
-          <p:cNvPr id="12" name="Умножение 11"/>
-          <p:cNvSpPr/>
-          <p:nvPr/>
-        </p:nvSpPr>
-        <p:spPr>
-          <a:xfrm>
-            <a:off x="2895138" y="1116527"/>
-            <a:ext cx="1175657" cy="1222444"/>
-          </a:xfrm>
-          <a:prstGeom prst="mathMultiply">
-            <a:avLst/>
-          </a:prstGeom>
-          <a:solidFill>
-            <a:srgbClr val="FF0000"/>
-          </a:solidFill>
-        </p:spPr>
-        <p:style>
-          <a:lnRef idx="1">
-            <a:schemeClr val="accent1"/>
-          </a:lnRef>
-          <a:fillRef idx="3">
-            <a:schemeClr val="accent1"/>
-          </a:fillRef>
-          <a:effectRef idx="2">
-            <a:schemeClr val="accent1"/>
-          </a:effectRef>
-          <a:fontRef idx="minor">
-            <a:schemeClr val="lt1"/>
-          </a:fontRef>
-        </p:style>
-        <p:txBody>
-          <a:bodyPr rtlCol="0" anchor="ctr"/>
-          <a:lstStyle/>
-          <a:p>
-            <a:pPr algn="ctr"/>
-            <a:endParaRPr lang="ru-RU">
-              <a:solidFill>
-                <a:srgbClr val="FF0000"/>
-              </a:solidFill>
-            </a:endParaRPr>
-          </a:p>
-        </p:txBody>
-      </p:sp>
-      <p:pic>
-        <p:nvPicPr>
-          <p:cNvPr id="2052" name="Picture 4" descr="Картинки по запросу zookeeper"/>
-          <p:cNvPicPr>
-            <a:picLocks noChangeAspect="1" noChangeArrowheads="1"/>
-          </p:cNvPicPr>
-          <p:nvPr/>
-        </p:nvPicPr>
-        <p:blipFill>
-          <a:blip r:embed="rId5">
-            <a:extLst>
-              <a:ext uri="{28A0092B-C50C-407E-A947-70E740481C1C}">
-                <a14:useLocalDpi xmlns:a14="http://schemas.microsoft.com/office/drawing/2010/main" val="0"/>
-              </a:ext>
-            </a:extLst>
-          </a:blip>
-          <a:srcRect/>
-          <a:stretch>
-            <a:fillRect/>
-          </a:stretch>
-        </p:blipFill>
-        <p:spPr bwMode="auto">
-          <a:xfrm>
-            <a:off x="5111181" y="1465604"/>
-            <a:ext cx="1281338" cy="1821578"/>
-          </a:xfrm>
-          <a:prstGeom prst="rect">
-            <a:avLst/>
-          </a:prstGeom>
-          <a:noFill/>
-          <a:extLst>
-            <a:ext uri="{909E8E84-426E-40DD-AFC4-6F175D3DCCD1}">
-              <a14:hiddenFill xmlns:a14="http://schemas.microsoft.com/office/drawing/2010/main">
-                <a:solidFill>
-                  <a:srgbClr val="FFFFFF"/>
-                </a:solidFill>
-              </a14:hiddenFill>
-            </a:ext>
-          </a:extLst>
-        </p:spPr>
-      </p:pic>
-      <p:sp>
-        <p:nvSpPr>
-          <p:cNvPr id="13" name="TextBox 12"/>
-          <p:cNvSpPr txBox="1"/>
-          <p:nvPr/>
-        </p:nvSpPr>
-        <p:spPr>
-          <a:xfrm>
-            <a:off x="4879723" y="3287182"/>
-            <a:ext cx="1874231" cy="523220"/>
-          </a:xfrm>
-          <a:prstGeom prst="rect">
-            <a:avLst/>
-          </a:prstGeom>
-          <a:noFill/>
-        </p:spPr>
-        <p:txBody>
-          <a:bodyPr wrap="none" rtlCol="0">
-            <a:spAutoFit/>
-          </a:bodyPr>
-          <a:lstStyle/>
-          <a:p>
-            <a:r>
-              <a:rPr lang="en-US" sz="2800" dirty="0" smtClean="0"/>
-              <a:t>Zookeeper</a:t>
-            </a:r>
-            <a:endParaRPr lang="ru-RU" sz="2800" dirty="0"/>
-          </a:p>
-        </p:txBody>
-      </p:sp>
-      <p:sp>
-        <p:nvSpPr>
-          <p:cNvPr id="14" name="Стрелка вправо 13"/>
-          <p:cNvSpPr/>
-          <p:nvPr/>
-        </p:nvSpPr>
-        <p:spPr>
-          <a:xfrm rot="20317815">
-            <a:off x="4289560" y="2968458"/>
-            <a:ext cx="1411781" cy="493485"/>
-          </a:xfrm>
-          <a:prstGeom prst="rightArrow">
-            <a:avLst/>
-          </a:prstGeom>
-        </p:spPr>
-        <p:style>
-          <a:lnRef idx="1">
-            <a:schemeClr val="accent1"/>
-          </a:lnRef>
-          <a:fillRef idx="3">
-            <a:schemeClr val="accent1"/>
-          </a:fillRef>
-          <a:effectRef idx="2">
-            <a:schemeClr val="accent1"/>
-          </a:effectRef>
-          <a:fontRef idx="minor">
-            <a:schemeClr val="lt1"/>
-          </a:fontRef>
-        </p:style>
-        <p:txBody>
-          <a:bodyPr rtlCol="0" anchor="ctr"/>
-          <a:lstStyle/>
-          <a:p>
-            <a:pPr algn="ctr"/>
-            <a:endParaRPr lang="ru-RU"/>
           </a:p>
         </p:txBody>
       </p:sp>
     </p:spTree>
     <p:extLst>
       <p:ext uri="{BB962C8B-B14F-4D97-AF65-F5344CB8AC3E}">
-        <p14:creationId xmlns:p14="http://schemas.microsoft.com/office/powerpoint/2010/main" val="1289185913"/>
+        <p14:creationId xmlns:p14="http://schemas.microsoft.com/office/powerpoint/2010/main" val="3854738847"/>
       </p:ext>
     </p:extLst>
   </p:cSld>
@@ -26842,7 +26533,7 @@
       </p:grpSpPr>
       <p:sp>
         <p:nvSpPr>
-          <p:cNvPr id="3" name="Текст 2"/>
+          <p:cNvPr id="3" name="Text Placeholder 2"/>
           <p:cNvSpPr>
             <a:spLocks noGrp="1"/>
           </p:cNvSpPr>
@@ -26850,70 +26541,305 @@
             <p:ph type="body" sz="quarter" idx="11"/>
           </p:nvPr>
         </p:nvSpPr>
-        <p:spPr>
-          <a:xfrm>
-            <a:off x="0" y="49831"/>
-            <a:ext cx="6858000" cy="699516"/>
-          </a:xfrm>
-        </p:spPr>
+        <p:spPr/>
         <p:txBody>
           <a:bodyPr/>
           <a:lstStyle/>
           <a:p>
-            <a:r>
-              <a:rPr lang="en-US" dirty="0" smtClean="0"/>
-              <a:t>Master/Slave</a:t>
-            </a:r>
-            <a:endParaRPr lang="ru-RU" dirty="0"/>
-          </a:p>
-        </p:txBody>
-      </p:sp>
-      <p:sp>
-        <p:nvSpPr>
-          <p:cNvPr id="2" name="TextBox 1"/>
-          <p:cNvSpPr txBox="1"/>
+            <a:pPr>
+              <a:lnSpc>
+                <a:spcPct val="200000"/>
+              </a:lnSpc>
+              <a:buClr>
+                <a:schemeClr val="accent3">
+                  <a:lumMod val="75000"/>
+                </a:schemeClr>
+              </a:buClr>
+            </a:pPr>
+            <a:r>
+              <a:rPr lang="en-US" b="1" dirty="0" smtClean="0"/>
+              <a:t>Route Policy for failover</a:t>
+            </a:r>
+            <a:endParaRPr lang="en-US" b="1" dirty="0"/>
+          </a:p>
+        </p:txBody>
+      </p:sp>
+      <p:sp>
+        <p:nvSpPr>
+          <p:cNvPr id="4" name="Объект 2"/>
+          <p:cNvSpPr>
+            <a:spLocks noGrp="1"/>
+          </p:cNvSpPr>
+          <p:nvPr>
+            <p:ph idx="1"/>
+          </p:nvPr>
+        </p:nvSpPr>
+        <p:spPr>
+          <a:xfrm>
+            <a:off x="142875" y="800100"/>
+            <a:ext cx="6457950" cy="4876800"/>
+          </a:xfrm>
+        </p:spPr>
+        <p:txBody>
+          <a:bodyPr>
+            <a:normAutofit/>
+          </a:bodyPr>
+          <a:lstStyle/>
+          <a:p>
+            <a:pPr marL="0" indent="0">
+              <a:lnSpc>
+                <a:spcPct val="200000"/>
+              </a:lnSpc>
+              <a:buNone/>
+            </a:pPr>
+            <a:endParaRPr lang="ru-RU" sz="1600" dirty="0" smtClean="0"/>
+          </a:p>
+        </p:txBody>
+      </p:sp>
+      <p:sp>
+        <p:nvSpPr>
+          <p:cNvPr id="5" name="Прямоугольник 4"/>
+          <p:cNvSpPr/>
           <p:nvPr/>
         </p:nvSpPr>
         <p:spPr>
           <a:xfrm>
-            <a:off x="304800" y="2249716"/>
-            <a:ext cx="3568606" cy="954107"/>
+            <a:off x="142875" y="1340644"/>
+            <a:ext cx="6631998" cy="3631763"/>
           </a:xfrm>
           <a:prstGeom prst="rect">
             <a:avLst/>
           </a:prstGeom>
-          <a:noFill/>
-        </p:spPr>
-        <p:txBody>
-          <a:bodyPr wrap="none" rtlCol="0">
+        </p:spPr>
+        <p:txBody>
+          <a:bodyPr wrap="square">
             <a:spAutoFit/>
           </a:bodyPr>
           <a:lstStyle/>
           <a:p>
-            <a:r>
-              <a:rPr lang="en-US" sz="2800" dirty="0" smtClean="0"/>
-              <a:t>The Master is dead. </a:t>
-            </a:r>
-          </a:p>
-          <a:p>
-            <a:r>
-              <a:rPr lang="en-US" sz="2800" dirty="0" smtClean="0"/>
-              <a:t>Long live the Master!</a:t>
-            </a:r>
-            <a:endParaRPr lang="ru-RU" sz="2800" dirty="0"/>
+            <a:pPr>
+              <a:lnSpc>
+                <a:spcPct val="150000"/>
+              </a:lnSpc>
+            </a:pPr>
+            <a:r>
+              <a:rPr lang="en-US" sz="1600" dirty="0"/>
+              <a:t> &lt;bean </a:t>
+            </a:r>
+            <a:r>
+              <a:rPr lang="en-US" sz="1600" dirty="0" smtClean="0"/>
+              <a:t>id="</a:t>
+            </a:r>
+            <a:r>
+              <a:rPr lang="en-US" sz="1600" dirty="0" err="1" smtClean="0"/>
+              <a:t>zPolicy</a:t>
+            </a:r>
+            <a:r>
+              <a:rPr lang="en-US" sz="1600" dirty="0" smtClean="0"/>
+              <a:t>"</a:t>
+            </a:r>
+            <a:r>
+              <a:rPr lang="en-US" sz="1600" dirty="0"/>
+              <a:t>	</a:t>
+            </a:r>
+            <a:r>
+              <a:rPr lang="en-US" sz="1600" dirty="0" smtClean="0"/>
+              <a:t> class</a:t>
+            </a:r>
+            <a:r>
+              <a:rPr lang="en-US" sz="1600" dirty="0"/>
+              <a:t>="</a:t>
+            </a:r>
+            <a:r>
+              <a:rPr lang="en-US" dirty="0" smtClean="0"/>
+              <a:t>org.apache.camel.component.zookeeper.policy.ZooKeeperRoutePolicy</a:t>
+            </a:r>
+            <a:r>
+              <a:rPr lang="en-US" sz="1600" dirty="0" smtClean="0"/>
+              <a:t>"</a:t>
+            </a:r>
+            <a:endParaRPr lang="en-US" sz="1600" dirty="0"/>
+          </a:p>
+          <a:p>
+            <a:pPr>
+              <a:lnSpc>
+                <a:spcPct val="150000"/>
+              </a:lnSpc>
+            </a:pPr>
+            <a:r>
+              <a:rPr lang="en-US" sz="1600" dirty="0"/>
+              <a:t>        </a:t>
+            </a:r>
+            <a:r>
+              <a:rPr lang="en-US" sz="1600" dirty="0" smtClean="0"/>
+              <a:t>c:uri="</a:t>
+            </a:r>
+            <a:r>
+              <a:rPr lang="en-US" sz="1600" b="1" dirty="0" smtClean="0"/>
+              <a:t>zookeeper:localhost:2161/myApp</a:t>
+            </a:r>
+            <a:r>
+              <a:rPr lang="en-US" sz="1600" dirty="0" smtClean="0"/>
+              <a:t>" </a:t>
+            </a:r>
+          </a:p>
+          <a:p>
+            <a:pPr>
+              <a:lnSpc>
+                <a:spcPct val="150000"/>
+              </a:lnSpc>
+            </a:pPr>
+            <a:r>
+              <a:rPr lang="en-US" sz="1600" dirty="0"/>
+              <a:t> </a:t>
+            </a:r>
+            <a:r>
+              <a:rPr lang="en-US" sz="1600" dirty="0" smtClean="0"/>
+              <a:t>       c:enabledCount="</a:t>
+            </a:r>
+            <a:r>
+              <a:rPr lang="en-US" sz="1600" b="1" dirty="0" smtClean="0"/>
+              <a:t>1</a:t>
+            </a:r>
+            <a:r>
+              <a:rPr lang="en-US" sz="1600" dirty="0" smtClean="0"/>
+              <a:t>"/&gt;</a:t>
+            </a:r>
+          </a:p>
+          <a:p>
+            <a:pPr>
+              <a:lnSpc>
+                <a:spcPct val="150000"/>
+              </a:lnSpc>
+            </a:pPr>
+            <a:endParaRPr lang="en-US" sz="1600" dirty="0" smtClean="0"/>
+          </a:p>
+          <a:p>
+            <a:pPr>
+              <a:lnSpc>
+                <a:spcPct val="150000"/>
+              </a:lnSpc>
+            </a:pPr>
+            <a:r>
+              <a:rPr lang="en-US" sz="1600" dirty="0"/>
+              <a:t> </a:t>
+            </a:r>
+            <a:r>
+              <a:rPr lang="en-US" sz="1600" dirty="0" smtClean="0"/>
+              <a:t> &lt;route </a:t>
+            </a:r>
+            <a:r>
+              <a:rPr lang="en-US" sz="1600" b="1" u="sng" dirty="0" err="1"/>
+              <a:t>routePolicyRef</a:t>
+            </a:r>
+            <a:r>
+              <a:rPr lang="en-US" sz="1600" b="1" u="sng" dirty="0"/>
+              <a:t>="</a:t>
+            </a:r>
+            <a:r>
+              <a:rPr lang="en-US" sz="1600" b="1" u="sng" dirty="0" err="1" smtClean="0"/>
+              <a:t>zPolicy</a:t>
+            </a:r>
+            <a:r>
+              <a:rPr lang="en-US" sz="1600" b="1" u="sng" dirty="0"/>
+              <a:t>"</a:t>
+            </a:r>
+            <a:r>
+              <a:rPr lang="en-US" sz="1600" dirty="0" smtClean="0"/>
+              <a:t>&gt;</a:t>
+            </a:r>
+          </a:p>
+          <a:p>
+            <a:pPr>
+              <a:lnSpc>
+                <a:spcPct val="150000"/>
+              </a:lnSpc>
+            </a:pPr>
+            <a:r>
+              <a:rPr lang="en-US" sz="1600" dirty="0"/>
+              <a:t>	</a:t>
+            </a:r>
+            <a:r>
+              <a:rPr lang="en-US" sz="1600" dirty="0" smtClean="0"/>
+              <a:t>&lt;from </a:t>
+            </a:r>
+            <a:r>
+              <a:rPr lang="en-US" sz="1600" dirty="0" err="1" smtClean="0"/>
+              <a:t>uri</a:t>
+            </a:r>
+            <a:r>
+              <a:rPr lang="en-US" sz="1600" dirty="0" smtClean="0"/>
+              <a:t>=“ftp”/&gt;</a:t>
+            </a:r>
+          </a:p>
+          <a:p>
+            <a:pPr>
+              <a:lnSpc>
+                <a:spcPct val="150000"/>
+              </a:lnSpc>
+            </a:pPr>
+            <a:r>
+              <a:rPr lang="en-US" sz="1600" dirty="0"/>
+              <a:t>	</a:t>
+            </a:r>
+            <a:r>
+              <a:rPr lang="en-US" sz="1600" dirty="0" smtClean="0"/>
+              <a:t>&lt;to </a:t>
+            </a:r>
+            <a:r>
+              <a:rPr lang="en-US" sz="1600" dirty="0" err="1" smtClean="0"/>
+              <a:t>uri</a:t>
+            </a:r>
+            <a:r>
+              <a:rPr lang="en-US" sz="1600" dirty="0" smtClean="0"/>
+              <a:t>=“</a:t>
+            </a:r>
+            <a:r>
+              <a:rPr lang="en-US" sz="1600" dirty="0" err="1" smtClean="0"/>
+              <a:t>bean:myProcessor</a:t>
+            </a:r>
+            <a:r>
+              <a:rPr lang="en-US" sz="1600" dirty="0" smtClean="0"/>
+              <a:t>”/&gt;</a:t>
+            </a:r>
+          </a:p>
+          <a:p>
+            <a:pPr>
+              <a:lnSpc>
+                <a:spcPct val="150000"/>
+              </a:lnSpc>
+            </a:pPr>
+            <a:r>
+              <a:rPr lang="en-US" sz="1600" dirty="0"/>
+              <a:t> </a:t>
+            </a:r>
+            <a:r>
+              <a:rPr lang="en-US" sz="1600" dirty="0" smtClean="0"/>
+              <a:t> &lt;/route&gt;</a:t>
+            </a:r>
+          </a:p>
+          <a:p>
+            <a:endParaRPr lang="en-US" dirty="0" smtClean="0"/>
           </a:p>
         </p:txBody>
       </p:sp>
     </p:spTree>
     <p:extLst>
       <p:ext uri="{BB962C8B-B14F-4D97-AF65-F5344CB8AC3E}">
-        <p14:creationId xmlns:p14="http://schemas.microsoft.com/office/powerpoint/2010/main" val="3854738847"/>
+        <p14:creationId xmlns:p14="http://schemas.microsoft.com/office/powerpoint/2010/main" val="2767795564"/>
       </p:ext>
     </p:extLst>
   </p:cSld>
   <p:clrMapOvr>
     <a:masterClrMapping/>
   </p:clrMapOvr>
+  <p:timing>
+    <p:tnLst>
+      <p:par>
+        <p:cTn id="1" dur="indefinite" restart="never" nodeType="tmRoot"/>
+      </p:par>
+    </p:tnLst>
+  </p:timing>
 </p:sld>
 </file>
 
@@ -26961,15 +26887,210 @@
             </a:pPr>
             <a:r>
               <a:rPr lang="en-US" b="1" dirty="0" smtClean="0"/>
-              <a:t>Route Policy for failover</a:t>
-            </a:r>
-            <a:endParaRPr lang="en-US" b="1" dirty="0"/>
-          </a:p>
-        </p:txBody>
-      </p:sp>
-      <p:sp>
-        <p:nvSpPr>
-          <p:cNvPr id="4" name="Объект 2"/>
+              <a:t>Testing</a:t>
+            </a:r>
+            <a:endParaRPr lang="en-US" b="1" u="sng" dirty="0"/>
+          </a:p>
+        </p:txBody>
+      </p:sp>
+      <p:sp>
+        <p:nvSpPr>
+          <p:cNvPr id="8" name="Объект 2"/>
+          <p:cNvSpPr txBox="1">
+            <a:spLocks/>
+          </p:cNvSpPr>
+          <p:nvPr/>
+        </p:nvSpPr>
+        <p:spPr>
+          <a:xfrm>
+            <a:off x="89453" y="788969"/>
+            <a:ext cx="8229600" cy="4876800"/>
+          </a:xfrm>
+          <a:prstGeom prst="rect">
+            <a:avLst/>
+          </a:prstGeom>
+        </p:spPr>
+        <p:txBody>
+          <a:bodyPr vert="horz" lIns="91440" tIns="45720" rIns="91440" bIns="45720" rtlCol="0">
+            <a:normAutofit/>
+          </a:bodyPr>
+          <a:lstStyle>
+            <a:lvl1pPr marL="182880" indent="-182880" algn="l" defTabSz="914400" rtl="0" eaLnBrk="1" latinLnBrk="0" hangingPunct="1">
+              <a:spcBef>
+                <a:spcPct val="20000"/>
+              </a:spcBef>
+              <a:buClr>
+                <a:schemeClr val="accent1"/>
+              </a:buClr>
+              <a:buSzPct val="85000"/>
+              <a:buFont typeface="Arial" pitchFamily="34" charset="0"/>
+              <a:buChar char="•"/>
+              <a:defRPr sz="2400" kern="1200">
+                <a:solidFill>
+                  <a:schemeClr val="tx1"/>
+                </a:solidFill>
+                <a:latin typeface="+mn-lt"/>
+                <a:ea typeface="+mn-ea"/>
+                <a:cs typeface="+mn-cs"/>
+              </a:defRPr>
+            </a:lvl1pPr>
+            <a:lvl2pPr marL="457200" indent="-182880" algn="l" defTabSz="914400" rtl="0" eaLnBrk="1" latinLnBrk="0" hangingPunct="1">
+              <a:spcBef>
+                <a:spcPct val="20000"/>
+              </a:spcBef>
+              <a:buClr>
+                <a:schemeClr val="accent1"/>
+              </a:buClr>
+              <a:buSzPct val="85000"/>
+              <a:buFont typeface="Arial" pitchFamily="34" charset="0"/>
+              <a:buChar char="•"/>
+              <a:defRPr sz="2000" kern="1200">
+                <a:solidFill>
+                  <a:schemeClr val="tx1"/>
+                </a:solidFill>
+                <a:latin typeface="+mn-lt"/>
+                <a:ea typeface="+mn-ea"/>
+                <a:cs typeface="+mn-cs"/>
+              </a:defRPr>
+            </a:lvl2pPr>
+            <a:lvl3pPr marL="731520" indent="-182880" algn="l" defTabSz="914400" rtl="0" eaLnBrk="1" latinLnBrk="0" hangingPunct="1">
+              <a:spcBef>
+                <a:spcPct val="20000"/>
+              </a:spcBef>
+              <a:buClr>
+                <a:schemeClr val="accent1"/>
+              </a:buClr>
+              <a:buSzPct val="90000"/>
+              <a:buFont typeface="Arial" pitchFamily="34" charset="0"/>
+              <a:buChar char="•"/>
+              <a:defRPr sz="1800" kern="1200">
+                <a:solidFill>
+                  <a:schemeClr val="tx1"/>
+                </a:solidFill>
+                <a:latin typeface="+mn-lt"/>
+                <a:ea typeface="+mn-ea"/>
+                <a:cs typeface="+mn-cs"/>
+              </a:defRPr>
+            </a:lvl3pPr>
+            <a:lvl4pPr marL="1005840" indent="-182880" algn="l" defTabSz="914400" rtl="0" eaLnBrk="1" latinLnBrk="0" hangingPunct="1">
+              <a:spcBef>
+                <a:spcPct val="20000"/>
+              </a:spcBef>
+              <a:buClr>
+                <a:schemeClr val="accent1"/>
+              </a:buClr>
+              <a:buFont typeface="Arial" pitchFamily="34" charset="0"/>
+              <a:buChar char="•"/>
+              <a:defRPr sz="1600" kern="1200">
+                <a:solidFill>
+                  <a:schemeClr val="tx1"/>
+                </a:solidFill>
+                <a:latin typeface="+mn-lt"/>
+                <a:ea typeface="+mn-ea"/>
+                <a:cs typeface="+mn-cs"/>
+              </a:defRPr>
+            </a:lvl4pPr>
+            <a:lvl5pPr marL="1188720" indent="-137160" algn="l" defTabSz="914400" rtl="0" eaLnBrk="1" latinLnBrk="0" hangingPunct="1">
+              <a:spcBef>
+                <a:spcPct val="20000"/>
+              </a:spcBef>
+              <a:buClr>
+                <a:schemeClr val="accent1"/>
+              </a:buClr>
+              <a:buSzPct val="100000"/>
+              <a:buFont typeface="Arial" pitchFamily="34" charset="0"/>
+              <a:buChar char="•"/>
+              <a:defRPr sz="1400" kern="1200" baseline="0">
+                <a:solidFill>
+                  <a:schemeClr val="tx1"/>
+                </a:solidFill>
+                <a:latin typeface="+mn-lt"/>
+                <a:ea typeface="+mn-ea"/>
+                <a:cs typeface="+mn-cs"/>
+              </a:defRPr>
+            </a:lvl5pPr>
+            <a:lvl6pPr marL="1371600" indent="-182880" algn="l" defTabSz="914400" rtl="0" eaLnBrk="1" latinLnBrk="0" hangingPunct="1">
+              <a:spcBef>
+                <a:spcPct val="20000"/>
+              </a:spcBef>
+              <a:buClr>
+                <a:schemeClr val="accent1"/>
+              </a:buClr>
+              <a:buFont typeface="Arial" pitchFamily="34" charset="0"/>
+              <a:buChar char="•"/>
+              <a:defRPr sz="1300" kern="1200">
+                <a:solidFill>
+                  <a:schemeClr val="tx1"/>
+                </a:solidFill>
+                <a:latin typeface="+mn-lt"/>
+                <a:ea typeface="+mn-ea"/>
+                <a:cs typeface="+mn-cs"/>
+              </a:defRPr>
+            </a:lvl6pPr>
+            <a:lvl7pPr marL="1554480" indent="-182880" algn="l" defTabSz="914400" rtl="0" eaLnBrk="1" latinLnBrk="0" hangingPunct="1">
+              <a:spcBef>
+                <a:spcPct val="20000"/>
+              </a:spcBef>
+              <a:buClr>
+                <a:schemeClr val="accent1"/>
+              </a:buClr>
+              <a:buFont typeface="Arial" pitchFamily="34" charset="0"/>
+              <a:buChar char="•"/>
+              <a:defRPr sz="1300" kern="1200">
+                <a:solidFill>
+                  <a:schemeClr val="tx1"/>
+                </a:solidFill>
+                <a:latin typeface="+mn-lt"/>
+                <a:ea typeface="+mn-ea"/>
+                <a:cs typeface="+mn-cs"/>
+              </a:defRPr>
+            </a:lvl7pPr>
+            <a:lvl8pPr marL="1737360" indent="-182880" algn="l" defTabSz="914400" rtl="0" eaLnBrk="1" latinLnBrk="0" hangingPunct="1">
+              <a:spcBef>
+                <a:spcPct val="20000"/>
+              </a:spcBef>
+              <a:buClr>
+                <a:schemeClr val="accent1"/>
+              </a:buClr>
+              <a:buFont typeface="Arial" pitchFamily="34" charset="0"/>
+              <a:buChar char="•"/>
+              <a:defRPr sz="1300" kern="1200">
+                <a:solidFill>
+                  <a:schemeClr val="tx1"/>
+                </a:solidFill>
+                <a:latin typeface="+mn-lt"/>
+                <a:ea typeface="+mn-ea"/>
+                <a:cs typeface="+mn-cs"/>
+              </a:defRPr>
+            </a:lvl8pPr>
+            <a:lvl9pPr marL="1920240" indent="-182880" algn="l" defTabSz="914400" rtl="0" eaLnBrk="1" latinLnBrk="0" hangingPunct="1">
+              <a:spcBef>
+                <a:spcPct val="20000"/>
+              </a:spcBef>
+              <a:buClr>
+                <a:schemeClr val="accent1"/>
+              </a:buClr>
+              <a:buFont typeface="Arial" pitchFamily="34" charset="0"/>
+              <a:buChar char="•"/>
+              <a:defRPr sz="1300" kern="1200">
+                <a:solidFill>
+                  <a:schemeClr val="tx1"/>
+                </a:solidFill>
+                <a:latin typeface="+mn-lt"/>
+                <a:ea typeface="+mn-ea"/>
+                <a:cs typeface="+mn-cs"/>
+              </a:defRPr>
+            </a:lvl9pPr>
+          </a:lstStyle>
+          <a:p>
+            <a:pPr marL="342900" lvl="2" indent="-342900"/>
+            <a:endParaRPr lang="en-US" sz="2400" dirty="0" smtClean="0"/>
+          </a:p>
+        </p:txBody>
+      </p:sp>
+      <p:sp>
+        <p:nvSpPr>
+          <p:cNvPr id="2" name="Объект 1"/>
           <p:cNvSpPr>
             <a:spLocks noGrp="1"/>
           </p:cNvSpPr>
@@ -26977,263 +27098,19 @@
             <p:ph idx="1"/>
           </p:nvPr>
         </p:nvSpPr>
-        <p:spPr>
-          <a:xfrm>
-            <a:off x="142875" y="800100"/>
-            <a:ext cx="6457950" cy="4876800"/>
-          </a:xfrm>
-        </p:spPr>
-        <p:txBody>
-          <a:bodyPr>
-            <a:normAutofit/>
-          </a:bodyPr>
+        <p:spPr/>
+        <p:txBody>
+          <a:bodyPr/>
           <a:lstStyle/>
           <a:p>
-            <a:pPr marL="0" indent="0">
-              <a:lnSpc>
-                <a:spcPct val="200000"/>
-              </a:lnSpc>
-              <a:buNone/>
-            </a:pPr>
-            <a:endParaRPr lang="ru-RU" sz="1600" dirty="0" smtClean="0"/>
-          </a:p>
-        </p:txBody>
-      </p:sp>
-      <p:sp>
-        <p:nvSpPr>
-          <p:cNvPr id="5" name="Прямоугольник 4"/>
-          <p:cNvSpPr/>
-          <p:nvPr/>
-        </p:nvSpPr>
-        <p:spPr>
-          <a:xfrm>
-            <a:off x="142875" y="1340644"/>
-            <a:ext cx="6631998" cy="3631763"/>
-          </a:xfrm>
-          <a:prstGeom prst="rect">
-            <a:avLst/>
-          </a:prstGeom>
-        </p:spPr>
-        <p:txBody>
-          <a:bodyPr wrap="square">
-            <a:spAutoFit/>
-          </a:bodyPr>
-          <a:lstStyle/>
-          <a:p>
-            <a:pPr>
-              <a:lnSpc>
-                <a:spcPct val="150000"/>
-              </a:lnSpc>
-            </a:pPr>
-            <a:r>
-              <a:rPr lang="en-US" sz="1600" dirty="0"/>
-              <a:t> &lt;bean </a:t>
-            </a:r>
-            <a:r>
-              <a:rPr lang="en-US" sz="1600" dirty="0" smtClean="0"/>
-              <a:t>id="</a:t>
-            </a:r>
-            <a:r>
-              <a:rPr lang="en-US" sz="1600" dirty="0" err="1" smtClean="0"/>
-              <a:t>zPolicy</a:t>
-            </a:r>
-            <a:r>
-              <a:rPr lang="en-US" sz="1600" dirty="0" smtClean="0"/>
-              <a:t>"</a:t>
-            </a:r>
-            <a:r>
-              <a:rPr lang="en-US" sz="1600" dirty="0"/>
-              <a:t>	</a:t>
-            </a:r>
-            <a:r>
-              <a:rPr lang="en-US" sz="1600" dirty="0" smtClean="0"/>
-              <a:t> </a:t>
-            </a:r>
-            <a:r>
-              <a:rPr lang="en-US" sz="1600" dirty="0" smtClean="0"/>
-              <a:t>class</a:t>
-            </a:r>
-            <a:r>
-              <a:rPr lang="en-US" sz="1600" dirty="0"/>
-              <a:t>="</a:t>
-            </a:r>
-            <a:r>
-              <a:rPr lang="en-US" dirty="0" smtClean="0"/>
-              <a:t>org.apache.camel.component.zookeeper.policy.ZooKeeperRoutePolicy</a:t>
-            </a:r>
-            <a:r>
-              <a:rPr lang="en-US" sz="1600" dirty="0" smtClean="0"/>
-              <a:t>"</a:t>
-            </a:r>
-            <a:endParaRPr lang="en-US" sz="1600" dirty="0"/>
-          </a:p>
-          <a:p>
-            <a:pPr>
-              <a:lnSpc>
-                <a:spcPct val="150000"/>
-              </a:lnSpc>
-            </a:pPr>
-            <a:r>
-              <a:rPr lang="en-US" sz="1600" dirty="0"/>
-              <a:t>        </a:t>
-            </a:r>
-            <a:r>
-              <a:rPr lang="en-US" sz="1600" dirty="0" smtClean="0"/>
-              <a:t>c:uri="</a:t>
-            </a:r>
-            <a:r>
-              <a:rPr lang="en-US" sz="1600" b="1" dirty="0" smtClean="0"/>
-              <a:t>zookeeper:localhost:2161/myApp</a:t>
-            </a:r>
-            <a:r>
-              <a:rPr lang="en-US" sz="1600" dirty="0" smtClean="0"/>
-              <a:t>" </a:t>
-            </a:r>
-          </a:p>
-          <a:p>
-            <a:pPr>
-              <a:lnSpc>
-                <a:spcPct val="150000"/>
-              </a:lnSpc>
-            </a:pPr>
-            <a:r>
-              <a:rPr lang="en-US" sz="1600" dirty="0"/>
-              <a:t> </a:t>
-            </a:r>
-            <a:r>
-              <a:rPr lang="en-US" sz="1600" dirty="0" smtClean="0"/>
-              <a:t>       c:enabledCount="</a:t>
-            </a:r>
-            <a:r>
-              <a:rPr lang="en-US" sz="1600" b="1" dirty="0" smtClean="0"/>
-              <a:t>1</a:t>
-            </a:r>
-            <a:r>
-              <a:rPr lang="en-US" sz="1600" dirty="0" smtClean="0"/>
-              <a:t>"/&gt;</a:t>
-            </a:r>
-          </a:p>
-          <a:p>
-            <a:pPr>
-              <a:lnSpc>
-                <a:spcPct val="150000"/>
-              </a:lnSpc>
-            </a:pPr>
-            <a:endParaRPr lang="en-US" sz="1600" dirty="0" smtClean="0"/>
-          </a:p>
-          <a:p>
-            <a:pPr>
-              <a:lnSpc>
-                <a:spcPct val="150000"/>
-              </a:lnSpc>
-            </a:pPr>
-            <a:r>
-              <a:rPr lang="en-US" sz="1600" dirty="0"/>
-              <a:t> </a:t>
-            </a:r>
-            <a:r>
-              <a:rPr lang="en-US" sz="1600" dirty="0" smtClean="0"/>
-              <a:t> &lt;route </a:t>
-            </a:r>
-            <a:r>
-              <a:rPr lang="en-US" sz="1600" b="1" u="sng" dirty="0" err="1"/>
-              <a:t>routePolicyRef</a:t>
-            </a:r>
-            <a:r>
-              <a:rPr lang="en-US" sz="1600" b="1" u="sng" dirty="0"/>
-              <a:t>="</a:t>
-            </a:r>
-            <a:r>
-              <a:rPr lang="en-US" sz="1600" b="1" u="sng" dirty="0" err="1" smtClean="0"/>
-              <a:t>zPolicy</a:t>
-            </a:r>
-            <a:r>
-              <a:rPr lang="en-US" sz="1600" b="1" u="sng" dirty="0"/>
-              <a:t>"</a:t>
-            </a:r>
-            <a:r>
-              <a:rPr lang="en-US" sz="1600" dirty="0" smtClean="0"/>
-              <a:t>&gt;</a:t>
-            </a:r>
-          </a:p>
-          <a:p>
-            <a:pPr>
-              <a:lnSpc>
-                <a:spcPct val="150000"/>
-              </a:lnSpc>
-            </a:pPr>
-            <a:r>
-              <a:rPr lang="en-US" sz="1600" dirty="0"/>
-              <a:t>	</a:t>
-            </a:r>
-            <a:r>
-              <a:rPr lang="en-US" sz="1600" dirty="0" smtClean="0"/>
-              <a:t>&lt;from </a:t>
-            </a:r>
-            <a:r>
-              <a:rPr lang="en-US" sz="1600" dirty="0" err="1" smtClean="0"/>
-              <a:t>uri</a:t>
-            </a:r>
-            <a:r>
-              <a:rPr lang="en-US" sz="1600" dirty="0" smtClean="0"/>
-              <a:t>=“ftp”/&gt;</a:t>
-            </a:r>
-          </a:p>
-          <a:p>
-            <a:pPr>
-              <a:lnSpc>
-                <a:spcPct val="150000"/>
-              </a:lnSpc>
-            </a:pPr>
-            <a:r>
-              <a:rPr lang="en-US" sz="1600" dirty="0"/>
-              <a:t>	</a:t>
-            </a:r>
-            <a:r>
-              <a:rPr lang="en-US" sz="1600" dirty="0" smtClean="0"/>
-              <a:t>&lt;to </a:t>
-            </a:r>
-            <a:r>
-              <a:rPr lang="en-US" sz="1600" dirty="0" err="1" smtClean="0"/>
-              <a:t>uri</a:t>
-            </a:r>
-            <a:r>
-              <a:rPr lang="en-US" sz="1600" dirty="0" smtClean="0"/>
-              <a:t>=“</a:t>
-            </a:r>
-            <a:r>
-              <a:rPr lang="en-US" sz="1600" dirty="0" err="1" smtClean="0"/>
-              <a:t>bean:myProcessor</a:t>
-            </a:r>
-            <a:r>
-              <a:rPr lang="en-US" sz="1600" dirty="0" smtClean="0"/>
-              <a:t>”/&gt;</a:t>
-            </a:r>
-          </a:p>
-          <a:p>
-            <a:pPr>
-              <a:lnSpc>
-                <a:spcPct val="150000"/>
-              </a:lnSpc>
-            </a:pPr>
-            <a:r>
-              <a:rPr lang="en-US" sz="1600" dirty="0"/>
-              <a:t> </a:t>
-            </a:r>
-            <a:r>
-              <a:rPr lang="en-US" sz="1600" dirty="0" smtClean="0"/>
-              <a:t> &lt;/route&gt;</a:t>
-            </a:r>
-          </a:p>
-          <a:p>
-            <a:endParaRPr lang="en-US" dirty="0" smtClean="0"/>
+            <a:endParaRPr lang="ru-RU"/>
           </a:p>
         </p:txBody>
       </p:sp>
     </p:spTree>
     <p:extLst>
       <p:ext uri="{BB962C8B-B14F-4D97-AF65-F5344CB8AC3E}">
-        <p14:creationId xmlns:p14="http://schemas.microsoft.com/office/powerpoint/2010/main" val="2767795564"/>
+        <p14:creationId xmlns:p14="http://schemas.microsoft.com/office/powerpoint/2010/main" val="1231822558"/>
       </p:ext>
     </p:extLst>
   </p:cSld>
@@ -27497,7 +27374,7 @@
       </p:sp>
       <p:sp>
         <p:nvSpPr>
-          <p:cNvPr id="2" name="Объект 1"/>
+          <p:cNvPr id="22" name="Объект 2"/>
           <p:cNvSpPr>
             <a:spLocks noGrp="1"/>
           </p:cNvSpPr>
@@ -27505,19 +27382,46 @@
             <p:ph idx="1"/>
           </p:nvPr>
         </p:nvSpPr>
-        <p:spPr/>
-        <p:txBody>
-          <a:bodyPr/>
+        <p:spPr>
+          <a:xfrm>
+            <a:off x="89453" y="878422"/>
+            <a:ext cx="6485518" cy="3606492"/>
+          </a:xfrm>
+        </p:spPr>
+        <p:txBody>
+          <a:bodyPr>
+            <a:normAutofit/>
+          </a:bodyPr>
           <a:lstStyle/>
           <a:p>
-            <a:endParaRPr lang="ru-RU"/>
+            <a:pPr>
+              <a:lnSpc>
+                <a:spcPct val="150000"/>
+              </a:lnSpc>
+            </a:pPr>
+            <a:r>
+              <a:rPr lang="en-US" sz="3200" dirty="0" smtClean="0"/>
+              <a:t> Processors are just POJOs</a:t>
+            </a:r>
+          </a:p>
+          <a:p>
+            <a:pPr lvl="1">
+              <a:lnSpc>
+                <a:spcPct val="150000"/>
+              </a:lnSpc>
+            </a:pPr>
+            <a:r>
+              <a:rPr lang="en-US" sz="2800" dirty="0" smtClean="0"/>
+              <a:t>So unit tests are enough</a:t>
+            </a:r>
+            <a:endParaRPr lang="ru-RU" sz="2800" dirty="0" smtClean="0"/>
           </a:p>
         </p:txBody>
       </p:sp>
     </p:spTree>
     <p:extLst>
       <p:ext uri="{BB962C8B-B14F-4D97-AF65-F5344CB8AC3E}">
-        <p14:creationId xmlns:p14="http://schemas.microsoft.com/office/powerpoint/2010/main" val="1231822558"/>
+        <p14:creationId xmlns:p14="http://schemas.microsoft.com/office/powerpoint/2010/main" val="1769104522"/>
       </p:ext>
     </p:extLst>
   </p:cSld>
@@ -27797,7 +27701,7 @@
         </p:spPr>
         <p:txBody>
           <a:bodyPr>
-            <a:normAutofit/>
+            <a:normAutofit lnSpcReduction="10000"/>
           </a:bodyPr>
           <a:lstStyle/>
           <a:p>
@@ -27819,20 +27723,60 @@
             </a:pPr>
             <a:r>
               <a:rPr lang="en-US" sz="2800" dirty="0" smtClean="0"/>
-              <a:t>So unit tests are </a:t>
-            </a:r>
+              <a:t>So unit tests are enough</a:t>
+            </a:r>
+            <a:endParaRPr lang="ru-RU" sz="2800" dirty="0" smtClean="0"/>
+          </a:p>
+          <a:p>
+            <a:pPr>
+              <a:lnSpc>
+                <a:spcPct val="150000"/>
+              </a:lnSpc>
+            </a:pPr>
+            <a:r>
+              <a:rPr lang="en-US" sz="3200" dirty="0" smtClean="0"/>
+              <a:t> Route </a:t>
+            </a:r>
+            <a:r>
+              <a:rPr lang="en-US" sz="3200" dirty="0" err="1" smtClean="0"/>
+              <a:t>config</a:t>
+            </a:r>
+            <a:r>
+              <a:rPr lang="en-US" sz="3200" dirty="0" smtClean="0"/>
+              <a:t> requires testing too</a:t>
+            </a:r>
+            <a:endParaRPr lang="ru-RU" sz="3200" dirty="0" smtClean="0"/>
+          </a:p>
+          <a:p>
+            <a:pPr lvl="1">
+              <a:lnSpc>
+                <a:spcPct val="150000"/>
+              </a:lnSpc>
+            </a:pPr>
             <a:r>
               <a:rPr lang="en-US" sz="2800" dirty="0" smtClean="0"/>
-              <a:t>enough</a:t>
+              <a:t>Integration if possible</a:t>
             </a:r>
             <a:endParaRPr lang="ru-RU" sz="2800" dirty="0" smtClean="0"/>
+          </a:p>
+          <a:p>
+            <a:pPr lvl="2">
+              <a:lnSpc>
+                <a:spcPct val="150000"/>
+              </a:lnSpc>
+            </a:pPr>
+            <a:r>
+              <a:rPr lang="en-US" sz="2400" dirty="0" smtClean="0"/>
+              <a:t>With embedded broker</a:t>
+            </a:r>
+            <a:endParaRPr lang="ru-RU" sz="2400" dirty="0"/>
           </a:p>
         </p:txBody>
       </p:sp>
     </p:spTree>
     <p:extLst>
       <p:ext uri="{BB962C8B-B14F-4D97-AF65-F5344CB8AC3E}">
-        <p14:creationId xmlns:p14="http://schemas.microsoft.com/office/powerpoint/2010/main" val="1769104522"/>
+        <p14:creationId xmlns:p14="http://schemas.microsoft.com/office/powerpoint/2010/main" val="4240325052"/>
       </p:ext>
     </p:extLst>
   </p:cSld>
@@ -27893,7 +27837,11 @@
             </a:pPr>
             <a:r>
               <a:rPr lang="en-US" b="1" dirty="0" smtClean="0"/>
-              <a:t>Testing</a:t>
+              <a:t>Testing: Embedded </a:t>
+            </a:r>
+            <a:r>
+              <a:rPr lang="en-US" b="1" dirty="0" err="1" smtClean="0"/>
+              <a:t>ActiveMQ</a:t>
             </a:r>
             <a:endParaRPr lang="en-US" b="1" u="sng" dirty="0"/>
           </a:p>
@@ -28096,7 +28044,7 @@
       </p:sp>
       <p:sp>
         <p:nvSpPr>
-          <p:cNvPr id="22" name="Объект 2"/>
+          <p:cNvPr id="6" name="Объект 2"/>
           <p:cNvSpPr>
             <a:spLocks noGrp="1"/>
           </p:cNvSpPr>
@@ -28106,88 +28054,249 @@
         </p:nvSpPr>
         <p:spPr>
           <a:xfrm>
-            <a:off x="89453" y="878422"/>
-            <a:ext cx="6485518" cy="3606492"/>
+            <a:off x="210457" y="878422"/>
+            <a:ext cx="6647543" cy="3664549"/>
           </a:xfrm>
         </p:spPr>
         <p:txBody>
           <a:bodyPr>
-            <a:normAutofit lnSpcReduction="10000"/>
+            <a:noAutofit/>
           </a:bodyPr>
           <a:lstStyle/>
           <a:p>
-            <a:pPr>
+            <a:pPr marL="0" indent="0">
               <a:lnSpc>
-                <a:spcPct val="150000"/>
+                <a:spcPct val="100000"/>
               </a:lnSpc>
+              <a:spcAft>
+                <a:spcPts val="0"/>
+              </a:spcAft>
+              <a:buNone/>
             </a:pPr>
             <a:r>
-              <a:rPr lang="en-US" sz="3200" dirty="0" smtClean="0"/>
-              <a:t> Processors are just POJOs</a:t>
-            </a:r>
-          </a:p>
-          <a:p>
-            <a:pPr lvl="1">
+              <a:rPr lang="en-US" dirty="0" smtClean="0"/>
+              <a:t>&lt;</a:t>
+            </a:r>
+            <a:r>
+              <a:rPr lang="en-US" dirty="0"/>
+              <a:t>bean id="</a:t>
+            </a:r>
+            <a:r>
+              <a:rPr lang="en-US" dirty="0" err="1"/>
+              <a:t>activemq</a:t>
+            </a:r>
+            <a:r>
+              <a:rPr lang="en-US" dirty="0"/>
+              <a:t>" class</a:t>
+            </a:r>
+            <a:r>
+              <a:rPr lang="en-US" dirty="0" smtClean="0"/>
+              <a:t>="</a:t>
+            </a:r>
+            <a:r>
+              <a:rPr lang="en-US" dirty="0" err="1" smtClean="0"/>
+              <a:t>ActiveMQComponent</a:t>
+            </a:r>
+            <a:r>
+              <a:rPr lang="en-US" dirty="0" smtClean="0"/>
+              <a:t>“</a:t>
+            </a:r>
+          </a:p>
+          <a:p>
+            <a:pPr marL="0" indent="0">
               <a:lnSpc>
-                <a:spcPct val="150000"/>
+                <a:spcPct val="100000"/>
               </a:lnSpc>
+              <a:spcAft>
+                <a:spcPts val="0"/>
+              </a:spcAft>
+              <a:buNone/>
             </a:pPr>
             <a:r>
-              <a:rPr lang="en-US" sz="2800" dirty="0" smtClean="0"/>
-              <a:t>So unit tests are enough</a:t>
-            </a:r>
-            <a:endParaRPr lang="ru-RU" sz="2800" dirty="0" smtClean="0"/>
-          </a:p>
-          <a:p>
-            <a:pPr>
+              <a:rPr lang="en-US" dirty="0"/>
+              <a:t>    &lt;property name="</a:t>
+            </a:r>
+            <a:r>
+              <a:rPr lang="en-US" dirty="0" err="1" smtClean="0"/>
+              <a:t>connectionFactory</a:t>
+            </a:r>
+            <a:r>
+              <a:rPr lang="en-US" dirty="0" smtClean="0"/>
+              <a:t>"&gt; </a:t>
+            </a:r>
+          </a:p>
+          <a:p>
+            <a:pPr marL="0" indent="0">
               <a:lnSpc>
-                <a:spcPct val="150000"/>
+                <a:spcPct val="100000"/>
               </a:lnSpc>
+              <a:spcAft>
+                <a:spcPts val="0"/>
+              </a:spcAft>
+              <a:buNone/>
             </a:pPr>
             <a:r>
-              <a:rPr lang="en-US" sz="3200" dirty="0" smtClean="0"/>
-              <a:t> Route </a:t>
-            </a:r>
-            <a:r>
-              <a:rPr lang="en-US" sz="3200" dirty="0" err="1" smtClean="0"/>
+              <a:rPr lang="en-US" dirty="0"/>
+              <a:t>        &lt;bean </a:t>
+            </a:r>
+            <a:r>
+              <a:rPr lang="en-US" dirty="0" smtClean="0"/>
+              <a:t>class="</a:t>
+            </a:r>
+            <a:r>
+              <a:rPr lang="en-US" dirty="0" err="1" smtClean="0"/>
+              <a:t>ActiveMQConnectionFactory</a:t>
+            </a:r>
+            <a:r>
+              <a:rPr lang="en-US" dirty="0" smtClean="0"/>
+              <a:t>"</a:t>
+            </a:r>
+            <a:endParaRPr lang="en-US" dirty="0"/>
+          </a:p>
+          <a:p>
+            <a:pPr marL="0" indent="0">
+              <a:lnSpc>
+                <a:spcPct val="100000"/>
+              </a:lnSpc>
+              <a:spcAft>
+                <a:spcPts val="0"/>
+              </a:spcAft>
+              <a:buNone/>
+            </a:pPr>
+            <a:r>
+              <a:rPr lang="en-US" dirty="0" smtClean="0"/>
+              <a:t>   </a:t>
+            </a:r>
+            <a:r>
+              <a:rPr lang="en-US" dirty="0"/>
+              <a:t>        </a:t>
+            </a:r>
+            <a:r>
+              <a:rPr lang="en-US" dirty="0" smtClean="0"/>
+              <a:t>p:brokerURL="</a:t>
+            </a:r>
+            <a:r>
+              <a:rPr lang="en-US" b="1" dirty="0"/>
+              <a:t>vm://myBroker?broker.persistent=false</a:t>
+            </a:r>
+            <a:r>
+              <a:rPr lang="en-US" dirty="0"/>
+              <a:t>" /&gt;</a:t>
+            </a:r>
+          </a:p>
+          <a:p>
+            <a:pPr marL="0" indent="0">
+              <a:lnSpc>
+                <a:spcPct val="100000"/>
+              </a:lnSpc>
+              <a:spcAft>
+                <a:spcPts val="0"/>
+              </a:spcAft>
+              <a:buNone/>
+            </a:pPr>
+            <a:r>
+              <a:rPr lang="en-US" dirty="0"/>
+              <a:t>   </a:t>
+            </a:r>
+            <a:r>
+              <a:rPr lang="en-US" dirty="0" smtClean="0"/>
+              <a:t>     &lt;/</a:t>
+            </a:r>
+            <a:r>
+              <a:rPr lang="en-US" dirty="0"/>
+              <a:t>bean&gt;</a:t>
+            </a:r>
+          </a:p>
+          <a:p>
+            <a:pPr marL="0" indent="0">
+              <a:lnSpc>
+                <a:spcPct val="100000"/>
+              </a:lnSpc>
+              <a:spcAft>
+                <a:spcPts val="0"/>
+              </a:spcAft>
+              <a:buNone/>
+            </a:pPr>
+            <a:r>
+              <a:rPr lang="en-US" dirty="0" smtClean="0"/>
+              <a:t>    &lt;/property&gt;</a:t>
+            </a:r>
+          </a:p>
+          <a:p>
+            <a:pPr marL="0" indent="0">
+              <a:lnSpc>
+                <a:spcPct val="100000"/>
+              </a:lnSpc>
+              <a:spcAft>
+                <a:spcPts val="0"/>
+              </a:spcAft>
+              <a:buNone/>
+            </a:pPr>
+            <a:r>
+              <a:rPr lang="en-US" dirty="0" smtClean="0"/>
+              <a:t>&lt;/</a:t>
+            </a:r>
+            <a:r>
+              <a:rPr lang="en-US" dirty="0"/>
+              <a:t>bean</a:t>
+            </a:r>
+            <a:r>
+              <a:rPr lang="en-US" dirty="0" smtClean="0"/>
+              <a:t>&gt;</a:t>
+            </a:r>
+          </a:p>
+          <a:p>
+            <a:pPr marL="0" indent="0">
+              <a:lnSpc>
+                <a:spcPct val="100000"/>
+              </a:lnSpc>
+              <a:spcAft>
+                <a:spcPts val="0"/>
+              </a:spcAft>
+              <a:buNone/>
+            </a:pPr>
+            <a:endParaRPr lang="en-US" sz="2000" dirty="0"/>
+          </a:p>
+          <a:p>
+            <a:r>
+              <a:rPr lang="en-US" sz="2000" dirty="0" smtClean="0"/>
+              <a:t>Broker is auto-started on tests run</a:t>
+            </a:r>
+            <a:endParaRPr lang="ru-RU" sz="2000" dirty="0" smtClean="0"/>
+          </a:p>
+          <a:p>
+            <a:r>
+              <a:rPr lang="en-US" sz="2000" dirty="0" smtClean="0"/>
+              <a:t>No need in any additional </a:t>
+            </a:r>
+            <a:r>
+              <a:rPr lang="en-US" sz="2000" dirty="0" err="1" smtClean="0"/>
               <a:t>config</a:t>
             </a:r>
-            <a:r>
-              <a:rPr lang="en-US" sz="3200" dirty="0" smtClean="0"/>
-              <a:t> requires testing too</a:t>
-            </a:r>
-            <a:endParaRPr lang="ru-RU" sz="3200" dirty="0" smtClean="0"/>
-          </a:p>
-          <a:p>
-            <a:pPr lvl="1">
-              <a:lnSpc>
-                <a:spcPct val="150000"/>
-              </a:lnSpc>
-            </a:pPr>
-            <a:r>
-              <a:rPr lang="en-US" sz="2800" dirty="0" smtClean="0"/>
-              <a:t>Integration if possible</a:t>
-            </a:r>
-            <a:endParaRPr lang="ru-RU" sz="2800" dirty="0" smtClean="0"/>
-          </a:p>
-          <a:p>
-            <a:pPr lvl="2">
-              <a:lnSpc>
-                <a:spcPct val="150000"/>
-              </a:lnSpc>
-            </a:pPr>
-            <a:r>
-              <a:rPr lang="en-US" sz="2400" dirty="0" smtClean="0"/>
-              <a:t>With embedded broker</a:t>
-            </a:r>
-            <a:endParaRPr lang="ru-RU" sz="2400" dirty="0"/>
+            <a:endParaRPr lang="ru-RU" sz="2000" dirty="0" smtClean="0"/>
+          </a:p>
+          <a:p>
+            <a:pPr lvl="1"/>
+            <a:r>
+              <a:rPr lang="en-US" sz="1800" dirty="0" smtClean="0"/>
+              <a:t>Queues creates on-the-fly</a:t>
+            </a:r>
+            <a:endParaRPr lang="ru-RU" sz="1800" dirty="0" smtClean="0"/>
+          </a:p>
+          <a:p>
+            <a:pPr lvl="1"/>
+            <a:r>
+              <a:rPr lang="en-US" sz="1800" dirty="0" smtClean="0"/>
+              <a:t>Messages DB created on-the-fly (stored in RAM)</a:t>
+            </a:r>
+            <a:endParaRPr lang="ru-RU" sz="1800" dirty="0"/>
           </a:p>
         </p:txBody>
       </p:sp>
     </p:spTree>
     <p:extLst>
       <p:ext uri="{BB962C8B-B14F-4D97-AF65-F5344CB8AC3E}">
-        <p14:creationId xmlns:p14="http://schemas.microsoft.com/office/powerpoint/2010/main" val="4240325052"/>
+        <p14:creationId xmlns:p14="http://schemas.microsoft.com/office/powerpoint/2010/main" val="3356732333"/>
       </p:ext>
     </p:extLst>
   </p:cSld>
@@ -28248,11 +28357,7 @@
             </a:pPr>
             <a:r>
               <a:rPr lang="en-US" b="1" dirty="0" smtClean="0"/>
-              <a:t>Testing: Embedded </a:t>
-            </a:r>
-            <a:r>
-              <a:rPr lang="en-US" b="1" dirty="0" err="1" smtClean="0"/>
-              <a:t>ActiveMQ</a:t>
+              <a:t>Testing: Mocks</a:t>
             </a:r>
             <a:endParaRPr lang="en-US" b="1" u="sng" dirty="0"/>
           </a:p>
@@ -28455,259 +28560,237 @@
       </p:sp>
       <p:sp>
         <p:nvSpPr>
-          <p:cNvPr id="6" name="Объект 2"/>
-          <p:cNvSpPr>
-            <a:spLocks noGrp="1"/>
+          <p:cNvPr id="7" name="Объект 2"/>
+          <p:cNvSpPr txBox="1">
+            <a:spLocks/>
           </p:cNvSpPr>
-          <p:nvPr>
-            <p:ph idx="1"/>
-          </p:nvPr>
+          <p:nvPr/>
         </p:nvSpPr>
         <p:spPr>
           <a:xfrm>
-            <a:off x="210457" y="878422"/>
-            <a:ext cx="6647543" cy="3664549"/>
-          </a:xfrm>
-        </p:spPr>
-        <p:txBody>
-          <a:bodyPr>
-            <a:noAutofit/>
+            <a:off x="89453" y="878422"/>
+            <a:ext cx="6558090" cy="4012892"/>
+          </a:xfrm>
+          <a:prstGeom prst="rect">
+            <a:avLst/>
+          </a:prstGeom>
+        </p:spPr>
+        <p:txBody>
+          <a:bodyPr vert="horz" lIns="68580" tIns="34290" rIns="68580" bIns="34290" rtlCol="0">
+            <a:normAutofit/>
           </a:bodyPr>
-          <a:lstStyle/>
-          <a:p>
-            <a:pPr marL="0" indent="0">
+          <a:lstStyle>
+            <a:lvl1pPr marL="130299" marR="0" indent="-130299" algn="l" defTabSz="342891" rtl="0" eaLnBrk="1" fontAlgn="auto" latinLnBrk="0" hangingPunct="1">
               <a:lnSpc>
-                <a:spcPct val="100000"/>
+                <a:spcPct val="120000"/>
               </a:lnSpc>
+              <a:spcBef>
+                <a:spcPts val="0"/>
+              </a:spcBef>
               <a:spcAft>
-                <a:spcPts val="0"/>
+                <a:spcPts val="751"/>
               </a:spcAft>
+              <a:buClr>
+                <a:schemeClr val="accent4"/>
+              </a:buClr>
+              <a:buSzTx/>
+              <a:buFont typeface="Arial"/>
+              <a:buChar char="•"/>
+              <a:tabLst/>
+              <a:defRPr sz="1400" kern="1200" baseline="0">
+                <a:solidFill>
+                  <a:schemeClr val="tx1"/>
+                </a:solidFill>
+                <a:latin typeface="+mn-lt"/>
+                <a:ea typeface="+mn-ea"/>
+                <a:cs typeface="+mn-cs"/>
+              </a:defRPr>
+            </a:lvl1pPr>
+            <a:lvl2pPr marL="557199" indent="-214308" algn="l" defTabSz="342891" rtl="0" eaLnBrk="1" latinLnBrk="0" hangingPunct="1">
+              <a:spcBef>
+                <a:spcPct val="20000"/>
+              </a:spcBef>
+              <a:buFont typeface="Arial"/>
+              <a:buChar char="–"/>
+              <a:defRPr sz="1200" kern="1200">
+                <a:solidFill>
+                  <a:schemeClr val="tx1"/>
+                </a:solidFill>
+                <a:latin typeface="+mn-lt"/>
+                <a:ea typeface="+mn-ea"/>
+                <a:cs typeface="+mn-cs"/>
+              </a:defRPr>
+            </a:lvl2pPr>
+            <a:lvl3pPr marL="857229" indent="-171446" algn="l" defTabSz="342891" rtl="0" eaLnBrk="1" latinLnBrk="0" hangingPunct="1">
+              <a:spcBef>
+                <a:spcPct val="20000"/>
+              </a:spcBef>
+              <a:buFont typeface="Arial"/>
+              <a:buChar char="•"/>
+              <a:defRPr sz="1200" kern="1200">
+                <a:solidFill>
+                  <a:schemeClr val="tx1"/>
+                </a:solidFill>
+                <a:latin typeface="+mn-lt"/>
+                <a:ea typeface="+mn-ea"/>
+                <a:cs typeface="+mn-cs"/>
+              </a:defRPr>
+            </a:lvl3pPr>
+            <a:lvl4pPr marL="1200121" indent="-171446" algn="l" defTabSz="342891" rtl="0" eaLnBrk="1" latinLnBrk="0" hangingPunct="1">
+              <a:spcBef>
+                <a:spcPct val="20000"/>
+              </a:spcBef>
+              <a:buFont typeface="Arial"/>
+              <a:buChar char="–"/>
+              <a:defRPr sz="1200" kern="1200">
+                <a:solidFill>
+                  <a:schemeClr val="tx1"/>
+                </a:solidFill>
+                <a:latin typeface="+mn-lt"/>
+                <a:ea typeface="+mn-ea"/>
+                <a:cs typeface="+mn-cs"/>
+              </a:defRPr>
+            </a:lvl4pPr>
+            <a:lvl5pPr marL="1543012" indent="-171446" algn="l" defTabSz="342891" rtl="0" eaLnBrk="1" latinLnBrk="0" hangingPunct="1">
+              <a:spcBef>
+                <a:spcPct val="20000"/>
+              </a:spcBef>
+              <a:buFont typeface="Arial"/>
+              <a:buChar char="»"/>
+              <a:defRPr sz="1200" kern="1200">
+                <a:solidFill>
+                  <a:schemeClr val="tx1"/>
+                </a:solidFill>
+                <a:latin typeface="+mn-lt"/>
+                <a:ea typeface="+mn-ea"/>
+                <a:cs typeface="+mn-cs"/>
+              </a:defRPr>
+            </a:lvl5pPr>
+            <a:lvl6pPr marL="1885904" indent="-171446" algn="l" defTabSz="342891" rtl="0" eaLnBrk="1" latinLnBrk="0" hangingPunct="1">
+              <a:spcBef>
+                <a:spcPct val="20000"/>
+              </a:spcBef>
+              <a:buFont typeface="Arial"/>
+              <a:buChar char="•"/>
+              <a:defRPr sz="1500" kern="1200">
+                <a:solidFill>
+                  <a:schemeClr val="tx1"/>
+                </a:solidFill>
+                <a:latin typeface="+mn-lt"/>
+                <a:ea typeface="+mn-ea"/>
+                <a:cs typeface="+mn-cs"/>
+              </a:defRPr>
+            </a:lvl6pPr>
+            <a:lvl7pPr marL="2228795" indent="-171446" algn="l" defTabSz="342891" rtl="0" eaLnBrk="1" latinLnBrk="0" hangingPunct="1">
+              <a:spcBef>
+                <a:spcPct val="20000"/>
+              </a:spcBef>
+              <a:buFont typeface="Arial"/>
+              <a:buChar char="•"/>
+              <a:defRPr sz="1500" kern="1200">
+                <a:solidFill>
+                  <a:schemeClr val="tx1"/>
+                </a:solidFill>
+                <a:latin typeface="+mn-lt"/>
+                <a:ea typeface="+mn-ea"/>
+                <a:cs typeface="+mn-cs"/>
+              </a:defRPr>
+            </a:lvl7pPr>
+            <a:lvl8pPr marL="2571686" indent="-171446" algn="l" defTabSz="342891" rtl="0" eaLnBrk="1" latinLnBrk="0" hangingPunct="1">
+              <a:spcBef>
+                <a:spcPct val="20000"/>
+              </a:spcBef>
+              <a:buFont typeface="Arial"/>
+              <a:buChar char="•"/>
+              <a:defRPr sz="1500" kern="1200">
+                <a:solidFill>
+                  <a:schemeClr val="tx1"/>
+                </a:solidFill>
+                <a:latin typeface="+mn-lt"/>
+                <a:ea typeface="+mn-ea"/>
+                <a:cs typeface="+mn-cs"/>
+              </a:defRPr>
+            </a:lvl8pPr>
+            <a:lvl9pPr marL="2914578" indent="-171446" algn="l" defTabSz="342891" rtl="0" eaLnBrk="1" latinLnBrk="0" hangingPunct="1">
+              <a:spcBef>
+                <a:spcPct val="20000"/>
+              </a:spcBef>
+              <a:buFont typeface="Arial"/>
+              <a:buChar char="•"/>
+              <a:defRPr sz="1500" kern="1200">
+                <a:solidFill>
+                  <a:schemeClr val="tx1"/>
+                </a:solidFill>
+                <a:latin typeface="+mn-lt"/>
+                <a:ea typeface="+mn-ea"/>
+                <a:cs typeface="+mn-cs"/>
+              </a:defRPr>
+            </a:lvl9pPr>
+          </a:lstStyle>
+          <a:p>
+            <a:r>
+              <a:rPr lang="en-US" sz="2900" dirty="0" smtClean="0"/>
+              <a:t> Mocks can replace endpoints with mock-objects</a:t>
+            </a:r>
+          </a:p>
+          <a:p>
+            <a:pPr marL="349250" lvl="1" indent="0">
+              <a:buFont typeface="Arial"/>
               <a:buNone/>
             </a:pPr>
             <a:r>
-              <a:rPr lang="en-US" dirty="0" smtClean="0"/>
-              <a:t>&lt;</a:t>
-            </a:r>
-            <a:r>
-              <a:rPr lang="en-US" dirty="0"/>
-              <a:t>bean id="</a:t>
-            </a:r>
-            <a:r>
-              <a:rPr lang="en-US" dirty="0" err="1"/>
-              <a:t>activemq</a:t>
-            </a:r>
-            <a:r>
-              <a:rPr lang="en-US" dirty="0"/>
-              <a:t>" class</a:t>
-            </a:r>
-            <a:r>
-              <a:rPr lang="en-US" dirty="0" smtClean="0"/>
-              <a:t>="</a:t>
-            </a:r>
-            <a:r>
-              <a:rPr lang="en-US" dirty="0" err="1" smtClean="0"/>
-              <a:t>ActiveMQComponent</a:t>
-            </a:r>
-            <a:r>
-              <a:rPr lang="en-US" dirty="0" smtClean="0"/>
-              <a:t>“</a:t>
-            </a:r>
-          </a:p>
-          <a:p>
-            <a:pPr marL="0" indent="0">
-              <a:lnSpc>
-                <a:spcPct val="100000"/>
-              </a:lnSpc>
-              <a:spcAft>
-                <a:spcPts val="0"/>
-              </a:spcAft>
+              <a:rPr lang="en-US" sz="2500" dirty="0" smtClean="0"/>
+              <a:t>&lt;from </a:t>
+            </a:r>
+            <a:r>
+              <a:rPr lang="en-US" sz="2500" dirty="0" err="1" smtClean="0"/>
+              <a:t>uri</a:t>
+            </a:r>
+            <a:r>
+              <a:rPr lang="en-US" sz="2500" dirty="0" smtClean="0"/>
+              <a:t>=“</a:t>
+            </a:r>
+            <a:r>
+              <a:rPr lang="en-US" sz="2500" dirty="0" err="1" smtClean="0"/>
+              <a:t>direct:start</a:t>
+            </a:r>
+            <a:r>
+              <a:rPr lang="en-US" sz="2500" dirty="0" smtClean="0"/>
+              <a:t>”&gt;</a:t>
+            </a:r>
+          </a:p>
+          <a:p>
+            <a:pPr marL="349250" lvl="1" indent="0">
+              <a:buFont typeface="Arial"/>
               <a:buNone/>
             </a:pPr>
             <a:r>
-              <a:rPr lang="en-US" dirty="0"/>
-              <a:t>    &lt;property name="</a:t>
-            </a:r>
-            <a:r>
-              <a:rPr lang="en-US" dirty="0" err="1" smtClean="0"/>
-              <a:t>connectionFactory</a:t>
-            </a:r>
-            <a:r>
-              <a:rPr lang="en-US" dirty="0" smtClean="0"/>
-              <a:t>"&gt; </a:t>
-            </a:r>
-          </a:p>
-          <a:p>
-            <a:pPr marL="0" indent="0">
-              <a:lnSpc>
-                <a:spcPct val="100000"/>
-              </a:lnSpc>
-              <a:spcAft>
-                <a:spcPts val="0"/>
-              </a:spcAft>
-              <a:buNone/>
-            </a:pPr>
-            <a:r>
-              <a:rPr lang="en-US" dirty="0"/>
-              <a:t>        &lt;bean </a:t>
-            </a:r>
-            <a:r>
-              <a:rPr lang="en-US" dirty="0" smtClean="0"/>
-              <a:t>class="</a:t>
-            </a:r>
-            <a:r>
-              <a:rPr lang="en-US" dirty="0" err="1" smtClean="0"/>
-              <a:t>ActiveMQConnectionFactory</a:t>
-            </a:r>
-            <a:r>
-              <a:rPr lang="en-US" dirty="0" smtClean="0"/>
-              <a:t>"</a:t>
-            </a:r>
-            <a:endParaRPr lang="en-US" dirty="0"/>
-          </a:p>
-          <a:p>
-            <a:pPr marL="0" indent="0">
-              <a:lnSpc>
-                <a:spcPct val="100000"/>
-              </a:lnSpc>
-              <a:spcAft>
-                <a:spcPts val="0"/>
-              </a:spcAft>
-              <a:buNone/>
-            </a:pPr>
-            <a:r>
-              <a:rPr lang="en-US" dirty="0" smtClean="0"/>
-              <a:t>   </a:t>
-            </a:r>
-            <a:r>
-              <a:rPr lang="en-US" dirty="0"/>
-              <a:t>        </a:t>
-            </a:r>
-            <a:r>
-              <a:rPr lang="en-US" dirty="0" smtClean="0"/>
-              <a:t>p:brokerURL="</a:t>
-            </a:r>
-            <a:r>
-              <a:rPr lang="en-US" b="1" dirty="0"/>
-              <a:t>vm://myBroker?broker.persistent=false</a:t>
-            </a:r>
-            <a:r>
-              <a:rPr lang="en-US" dirty="0"/>
-              <a:t>" /&gt;</a:t>
-            </a:r>
-          </a:p>
-          <a:p>
-            <a:pPr marL="0" indent="0">
-              <a:lnSpc>
-                <a:spcPct val="100000"/>
-              </a:lnSpc>
-              <a:spcAft>
-                <a:spcPts val="0"/>
-              </a:spcAft>
-              <a:buNone/>
-            </a:pPr>
-            <a:r>
-              <a:rPr lang="en-US" dirty="0"/>
-              <a:t>   </a:t>
-            </a:r>
-            <a:r>
-              <a:rPr lang="en-US" dirty="0" smtClean="0"/>
-              <a:t>     &lt;/</a:t>
-            </a:r>
-            <a:r>
-              <a:rPr lang="en-US" dirty="0"/>
-              <a:t>bean&gt;</a:t>
-            </a:r>
-          </a:p>
-          <a:p>
-            <a:pPr marL="0" indent="0">
-              <a:lnSpc>
-                <a:spcPct val="100000"/>
-              </a:lnSpc>
-              <a:spcAft>
-                <a:spcPts val="0"/>
-              </a:spcAft>
-              <a:buNone/>
-            </a:pPr>
-            <a:r>
-              <a:rPr lang="en-US" dirty="0" smtClean="0"/>
-              <a:t>    &lt;/property&gt;</a:t>
-            </a:r>
-          </a:p>
-          <a:p>
-            <a:pPr marL="0" indent="0">
-              <a:lnSpc>
-                <a:spcPct val="100000"/>
-              </a:lnSpc>
-              <a:spcAft>
-                <a:spcPts val="0"/>
-              </a:spcAft>
-              <a:buNone/>
-            </a:pPr>
-            <a:r>
-              <a:rPr lang="en-US" dirty="0" smtClean="0"/>
-              <a:t>&lt;/</a:t>
-            </a:r>
-            <a:r>
-              <a:rPr lang="en-US" dirty="0"/>
-              <a:t>bean</a:t>
-            </a:r>
-            <a:r>
-              <a:rPr lang="en-US" dirty="0" smtClean="0"/>
-              <a:t>&gt;</a:t>
-            </a:r>
-          </a:p>
-          <a:p>
-            <a:pPr marL="0" indent="0">
-              <a:lnSpc>
-                <a:spcPct val="100000"/>
-              </a:lnSpc>
-              <a:spcAft>
-                <a:spcPts val="0"/>
-              </a:spcAft>
-              <a:buNone/>
-            </a:pPr>
-            <a:endParaRPr lang="en-US" sz="2000" dirty="0"/>
-          </a:p>
-          <a:p>
-            <a:r>
-              <a:rPr lang="en-US" sz="2000" dirty="0" smtClean="0"/>
-              <a:t>Broker is auto-started on tests run</a:t>
-            </a:r>
-            <a:endParaRPr lang="ru-RU" sz="2000" dirty="0" smtClean="0"/>
-          </a:p>
-          <a:p>
-            <a:r>
-              <a:rPr lang="en-US" sz="2000" dirty="0" smtClean="0"/>
-              <a:t>No need in any additional </a:t>
-            </a:r>
-            <a:r>
-              <a:rPr lang="en-US" sz="2000" dirty="0" err="1" smtClean="0"/>
-              <a:t>config</a:t>
-            </a:r>
-            <a:endParaRPr lang="ru-RU" sz="2000" dirty="0" smtClean="0"/>
-          </a:p>
-          <a:p>
-            <a:pPr lvl="1"/>
-            <a:r>
-              <a:rPr lang="en-US" sz="1800" dirty="0" smtClean="0"/>
-              <a:t>Queues creates on-the-fly</a:t>
-            </a:r>
-            <a:endParaRPr lang="ru-RU" sz="1800" dirty="0" smtClean="0"/>
-          </a:p>
-          <a:p>
-            <a:pPr lvl="1"/>
-            <a:r>
-              <a:rPr lang="en-US" sz="1800" dirty="0" smtClean="0"/>
-              <a:t>Messages DB created on-the-fly (stored in RAM)</a:t>
-            </a:r>
-            <a:endParaRPr lang="ru-RU" sz="1800" dirty="0"/>
+              <a:rPr lang="en-US" sz="2500" dirty="0" smtClean="0"/>
+              <a:t>&lt;to </a:t>
+            </a:r>
+            <a:r>
+              <a:rPr lang="en-US" sz="2500" dirty="0" err="1" smtClean="0"/>
+              <a:t>uri</a:t>
+            </a:r>
+            <a:r>
+              <a:rPr lang="en-US" sz="2500" dirty="0" smtClean="0"/>
+              <a:t>=“</a:t>
+            </a:r>
+            <a:r>
+              <a:rPr lang="en-US" sz="2500" dirty="0" err="1" smtClean="0"/>
+              <a:t>mock:result</a:t>
+            </a:r>
+            <a:r>
+              <a:rPr lang="en-US" sz="2500" dirty="0" smtClean="0"/>
+              <a:t>”&gt;</a:t>
+            </a:r>
           </a:p>
         </p:txBody>
       </p:sp>
     </p:spTree>
     <p:extLst>
       <p:ext uri="{BB962C8B-B14F-4D97-AF65-F5344CB8AC3E}">
-        <p14:creationId xmlns:p14="http://schemas.microsoft.com/office/powerpoint/2010/main" val="3356732333"/>
+        <p14:creationId xmlns:p14="http://schemas.microsoft.com/office/powerpoint/2010/main" val="1474917836"/>
       </p:ext>
     </p:extLst>
   </p:cSld>
@@ -28988,505 +29071,6 @@
         </p:spPr>
         <p:txBody>
           <a:bodyPr vert="horz" lIns="68580" tIns="34290" rIns="68580" bIns="34290" rtlCol="0">
-            <a:normAutofit/>
-          </a:bodyPr>
-          <a:lstStyle>
-            <a:lvl1pPr marL="130299" marR="0" indent="-130299" algn="l" defTabSz="342891" rtl="0" eaLnBrk="1" fontAlgn="auto" latinLnBrk="0" hangingPunct="1">
-              <a:lnSpc>
-                <a:spcPct val="120000"/>
-              </a:lnSpc>
-              <a:spcBef>
-                <a:spcPts val="0"/>
-              </a:spcBef>
-              <a:spcAft>
-                <a:spcPts val="751"/>
-              </a:spcAft>
-              <a:buClr>
-                <a:schemeClr val="accent4"/>
-              </a:buClr>
-              <a:buSzTx/>
-              <a:buFont typeface="Arial"/>
-              <a:buChar char="•"/>
-              <a:tabLst/>
-              <a:defRPr sz="1400" kern="1200" baseline="0">
-                <a:solidFill>
-                  <a:schemeClr val="tx1"/>
-                </a:solidFill>
-                <a:latin typeface="+mn-lt"/>
-                <a:ea typeface="+mn-ea"/>
-                <a:cs typeface="+mn-cs"/>
-              </a:defRPr>
-            </a:lvl1pPr>
-            <a:lvl2pPr marL="557199" indent="-214308" algn="l" defTabSz="342891" rtl="0" eaLnBrk="1" latinLnBrk="0" hangingPunct="1">
-              <a:spcBef>
-                <a:spcPct val="20000"/>
-              </a:spcBef>
-              <a:buFont typeface="Arial"/>
-              <a:buChar char="–"/>
-              <a:defRPr sz="1200" kern="1200">
-                <a:solidFill>
-                  <a:schemeClr val="tx1"/>
-                </a:solidFill>
-                <a:latin typeface="+mn-lt"/>
-                <a:ea typeface="+mn-ea"/>
-                <a:cs typeface="+mn-cs"/>
-              </a:defRPr>
-            </a:lvl2pPr>
-            <a:lvl3pPr marL="857229" indent="-171446" algn="l" defTabSz="342891" rtl="0" eaLnBrk="1" latinLnBrk="0" hangingPunct="1">
-              <a:spcBef>
-                <a:spcPct val="20000"/>
-              </a:spcBef>
-              <a:buFont typeface="Arial"/>
-              <a:buChar char="•"/>
-              <a:defRPr sz="1200" kern="1200">
-                <a:solidFill>
-                  <a:schemeClr val="tx1"/>
-                </a:solidFill>
-                <a:latin typeface="+mn-lt"/>
-                <a:ea typeface="+mn-ea"/>
-                <a:cs typeface="+mn-cs"/>
-              </a:defRPr>
-            </a:lvl3pPr>
-            <a:lvl4pPr marL="1200121" indent="-171446" algn="l" defTabSz="342891" rtl="0" eaLnBrk="1" latinLnBrk="0" hangingPunct="1">
-              <a:spcBef>
-                <a:spcPct val="20000"/>
-              </a:spcBef>
-              <a:buFont typeface="Arial"/>
-              <a:buChar char="–"/>
-              <a:defRPr sz="1200" kern="1200">
-                <a:solidFill>
-                  <a:schemeClr val="tx1"/>
-                </a:solidFill>
-                <a:latin typeface="+mn-lt"/>
-                <a:ea typeface="+mn-ea"/>
-                <a:cs typeface="+mn-cs"/>
-              </a:defRPr>
-            </a:lvl4pPr>
-            <a:lvl5pPr marL="1543012" indent="-171446" algn="l" defTabSz="342891" rtl="0" eaLnBrk="1" latinLnBrk="0" hangingPunct="1">
-              <a:spcBef>
-                <a:spcPct val="20000"/>
-              </a:spcBef>
-              <a:buFont typeface="Arial"/>
-              <a:buChar char="»"/>
-              <a:defRPr sz="1200" kern="1200">
-                <a:solidFill>
-                  <a:schemeClr val="tx1"/>
-                </a:solidFill>
-                <a:latin typeface="+mn-lt"/>
-                <a:ea typeface="+mn-ea"/>
-                <a:cs typeface="+mn-cs"/>
-              </a:defRPr>
-            </a:lvl5pPr>
-            <a:lvl6pPr marL="1885904" indent="-171446" algn="l" defTabSz="342891" rtl="0" eaLnBrk="1" latinLnBrk="0" hangingPunct="1">
-              <a:spcBef>
-                <a:spcPct val="20000"/>
-              </a:spcBef>
-              <a:buFont typeface="Arial"/>
-              <a:buChar char="•"/>
-              <a:defRPr sz="1500" kern="1200">
-                <a:solidFill>
-                  <a:schemeClr val="tx1"/>
-                </a:solidFill>
-                <a:latin typeface="+mn-lt"/>
-                <a:ea typeface="+mn-ea"/>
-                <a:cs typeface="+mn-cs"/>
-              </a:defRPr>
-            </a:lvl6pPr>
-            <a:lvl7pPr marL="2228795" indent="-171446" algn="l" defTabSz="342891" rtl="0" eaLnBrk="1" latinLnBrk="0" hangingPunct="1">
-              <a:spcBef>
-                <a:spcPct val="20000"/>
-              </a:spcBef>
-              <a:buFont typeface="Arial"/>
-              <a:buChar char="•"/>
-              <a:defRPr sz="1500" kern="1200">
-                <a:solidFill>
-                  <a:schemeClr val="tx1"/>
-                </a:solidFill>
-                <a:latin typeface="+mn-lt"/>
-                <a:ea typeface="+mn-ea"/>
-                <a:cs typeface="+mn-cs"/>
-              </a:defRPr>
-            </a:lvl7pPr>
-            <a:lvl8pPr marL="2571686" indent="-171446" algn="l" defTabSz="342891" rtl="0" eaLnBrk="1" latinLnBrk="0" hangingPunct="1">
-              <a:spcBef>
-                <a:spcPct val="20000"/>
-              </a:spcBef>
-              <a:buFont typeface="Arial"/>
-              <a:buChar char="•"/>
-              <a:defRPr sz="1500" kern="1200">
-                <a:solidFill>
-                  <a:schemeClr val="tx1"/>
-                </a:solidFill>
-                <a:latin typeface="+mn-lt"/>
-                <a:ea typeface="+mn-ea"/>
-                <a:cs typeface="+mn-cs"/>
-              </a:defRPr>
-            </a:lvl8pPr>
-            <a:lvl9pPr marL="2914578" indent="-171446" algn="l" defTabSz="342891" rtl="0" eaLnBrk="1" latinLnBrk="0" hangingPunct="1">
-              <a:spcBef>
-                <a:spcPct val="20000"/>
-              </a:spcBef>
-              <a:buFont typeface="Arial"/>
-              <a:buChar char="•"/>
-              <a:defRPr sz="1500" kern="1200">
-                <a:solidFill>
-                  <a:schemeClr val="tx1"/>
-                </a:solidFill>
-                <a:latin typeface="+mn-lt"/>
-                <a:ea typeface="+mn-ea"/>
-                <a:cs typeface="+mn-cs"/>
-              </a:defRPr>
-            </a:lvl9pPr>
-          </a:lstStyle>
-          <a:p>
-            <a:r>
-              <a:rPr lang="en-US" sz="2900" dirty="0" smtClean="0"/>
-              <a:t> Mocks </a:t>
-            </a:r>
-            <a:r>
-              <a:rPr lang="en-US" sz="2900" dirty="0" smtClean="0"/>
-              <a:t>can replace endpoints with mock-objects</a:t>
-            </a:r>
-          </a:p>
-          <a:p>
-            <a:pPr marL="349250" lvl="1" indent="0">
-              <a:buFont typeface="Arial"/>
-              <a:buNone/>
-            </a:pPr>
-            <a:r>
-              <a:rPr lang="en-US" sz="2500" dirty="0" smtClean="0"/>
-              <a:t>&lt;from </a:t>
-            </a:r>
-            <a:r>
-              <a:rPr lang="en-US" sz="2500" dirty="0" err="1" smtClean="0"/>
-              <a:t>uri</a:t>
-            </a:r>
-            <a:r>
-              <a:rPr lang="en-US" sz="2500" dirty="0" smtClean="0"/>
-              <a:t>=“</a:t>
-            </a:r>
-            <a:r>
-              <a:rPr lang="en-US" sz="2500" dirty="0" err="1" smtClean="0"/>
-              <a:t>direct:start</a:t>
-            </a:r>
-            <a:r>
-              <a:rPr lang="en-US" sz="2500" dirty="0" smtClean="0"/>
-              <a:t>”&gt;</a:t>
-            </a:r>
-          </a:p>
-          <a:p>
-            <a:pPr marL="349250" lvl="1" indent="0">
-              <a:buFont typeface="Arial"/>
-              <a:buNone/>
-            </a:pPr>
-            <a:r>
-              <a:rPr lang="en-US" sz="2500" dirty="0" smtClean="0"/>
-              <a:t>&lt;to </a:t>
-            </a:r>
-            <a:r>
-              <a:rPr lang="en-US" sz="2500" dirty="0" err="1" smtClean="0"/>
-              <a:t>uri</a:t>
-            </a:r>
-            <a:r>
-              <a:rPr lang="en-US" sz="2500" dirty="0" smtClean="0"/>
-              <a:t>=“</a:t>
-            </a:r>
-            <a:r>
-              <a:rPr lang="en-US" sz="2500" dirty="0" err="1" smtClean="0"/>
-              <a:t>mock:result</a:t>
-            </a:r>
-            <a:r>
-              <a:rPr lang="en-US" sz="2500" dirty="0" smtClean="0"/>
-              <a:t>”&gt;</a:t>
-            </a:r>
-            <a:endParaRPr lang="en-US" sz="2500" dirty="0" smtClean="0"/>
-          </a:p>
-        </p:txBody>
-      </p:sp>
-    </p:spTree>
-    <p:extLst>
-      <p:ext uri="{BB962C8B-B14F-4D97-AF65-F5344CB8AC3E}">
-        <p14:creationId xmlns:p14="http://schemas.microsoft.com/office/powerpoint/2010/main" val="1474917836"/>
-      </p:ext>
-    </p:extLst>
-  </p:cSld>
-  <p:clrMapOvr>
-    <a:masterClrMapping/>
-  </p:clrMapOvr>
-  <p:timing>
-    <p:tnLst>
-      <p:par>
-        <p:cTn id="1" dur="indefinite" restart="never" nodeType="tmRoot"/>
-      </p:par>
-    </p:tnLst>
-  </p:timing>
-</p:sld>
-</file>
-
-<file path=ppt/slides/slide38.xml><?xml version="1.0" encoding="utf-8"?>
-<p:sld xmlns:a="http://schemas.openxmlformats.org/drawingml/2006/main" xmlns:r="http://schemas.openxmlformats.org/officeDocument/2006/relationships" xmlns:p="http://schemas.openxmlformats.org/presentationml/2006/main">
-  <p:cSld>
-    <p:spTree>
-      <p:nvGrpSpPr>
-        <p:cNvPr id="1" name=""/>
-        <p:cNvGrpSpPr/>
-        <p:nvPr/>
-      </p:nvGrpSpPr>
-      <p:grpSpPr>
-        <a:xfrm>
-          <a:off x="0" y="0"/>
-          <a:ext cx="0" cy="0"/>
-          <a:chOff x="0" y="0"/>
-          <a:chExt cx="0" cy="0"/>
-        </a:xfrm>
-      </p:grpSpPr>
-      <p:sp>
-        <p:nvSpPr>
-          <p:cNvPr id="3" name="Text Placeholder 2"/>
-          <p:cNvSpPr>
-            <a:spLocks noGrp="1"/>
-          </p:cNvSpPr>
-          <p:nvPr>
-            <p:ph type="body" sz="quarter" idx="11"/>
-          </p:nvPr>
-        </p:nvSpPr>
-        <p:spPr/>
-        <p:txBody>
-          <a:bodyPr/>
-          <a:lstStyle/>
-          <a:p>
-            <a:pPr>
-              <a:lnSpc>
-                <a:spcPct val="200000"/>
-              </a:lnSpc>
-              <a:buClr>
-                <a:schemeClr val="accent3">
-                  <a:lumMod val="75000"/>
-                </a:schemeClr>
-              </a:buClr>
-            </a:pPr>
-            <a:r>
-              <a:rPr lang="en-US" b="1" dirty="0" smtClean="0"/>
-              <a:t>Testing: Mocks</a:t>
-            </a:r>
-            <a:endParaRPr lang="en-US" b="1" u="sng" dirty="0"/>
-          </a:p>
-        </p:txBody>
-      </p:sp>
-      <p:sp>
-        <p:nvSpPr>
-          <p:cNvPr id="8" name="Объект 2"/>
-          <p:cNvSpPr txBox="1">
-            <a:spLocks/>
-          </p:cNvSpPr>
-          <p:nvPr/>
-        </p:nvSpPr>
-        <p:spPr>
-          <a:xfrm>
-            <a:off x="89453" y="788969"/>
-            <a:ext cx="8229600" cy="4876800"/>
-          </a:xfrm>
-          <a:prstGeom prst="rect">
-            <a:avLst/>
-          </a:prstGeom>
-        </p:spPr>
-        <p:txBody>
-          <a:bodyPr vert="horz" lIns="91440" tIns="45720" rIns="91440" bIns="45720" rtlCol="0">
-            <a:normAutofit/>
-          </a:bodyPr>
-          <a:lstStyle>
-            <a:lvl1pPr marL="182880" indent="-182880" algn="l" defTabSz="914400" rtl="0" eaLnBrk="1" latinLnBrk="0" hangingPunct="1">
-              <a:spcBef>
-                <a:spcPct val="20000"/>
-              </a:spcBef>
-              <a:buClr>
-                <a:schemeClr val="accent1"/>
-              </a:buClr>
-              <a:buSzPct val="85000"/>
-              <a:buFont typeface="Arial" pitchFamily="34" charset="0"/>
-              <a:buChar char="•"/>
-              <a:defRPr sz="2400" kern="1200">
-                <a:solidFill>
-                  <a:schemeClr val="tx1"/>
-                </a:solidFill>
-                <a:latin typeface="+mn-lt"/>
-                <a:ea typeface="+mn-ea"/>
-                <a:cs typeface="+mn-cs"/>
-              </a:defRPr>
-            </a:lvl1pPr>
-            <a:lvl2pPr marL="457200" indent="-182880" algn="l" defTabSz="914400" rtl="0" eaLnBrk="1" latinLnBrk="0" hangingPunct="1">
-              <a:spcBef>
-                <a:spcPct val="20000"/>
-              </a:spcBef>
-              <a:buClr>
-                <a:schemeClr val="accent1"/>
-              </a:buClr>
-              <a:buSzPct val="85000"/>
-              <a:buFont typeface="Arial" pitchFamily="34" charset="0"/>
-              <a:buChar char="•"/>
-              <a:defRPr sz="2000" kern="1200">
-                <a:solidFill>
-                  <a:schemeClr val="tx1"/>
-                </a:solidFill>
-                <a:latin typeface="+mn-lt"/>
-                <a:ea typeface="+mn-ea"/>
-                <a:cs typeface="+mn-cs"/>
-              </a:defRPr>
-            </a:lvl2pPr>
-            <a:lvl3pPr marL="731520" indent="-182880" algn="l" defTabSz="914400" rtl="0" eaLnBrk="1" latinLnBrk="0" hangingPunct="1">
-              <a:spcBef>
-                <a:spcPct val="20000"/>
-              </a:spcBef>
-              <a:buClr>
-                <a:schemeClr val="accent1"/>
-              </a:buClr>
-              <a:buSzPct val="90000"/>
-              <a:buFont typeface="Arial" pitchFamily="34" charset="0"/>
-              <a:buChar char="•"/>
-              <a:defRPr sz="1800" kern="1200">
-                <a:solidFill>
-                  <a:schemeClr val="tx1"/>
-                </a:solidFill>
-                <a:latin typeface="+mn-lt"/>
-                <a:ea typeface="+mn-ea"/>
-                <a:cs typeface="+mn-cs"/>
-              </a:defRPr>
-            </a:lvl3pPr>
-            <a:lvl4pPr marL="1005840" indent="-182880" algn="l" defTabSz="914400" rtl="0" eaLnBrk="1" latinLnBrk="0" hangingPunct="1">
-              <a:spcBef>
-                <a:spcPct val="20000"/>
-              </a:spcBef>
-              <a:buClr>
-                <a:schemeClr val="accent1"/>
-              </a:buClr>
-              <a:buFont typeface="Arial" pitchFamily="34" charset="0"/>
-              <a:buChar char="•"/>
-              <a:defRPr sz="1600" kern="1200">
-                <a:solidFill>
-                  <a:schemeClr val="tx1"/>
-                </a:solidFill>
-                <a:latin typeface="+mn-lt"/>
-                <a:ea typeface="+mn-ea"/>
-                <a:cs typeface="+mn-cs"/>
-              </a:defRPr>
-            </a:lvl4pPr>
-            <a:lvl5pPr marL="1188720" indent="-137160" algn="l" defTabSz="914400" rtl="0" eaLnBrk="1" latinLnBrk="0" hangingPunct="1">
-              <a:spcBef>
-                <a:spcPct val="20000"/>
-              </a:spcBef>
-              <a:buClr>
-                <a:schemeClr val="accent1"/>
-              </a:buClr>
-              <a:buSzPct val="100000"/>
-              <a:buFont typeface="Arial" pitchFamily="34" charset="0"/>
-              <a:buChar char="•"/>
-              <a:defRPr sz="1400" kern="1200" baseline="0">
-                <a:solidFill>
-                  <a:schemeClr val="tx1"/>
-                </a:solidFill>
-                <a:latin typeface="+mn-lt"/>
-                <a:ea typeface="+mn-ea"/>
-                <a:cs typeface="+mn-cs"/>
-              </a:defRPr>
-            </a:lvl5pPr>
-            <a:lvl6pPr marL="1371600" indent="-182880" algn="l" defTabSz="914400" rtl="0" eaLnBrk="1" latinLnBrk="0" hangingPunct="1">
-              <a:spcBef>
-                <a:spcPct val="20000"/>
-              </a:spcBef>
-              <a:buClr>
-                <a:schemeClr val="accent1"/>
-              </a:buClr>
-              <a:buFont typeface="Arial" pitchFamily="34" charset="0"/>
-              <a:buChar char="•"/>
-              <a:defRPr sz="1300" kern="1200">
-                <a:solidFill>
-                  <a:schemeClr val="tx1"/>
-                </a:solidFill>
-                <a:latin typeface="+mn-lt"/>
-                <a:ea typeface="+mn-ea"/>
-                <a:cs typeface="+mn-cs"/>
-              </a:defRPr>
-            </a:lvl6pPr>
-            <a:lvl7pPr marL="1554480" indent="-182880" algn="l" defTabSz="914400" rtl="0" eaLnBrk="1" latinLnBrk="0" hangingPunct="1">
-              <a:spcBef>
-                <a:spcPct val="20000"/>
-              </a:spcBef>
-              <a:buClr>
-                <a:schemeClr val="accent1"/>
-              </a:buClr>
-              <a:buFont typeface="Arial" pitchFamily="34" charset="0"/>
-              <a:buChar char="•"/>
-              <a:defRPr sz="1300" kern="1200">
-                <a:solidFill>
-                  <a:schemeClr val="tx1"/>
-                </a:solidFill>
-                <a:latin typeface="+mn-lt"/>
-                <a:ea typeface="+mn-ea"/>
-                <a:cs typeface="+mn-cs"/>
-              </a:defRPr>
-            </a:lvl7pPr>
-            <a:lvl8pPr marL="1737360" indent="-182880" algn="l" defTabSz="914400" rtl="0" eaLnBrk="1" latinLnBrk="0" hangingPunct="1">
-              <a:spcBef>
-                <a:spcPct val="20000"/>
-              </a:spcBef>
-              <a:buClr>
-                <a:schemeClr val="accent1"/>
-              </a:buClr>
-              <a:buFont typeface="Arial" pitchFamily="34" charset="0"/>
-              <a:buChar char="•"/>
-              <a:defRPr sz="1300" kern="1200">
-                <a:solidFill>
-                  <a:schemeClr val="tx1"/>
-                </a:solidFill>
-                <a:latin typeface="+mn-lt"/>
-                <a:ea typeface="+mn-ea"/>
-                <a:cs typeface="+mn-cs"/>
-              </a:defRPr>
-            </a:lvl8pPr>
-            <a:lvl9pPr marL="1920240" indent="-182880" algn="l" defTabSz="914400" rtl="0" eaLnBrk="1" latinLnBrk="0" hangingPunct="1">
-              <a:spcBef>
-                <a:spcPct val="20000"/>
-              </a:spcBef>
-              <a:buClr>
-                <a:schemeClr val="accent1"/>
-              </a:buClr>
-              <a:buFont typeface="Arial" pitchFamily="34" charset="0"/>
-              <a:buChar char="•"/>
-              <a:defRPr sz="1300" kern="1200">
-                <a:solidFill>
-                  <a:schemeClr val="tx1"/>
-                </a:solidFill>
-                <a:latin typeface="+mn-lt"/>
-                <a:ea typeface="+mn-ea"/>
-                <a:cs typeface="+mn-cs"/>
-              </a:defRPr>
-            </a:lvl9pPr>
-          </a:lstStyle>
-          <a:p>
-            <a:pPr marL="342900" lvl="2" indent="-342900"/>
-            <a:endParaRPr lang="en-US" sz="2400" dirty="0" smtClean="0"/>
-          </a:p>
-        </p:txBody>
-      </p:sp>
-      <p:sp>
-        <p:nvSpPr>
-          <p:cNvPr id="7" name="Объект 2"/>
-          <p:cNvSpPr txBox="1">
-            <a:spLocks/>
-          </p:cNvSpPr>
-          <p:nvPr/>
-        </p:nvSpPr>
-        <p:spPr>
-          <a:xfrm>
-            <a:off x="89453" y="878422"/>
-            <a:ext cx="6558090" cy="4012892"/>
-          </a:xfrm>
-          <a:prstGeom prst="rect">
-            <a:avLst/>
-          </a:prstGeom>
-        </p:spPr>
-        <p:txBody>
-          <a:bodyPr vert="horz" lIns="68580" tIns="34290" rIns="68580" bIns="34290" rtlCol="0">
             <a:normAutofit fontScale="77500" lnSpcReduction="20000"/>
           </a:bodyPr>
           <a:lstStyle>
@@ -29643,11 +29227,7 @@
             </a:pPr>
             <a:r>
               <a:rPr lang="en-US" sz="2900" dirty="0" smtClean="0"/>
-              <a:t> …and </a:t>
-            </a:r>
-            <a:r>
-              <a:rPr lang="en-US" sz="2900" dirty="0" smtClean="0"/>
-              <a:t>make assertions</a:t>
+              <a:t> …and make assertions</a:t>
             </a:r>
           </a:p>
           <a:p>
@@ -29683,7 +29263,6 @@
               <a:rPr lang="en-US" sz="2200" dirty="0" smtClean="0"/>
               <a:t>") </a:t>
             </a:r>
-            <a:endParaRPr lang="en-US" sz="2200" dirty="0" smtClean="0"/>
           </a:p>
           <a:p>
             <a:pPr marL="228600" indent="0">
@@ -29704,11 +29283,7 @@
             </a:r>
             <a:r>
               <a:rPr lang="en-US" sz="2200" dirty="0" smtClean="0"/>
-              <a:t> </a:t>
-            </a:r>
-            <a:r>
-              <a:rPr lang="en-US" sz="2200" dirty="0" smtClean="0"/>
-              <a:t>endpoint;</a:t>
+              <a:t> endpoint;</a:t>
             </a:r>
           </a:p>
           <a:p>
@@ -29736,7 +29311,6 @@
               <a:rPr lang="en-US" sz="2200" dirty="0" smtClean="0"/>
               <a:t>") </a:t>
             </a:r>
-            <a:endParaRPr lang="en-US" sz="2200" dirty="0" smtClean="0"/>
           </a:p>
           <a:p>
             <a:pPr marL="228600" indent="0">
@@ -29891,7 +29465,7 @@
 </p:sld>
 </file>
 
-<file path=ppt/slides/slide39.xml><?xml version="1.0" encoding="utf-8"?>
+<file path=ppt/slides/slide38.xml><?xml version="1.0" encoding="utf-8"?>
 <p:sld xmlns:a="http://schemas.openxmlformats.org/drawingml/2006/main" xmlns:r="http://schemas.openxmlformats.org/officeDocument/2006/relationships" xmlns:p="http://schemas.openxmlformats.org/presentationml/2006/main">
   <p:cSld>
     <p:spTree>
@@ -29969,6 +29543,128 @@
 </p:sld>
 </file>
 
+<file path=ppt/slides/slide39.xml><?xml version="1.0" encoding="utf-8"?>
+<p:sld xmlns:a="http://schemas.openxmlformats.org/drawingml/2006/main" xmlns:r="http://schemas.openxmlformats.org/officeDocument/2006/relationships" xmlns:p="http://schemas.openxmlformats.org/presentationml/2006/main">
+  <p:cSld>
+    <p:spTree>
+      <p:nvGrpSpPr>
+        <p:cNvPr id="1" name=""/>
+        <p:cNvGrpSpPr/>
+        <p:nvPr/>
+      </p:nvGrpSpPr>
+      <p:grpSpPr>
+        <a:xfrm>
+          <a:off x="0" y="0"/>
+          <a:ext cx="0" cy="0"/>
+          <a:chOff x="0" y="0"/>
+          <a:chExt cx="0" cy="0"/>
+        </a:xfrm>
+      </p:grpSpPr>
+      <p:sp>
+        <p:nvSpPr>
+          <p:cNvPr id="2" name="Прямоугольник 1"/>
+          <p:cNvSpPr/>
+          <p:nvPr/>
+        </p:nvSpPr>
+        <p:spPr>
+          <a:xfrm>
+            <a:off x="657546" y="215757"/>
+            <a:ext cx="5496674" cy="4458985"/>
+          </a:xfrm>
+          <a:prstGeom prst="rect">
+            <a:avLst/>
+          </a:prstGeom>
+          <a:blipFill dpi="0" rotWithShape="1">
+            <a:blip r:embed="rId3">
+              <a:alphaModFix amt="46000"/>
+            </a:blip>
+            <a:srcRect/>
+            <a:stretch>
+              <a:fillRect/>
+            </a:stretch>
+          </a:blipFill>
+          <a:effectLst>
+            <a:outerShdw blurRad="40000" dist="23000" dir="5400000" rotWithShape="0">
+              <a:srgbClr val="000000">
+                <a:alpha val="35000"/>
+              </a:srgbClr>
+            </a:outerShdw>
+            <a:softEdge rad="292100"/>
+          </a:effectLst>
+        </p:spPr>
+        <p:style>
+          <a:lnRef idx="1">
+            <a:schemeClr val="accent1"/>
+          </a:lnRef>
+          <a:fillRef idx="3">
+            <a:schemeClr val="accent1"/>
+          </a:fillRef>
+          <a:effectRef idx="2">
+            <a:schemeClr val="accent1"/>
+          </a:effectRef>
+          <a:fontRef idx="minor">
+            <a:schemeClr val="lt1"/>
+          </a:fontRef>
+        </p:style>
+        <p:txBody>
+          <a:bodyPr rtlCol="0" anchor="ctr"/>
+          <a:lstStyle/>
+          <a:p>
+            <a:pPr algn="ctr"/>
+            <a:endParaRPr lang="ru-RU"/>
+          </a:p>
+        </p:txBody>
+      </p:sp>
+      <p:sp>
+        <p:nvSpPr>
+          <p:cNvPr id="4" name="TextBox 3"/>
+          <p:cNvSpPr txBox="1"/>
+          <p:nvPr/>
+        </p:nvSpPr>
+        <p:spPr>
+          <a:xfrm>
+            <a:off x="1765300" y="3958119"/>
+            <a:ext cx="3621632" cy="830997"/>
+          </a:xfrm>
+          <a:prstGeom prst="rect">
+            <a:avLst/>
+          </a:prstGeom>
+          <a:noFill/>
+        </p:spPr>
+        <p:txBody>
+          <a:bodyPr wrap="none" rtlCol="0">
+            <a:spAutoFit/>
+          </a:bodyPr>
+          <a:lstStyle/>
+          <a:p>
+            <a:r>
+              <a:rPr lang="en-US" sz="4800" dirty="0" smtClean="0"/>
+              <a:t>THANK YOU!</a:t>
+            </a:r>
+            <a:endParaRPr lang="ru-RU" sz="4800" dirty="0"/>
+          </a:p>
+        </p:txBody>
+      </p:sp>
+    </p:spTree>
+    <p:extLst>
+      <p:ext uri="{BB962C8B-B14F-4D97-AF65-F5344CB8AC3E}">
+        <p14:creationId xmlns:p14="http://schemas.microsoft.com/office/powerpoint/2010/main" val="1713426091"/>
+      </p:ext>
+    </p:extLst>
+  </p:cSld>
+  <p:clrMapOvr>
+    <a:masterClrMapping/>
+  </p:clrMapOvr>
+  <p:timing>
+    <p:tnLst>
+      <p:par>
+        <p:cTn id="1" dur="indefinite" restart="never" nodeType="tmRoot"/>
+      </p:par>
+    </p:tnLst>
+  </p:timing>
+</p:sld>
+</file>
+
 <file path=ppt/slides/slide4.xml><?xml version="1.0" encoding="utf-8"?>
 <p:sld xmlns:a="http://schemas.openxmlformats.org/drawingml/2006/main" xmlns:r="http://schemas.openxmlformats.org/officeDocument/2006/relationships" xmlns:p="http://schemas.openxmlformats.org/presentationml/2006/main">
   <p:cSld>
@@ -30338,128 +30034,6 @@
     <p:extLst>
       <p:ext uri="{BB962C8B-B14F-4D97-AF65-F5344CB8AC3E}">
         <p14:creationId xmlns:p14="http://schemas.microsoft.com/office/powerpoint/2010/main" val="3532536656"/>
-      </p:ext>
-    </p:extLst>
-  </p:cSld>
-  <p:clrMapOvr>
-    <a:masterClrMapping/>
-  </p:clrMapOvr>
-  <p:timing>
-    <p:tnLst>
-      <p:par>
-        <p:cTn id="1" dur="indefinite" restart="never" nodeType="tmRoot"/>
-      </p:par>
-    </p:tnLst>
-  </p:timing>
-</p:sld>
-</file>
-
-<file path=ppt/slides/slide40.xml><?xml version="1.0" encoding="utf-8"?>
-<p:sld xmlns:a="http://schemas.openxmlformats.org/drawingml/2006/main" xmlns:r="http://schemas.openxmlformats.org/officeDocument/2006/relationships" xmlns:p="http://schemas.openxmlformats.org/presentationml/2006/main">
-  <p:cSld>
-    <p:spTree>
-      <p:nvGrpSpPr>
-        <p:cNvPr id="1" name=""/>
-        <p:cNvGrpSpPr/>
-        <p:nvPr/>
-      </p:nvGrpSpPr>
-      <p:grpSpPr>
-        <a:xfrm>
-          <a:off x="0" y="0"/>
-          <a:ext cx="0" cy="0"/>
-          <a:chOff x="0" y="0"/>
-          <a:chExt cx="0" cy="0"/>
-        </a:xfrm>
-      </p:grpSpPr>
-      <p:sp>
-        <p:nvSpPr>
-          <p:cNvPr id="2" name="Прямоугольник 1"/>
-          <p:cNvSpPr/>
-          <p:nvPr/>
-        </p:nvSpPr>
-        <p:spPr>
-          <a:xfrm>
-            <a:off x="657546" y="215757"/>
-            <a:ext cx="5496674" cy="4458985"/>
-          </a:xfrm>
-          <a:prstGeom prst="rect">
-            <a:avLst/>
-          </a:prstGeom>
-          <a:blipFill dpi="0" rotWithShape="1">
-            <a:blip r:embed="rId3">
-              <a:alphaModFix amt="46000"/>
-            </a:blip>
-            <a:srcRect/>
-            <a:stretch>
-              <a:fillRect/>
-            </a:stretch>
-          </a:blipFill>
-          <a:effectLst>
-            <a:outerShdw blurRad="40000" dist="23000" dir="5400000" rotWithShape="0">
-              <a:srgbClr val="000000">
-                <a:alpha val="35000"/>
-              </a:srgbClr>
-            </a:outerShdw>
-            <a:softEdge rad="292100"/>
-          </a:effectLst>
-        </p:spPr>
-        <p:style>
-          <a:lnRef idx="1">
-            <a:schemeClr val="accent1"/>
-          </a:lnRef>
-          <a:fillRef idx="3">
-            <a:schemeClr val="accent1"/>
-          </a:fillRef>
-          <a:effectRef idx="2">
-            <a:schemeClr val="accent1"/>
-          </a:effectRef>
-          <a:fontRef idx="minor">
-            <a:schemeClr val="lt1"/>
-          </a:fontRef>
-        </p:style>
-        <p:txBody>
-          <a:bodyPr rtlCol="0" anchor="ctr"/>
-          <a:lstStyle/>
-          <a:p>
-            <a:pPr algn="ctr"/>
-            <a:endParaRPr lang="ru-RU"/>
-          </a:p>
-        </p:txBody>
-      </p:sp>
-      <p:sp>
-        <p:nvSpPr>
-          <p:cNvPr id="4" name="TextBox 3"/>
-          <p:cNvSpPr txBox="1"/>
-          <p:nvPr/>
-        </p:nvSpPr>
-        <p:spPr>
-          <a:xfrm>
-            <a:off x="1765300" y="3958119"/>
-            <a:ext cx="3621632" cy="830997"/>
-          </a:xfrm>
-          <a:prstGeom prst="rect">
-            <a:avLst/>
-          </a:prstGeom>
-          <a:noFill/>
-        </p:spPr>
-        <p:txBody>
-          <a:bodyPr wrap="none" rtlCol="0">
-            <a:spAutoFit/>
-          </a:bodyPr>
-          <a:lstStyle/>
-          <a:p>
-            <a:r>
-              <a:rPr lang="en-US" sz="4800" dirty="0" smtClean="0"/>
-              <a:t>THANK YOU!</a:t>
-            </a:r>
-            <a:endParaRPr lang="ru-RU" sz="4800" dirty="0"/>
-          </a:p>
-        </p:txBody>
-      </p:sp>
-    </p:spTree>
-    <p:extLst>
-      <p:ext uri="{BB962C8B-B14F-4D97-AF65-F5344CB8AC3E}">
-        <p14:creationId xmlns:p14="http://schemas.microsoft.com/office/powerpoint/2010/main" val="1713426091"/>
       </p:ext>
     </p:extLst>
   </p:cSld>
@@ -31334,11 +30908,7 @@
           <a:p>
             <a:r>
               <a:rPr lang="en-US" dirty="0" smtClean="0"/>
-              <a:t>Reliability </a:t>
-            </a:r>
-            <a:r>
-              <a:rPr lang="en-US" dirty="0" smtClean="0"/>
-              <a:t>with Camel</a:t>
+              <a:t>Reliability with Camel</a:t>
             </a:r>
             <a:endParaRPr lang="en-US" dirty="0"/>
           </a:p>
@@ -31398,11 +30968,7 @@
           <a:p>
             <a:r>
               <a:rPr lang="en-US" dirty="0" smtClean="0"/>
-              <a:t>Reliability </a:t>
-            </a:r>
-            <a:r>
-              <a:rPr lang="en-US" dirty="0" smtClean="0"/>
-              <a:t>with Camel</a:t>
+              <a:t>Reliability with Camel</a:t>
             </a:r>
             <a:endParaRPr lang="en-US" dirty="0"/>
           </a:p>
@@ -32667,15 +32233,6 @@
 </file>
 
 <file path=customXml/item1.xml><?xml version="1.0" encoding="utf-8"?>
-<p:properties xmlns:p="http://schemas.microsoft.com/office/2006/metadata/properties" xmlns:xsi="http://www.w3.org/2001/XMLSchema-instance" xmlns:pc="http://schemas.microsoft.com/office/infopath/2007/PartnerControls">
-  <documentManagement>
-    <PublishingExpirationDate xmlns="http://schemas.microsoft.com/sharepoint/v3" xsi:nil="true"/>
-    <PublishingStartDate xmlns="http://schemas.microsoft.com/sharepoint/v3" xsi:nil="true"/>
-  </documentManagement>
-</p:properties>
-</file>
-
-<file path=customXml/item2.xml><?xml version="1.0" encoding="utf-8"?>
 <?mso-contentType ?>
 <FormTemplates xmlns="http://schemas.microsoft.com/sharepoint/v3/contenttype/forms">
   <Display>DocumentLibraryForm</Display>
@@ -32684,7 +32241,7 @@
 </FormTemplates>
 </file>
 
-<file path=customXml/item3.xml><?xml version="1.0" encoding="utf-8"?>
+<file path=customXml/item2.xml><?xml version="1.0" encoding="utf-8"?>
 <ct:contentTypeSchema xmlns:ct="http://schemas.microsoft.com/office/2006/metadata/contentType" xmlns:ma="http://schemas.microsoft.com/office/2006/metadata/properties/metaAttributes" ct:_="" ma:_="" ma:contentTypeName="Document" ma:contentTypeID="0x010100B0E9A4A7D20EA84CAA39F80EA2A19865" ma:contentTypeVersion="1" ma:contentTypeDescription="Create a new document." ma:contentTypeScope="" ma:versionID="4ed0c655cf5595f31b06ef1418ca28bf">
   <xsd:schema xmlns:xsd="http://www.w3.org/2001/XMLSchema" xmlns:xs="http://www.w3.org/2001/XMLSchema" xmlns:p="http://schemas.microsoft.com/office/2006/metadata/properties" xmlns:ns1="http://schemas.microsoft.com/sharepoint/v3" targetNamespace="http://schemas.microsoft.com/office/2006/metadata/properties" ma:root="true" ma:fieldsID="4dcce58c87e9fcebab8021569449a8d0" ns1:_="">
     <xsd:import namespace="http://schemas.microsoft.com/sharepoint/v3"/>
@@ -32816,23 +32373,16 @@
 </ct:contentTypeSchema>
 </file>
 
-<file path=customXml/itemProps1.xml><?xml version="1.0" encoding="utf-8"?>
-<ds:datastoreItem xmlns:ds="http://schemas.openxmlformats.org/officeDocument/2006/customXml" ds:itemID="{D5E3C081-4081-47AD-A9A6-9F18F525DA1D}">
-  <ds:schemaRefs>
-    <ds:schemaRef ds:uri="http://schemas.microsoft.com/office/2006/documentManagement/types"/>
-    <ds:schemaRef ds:uri="http://schemas.openxmlformats.org/package/2006/metadata/core-properties"/>
-    <ds:schemaRef ds:uri="http://schemas.microsoft.com/office/infopath/2007/PartnerControls"/>
-    <ds:schemaRef ds:uri="http://schemas.microsoft.com/office/2006/metadata/properties"/>
-    <ds:schemaRef ds:uri="http://schemas.microsoft.com/sharepoint/v3"/>
-    <ds:schemaRef ds:uri="http://www.w3.org/XML/1998/namespace"/>
-    <ds:schemaRef ds:uri="http://purl.org/dc/dcmitype/"/>
-    <ds:schemaRef ds:uri="http://purl.org/dc/terms/"/>
-    <ds:schemaRef ds:uri="http://purl.org/dc/elements/1.1/"/>
-  </ds:schemaRefs>
-</ds:datastoreItem>
+<file path=customXml/item3.xml><?xml version="1.0" encoding="utf-8"?>
+<p:properties xmlns:p="http://schemas.microsoft.com/office/2006/metadata/properties" xmlns:xsi="http://www.w3.org/2001/XMLSchema-instance" xmlns:pc="http://schemas.microsoft.com/office/infopath/2007/PartnerControls">
+  <documentManagement>
+    <PublishingExpirationDate xmlns="http://schemas.microsoft.com/sharepoint/v3" xsi:nil="true"/>
+    <PublishingStartDate xmlns="http://schemas.microsoft.com/sharepoint/v3" xsi:nil="true"/>
+  </documentManagement>
+</p:properties>
 </file>
 
-<file path=customXml/itemProps2.xml><?xml version="1.0" encoding="utf-8"?>
+<file path=customXml/itemProps1.xml><?xml version="1.0" encoding="utf-8"?>
 <ds:datastoreItem xmlns:ds="http://schemas.openxmlformats.org/officeDocument/2006/customXml" ds:itemID="{14883F0F-DE57-4ECA-B9BB-F22E8C5B5D82}">
   <ds:schemaRefs>
     <ds:schemaRef ds:uri="http://schemas.microsoft.com/sharepoint/v3/contenttype/forms"/>
@@ -32840,7 +32390,7 @@
 </ds:datastoreItem>
 </file>
 
-<file path=customXml/itemProps3.xml><?xml version="1.0" encoding="utf-8"?>
+<file path=customXml/itemProps2.xml><?xml version="1.0" encoding="utf-8"?>
 <ds:datastoreItem xmlns:ds="http://schemas.openxmlformats.org/officeDocument/2006/customXml" ds:itemID="{C3A1A37E-F8E3-427A-BCE9-B1DDB8B96CDF}">
   <ds:schemaRefs>
     <ds:schemaRef ds:uri="http://schemas.microsoft.com/office/2006/metadata/contentType"/>
@@ -32856,4 +32406,20 @@
     <ds:schemaRef ds:uri="http://schemas.microsoft.com/internal/obd"/>
   </ds:schemaRefs>
 </ds:datastoreItem>
+</file>
+
+<file path=customXml/itemProps3.xml><?xml version="1.0" encoding="utf-8"?>
+<ds:datastoreItem xmlns:ds="http://schemas.openxmlformats.org/officeDocument/2006/customXml" ds:itemID="{D5E3C081-4081-47AD-A9A6-9F18F525DA1D}">
+  <ds:schemaRefs>
+    <ds:schemaRef ds:uri="http://schemas.microsoft.com/office/2006/documentManagement/types"/>
+    <ds:schemaRef ds:uri="http://schemas.openxmlformats.org/package/2006/metadata/core-properties"/>
+    <ds:schemaRef ds:uri="http://schemas.microsoft.com/office/infopath/2007/PartnerControls"/>
+    <ds:schemaRef ds:uri="http://schemas.microsoft.com/office/2006/metadata/properties"/>
+    <ds:schemaRef ds:uri="http://schemas.microsoft.com/sharepoint/v3"/>
+    <ds:schemaRef ds:uri="http://www.w3.org/XML/1998/namespace"/>
+    <ds:schemaRef ds:uri="http://purl.org/dc/dcmitype/"/>
+    <ds:schemaRef ds:uri="http://purl.org/dc/terms/"/>
+    <ds:schemaRef ds:uri="http://purl.org/dc/elements/1.1/"/>
+  </ds:schemaRefs>
+</ds:datastoreItem>
 </file>
--- a/CamelPresentationITWeek2017.pptx
+++ b/CamelPresentationITWeek2017.pptx
@@ -499,7 +499,7 @@
             <a:fld id="{7F5E9BF7-95E4-A242-BA1D-05FDCF603BE6}" type="datetime1">
               <a:rPr lang="en-US" smtClean="0"/>
               <a:pPr/>
-              <a:t>3/20/2017</a:t>
+              <a:t>4/5/2017</a:t>
             </a:fld>
             <a:endParaRPr lang="en-US"/>
           </a:p>
@@ -667,7 +667,7 @@
             <a:fld id="{165DBCB1-0306-AD41-9452-11E7C08D5C04}" type="datetime1">
               <a:rPr lang="en-US" smtClean="0"/>
               <a:pPr/>
-              <a:t>3/20/2017</a:t>
+              <a:t>4/5/2017</a:t>
             </a:fld>
             <a:endParaRPr lang="en-US"/>
           </a:p>
@@ -2059,15 +2059,7 @@
             </a:pPr>
             <a:r>
               <a:rPr lang="en-US" baseline="0" dirty="0" smtClean="0"/>
-              <a:t>Ok, let’s imagine producer stores record about order in DB and sends message about order to </a:t>
-            </a:r>
-            <a:r>
-              <a:rPr lang="en-US" baseline="0" dirty="0" smtClean="0"/>
-              <a:t>consumer. </a:t>
-            </a:r>
-            <a:r>
-              <a:rPr lang="en-US" baseline="0" dirty="0" smtClean="0"/>
-              <a:t>Consumer reads record from DB and does something with it. </a:t>
+              <a:t>Ok, let’s imagine producer stores record about order in DB and sends message about order to consumer. Consumer reads record from DB and does something with it. </a:t>
             </a:r>
             <a:endParaRPr lang="ru-RU" dirty="0" smtClean="0"/>
           </a:p>
@@ -2432,11 +2424,7 @@
             </a:pPr>
             <a:r>
               <a:rPr lang="en-US" baseline="0" dirty="0" smtClean="0"/>
-              <a:t>If </a:t>
-            </a:r>
-            <a:r>
-              <a:rPr lang="en-US" baseline="0" dirty="0" smtClean="0"/>
-              <a:t>you are not familiar with Camel, hopefully short introduction gives you insight on what it is, how it helps to deal with </a:t>
+              <a:t>If you are not familiar with Camel, hopefully short introduction gives you insight on what it is, how it helps to deal with </a:t>
             </a:r>
             <a:r>
               <a:rPr lang="en-US" baseline="0" dirty="0" err="1" smtClean="0"/>
@@ -2551,11 +2539,7 @@
           <a:p>
             <a:r>
               <a:rPr lang="en-US" baseline="0" dirty="0" smtClean="0"/>
-              <a:t>The issue is attempt to send message after stop signal will result in exception what is probably not what we want</a:t>
-            </a:r>
-            <a:r>
-              <a:rPr lang="en-US" baseline="0" dirty="0" smtClean="0"/>
-              <a:t>.</a:t>
+              <a:t>The issue is attempt to send message after stop signal will result in exception what is probably not what we want.</a:t>
             </a:r>
             <a:endParaRPr lang="en-US" dirty="0" smtClean="0"/>
           </a:p>
@@ -2654,15 +2638,7 @@
             </a:r>
             <a:r>
               <a:rPr lang="en-US" baseline="0" dirty="0" smtClean="0"/>
-              <a:t> Message is sent on broker and then gets processed by Document Processor, </a:t>
-            </a:r>
-            <a:r>
-              <a:rPr lang="en-US" baseline="0" dirty="0" smtClean="0"/>
-              <a:t>which </a:t>
-            </a:r>
-            <a:r>
-              <a:rPr lang="en-US" baseline="0" dirty="0" smtClean="0"/>
-              <a:t>send another message </a:t>
+              <a:t> Message is sent on broker and then gets processed by Document Processor, which send another message </a:t>
             </a:r>
             <a:r>
               <a:rPr lang="en-US" baseline="0" dirty="0" err="1" smtClean="0"/>
@@ -2896,11 +2872,7 @@
             </a:r>
             <a:r>
               <a:rPr lang="en-US" baseline="0" dirty="0" smtClean="0"/>
-              <a:t> message we will get an </a:t>
-            </a:r>
-            <a:r>
-              <a:rPr lang="en-US" baseline="0" dirty="0" smtClean="0"/>
-              <a:t>exception</a:t>
+              <a:t> message we will get an exception</a:t>
             </a:r>
           </a:p>
           <a:p>
@@ -3035,30 +3007,13 @@
             </a:r>
             <a:r>
               <a:rPr lang="en-US" baseline="0" dirty="0" smtClean="0"/>
-              <a:t> on broker, but won’t be </a:t>
-            </a:r>
+              <a:t> on broker, but won’t be consumed because we are shutting down. </a:t>
+            </a:r>
+          </a:p>
+          <a:p>
             <a:r>
               <a:rPr lang="en-US" baseline="0" dirty="0" smtClean="0"/>
-              <a:t>consumed because </a:t>
-            </a:r>
-            <a:r>
-              <a:rPr lang="en-US" baseline="0" dirty="0" smtClean="0"/>
-              <a:t>we are shutting down. </a:t>
-            </a:r>
-            <a:endParaRPr lang="en-US" baseline="0" dirty="0" smtClean="0"/>
-          </a:p>
-          <a:p>
-            <a:r>
-              <a:rPr lang="en-US" baseline="0" dirty="0" smtClean="0"/>
-              <a:t>It </a:t>
-            </a:r>
-            <a:r>
-              <a:rPr lang="en-US" baseline="0" dirty="0" smtClean="0"/>
-              <a:t>will be processed either on another host in another consumer or on this host when we start consumer </a:t>
-            </a:r>
-            <a:r>
-              <a:rPr lang="en-US" baseline="0" dirty="0" smtClean="0"/>
-              <a:t>again</a:t>
+              <a:t>It will be processed either on another host in another consumer or on this host when we start consumer again</a:t>
             </a:r>
           </a:p>
           <a:p>
@@ -3161,15 +3116,7 @@
             </a:r>
             <a:r>
               <a:rPr lang="en-US" baseline="0" dirty="0" smtClean="0"/>
-              <a:t> solve following issue. You want your application to consume files from ftp. This means, read file, process it, delete it. Most probably, if you care about reliability, you have 2 instances of this application for failover. If there are two of them, they work in parallel and may read and process the same file at the same time. This is not what we want. What we want, to have only one </a:t>
-            </a:r>
-            <a:r>
-              <a:rPr lang="en-US" baseline="0" dirty="0" smtClean="0"/>
-              <a:t>consumer active</a:t>
-            </a:r>
-            <a:r>
-              <a:rPr lang="en-US" baseline="0" dirty="0" smtClean="0"/>
-              <a:t>, another should be inactive in this case. </a:t>
+              <a:t> solve following issue. You want your application to consume files from ftp. This means, read file, process it, delete it. Most probably, if you care about reliability, you have 2 instances of this application for failover. If there are two of them, they work in parallel and may read and process the same file at the same time. This is not what we want. What we want, to have only one consumer active, another should be inactive in this case. </a:t>
             </a:r>
           </a:p>
           <a:p>
@@ -3274,11 +3221,7 @@
             </a:r>
             <a:r>
               <a:rPr lang="en-US" baseline="0" dirty="0" smtClean="0"/>
-              <a:t> can just disable the consuming functionality on one host with help of configuration property (so the whole ftp consuming is turned </a:t>
-            </a:r>
-            <a:r>
-              <a:rPr lang="en-US" baseline="0" dirty="0" smtClean="0"/>
-              <a:t>off on that host)</a:t>
+              <a:t> can just disable the consuming functionality on one host with help of configuration property (so the whole ftp consuming is turned off on that host)</a:t>
             </a:r>
             <a:endParaRPr lang="ru-RU" dirty="0"/>
           </a:p>
@@ -3371,15 +3314,7 @@
             </a:r>
             <a:r>
               <a:rPr lang="en-US" baseline="0" dirty="0" smtClean="0"/>
-              <a:t> if the remaining host goes down, nobody is </a:t>
-            </a:r>
-            <a:r>
-              <a:rPr lang="en-US" baseline="0" dirty="0" smtClean="0"/>
-              <a:t>looking into ftp server – </a:t>
-            </a:r>
-            <a:r>
-              <a:rPr lang="en-US" baseline="0" dirty="0" smtClean="0"/>
-              <a:t>so why we ever cared for two hosts and failover?</a:t>
+              <a:t> if the remaining host goes down, nobody is looking into ftp server – so why we ever cared for two hosts and failover?</a:t>
             </a:r>
             <a:endParaRPr lang="ru-RU" dirty="0"/>
           </a:p>
@@ -3985,15 +3920,7 @@
           <a:p>
             <a:r>
               <a:rPr lang="en-US" baseline="0" dirty="0" smtClean="0"/>
-              <a:t>What </a:t>
-            </a:r>
-            <a:r>
-              <a:rPr lang="en-US" baseline="0" dirty="0" smtClean="0"/>
-              <a:t>parts would you test</a:t>
-            </a:r>
-            <a:r>
-              <a:rPr lang="en-US" baseline="0" dirty="0" smtClean="0"/>
-              <a:t>?</a:t>
+              <a:t>What parts would you test?</a:t>
             </a:r>
             <a:endParaRPr lang="ru-RU" dirty="0"/>
           </a:p>
@@ -4170,11 +4097,7 @@
           <a:p>
             <a:r>
               <a:rPr lang="en-US" baseline="0" dirty="0" smtClean="0"/>
-              <a:t>But developer writes routes as well, so it would be nice to test them too. And if routes involve broker, it would be nice to use it too to check correct </a:t>
-            </a:r>
-            <a:r>
-              <a:rPr lang="en-US" baseline="0" dirty="0" smtClean="0"/>
-              <a:t>integration. And it would be nice to run broker in some embedded mode</a:t>
+              <a:t>But developer writes routes as well, so it would be nice to test them too. And if routes involve broker, it would be nice to use it too to check correct integration. And it would be nice to run broker in some embedded mode</a:t>
             </a:r>
             <a:endParaRPr lang="ru-RU" dirty="0"/>
           </a:p>
@@ -4972,29 +4895,17 @@
           <a:p>
             <a:r>
               <a:rPr lang="en-US" dirty="0" smtClean="0"/>
-              <a:t>It’s </a:t>
-            </a:r>
-            <a:r>
-              <a:rPr lang="en-US" dirty="0" smtClean="0"/>
-              <a:t>usually </a:t>
+              <a:t>It’s usually </a:t>
             </a:r>
             <a:r>
               <a:rPr lang="en-US" baseline="0" dirty="0" smtClean="0"/>
-              <a:t>used </a:t>
-            </a:r>
+              <a:t>used if the request processing requires significant time or high load.</a:t>
+            </a:r>
+          </a:p>
+          <a:p>
             <a:r>
               <a:rPr lang="en-US" baseline="0" dirty="0" smtClean="0"/>
-              <a:t>if the request processing requires significant time or high load.</a:t>
-            </a:r>
-          </a:p>
-          <a:p>
-            <a:r>
-              <a:rPr lang="en-US" baseline="0" dirty="0" smtClean="0"/>
-              <a:t>User gets immediate answer like “Your request is accepted” and all the hard work executed in background. And on completion, user is notified </a:t>
-            </a:r>
-            <a:r>
-              <a:rPr lang="en-US" baseline="0" dirty="0" smtClean="0"/>
-              <a:t>by email for example</a:t>
+              <a:t>User gets immediate answer like “Your request is accepted” and all the hard work executed in background. And on completion, user is notified by email for example</a:t>
             </a:r>
             <a:endParaRPr lang="ru-RU" baseline="0" dirty="0" smtClean="0"/>
           </a:p>
@@ -5219,15 +5130,7 @@
             </a:pPr>
             <a:r>
               <a:rPr lang="en-US" b="0" baseline="0" dirty="0" smtClean="0"/>
-              <a:t>Usually producer generates message </a:t>
-            </a:r>
-            <a:r>
-              <a:rPr lang="en-US" b="0" baseline="0" dirty="0" smtClean="0"/>
-              <a:t>faster than </a:t>
-            </a:r>
-            <a:r>
-              <a:rPr lang="en-US" b="0" baseline="0" dirty="0" smtClean="0"/>
-              <a:t>consumer can process it, so to keep consuming messages at the same speed as producing them, we can add more consumers that will run in parallel</a:t>
+              <a:t>Usually producer generates message faster than consumer can process it, so to keep consuming messages at the same speed as producing them, we can add more consumers that will run in parallel</a:t>
             </a:r>
           </a:p>
           <a:p>
@@ -11116,8 +11019,13 @@
           <a:p>
             <a:r>
               <a:rPr lang="en-US" sz="3200" dirty="0" smtClean="0"/>
-              <a:t>On</a:t>
-            </a:r>
+              <a:t>i</a:t>
+            </a:r>
+            <a:r>
+              <a:rPr lang="en-US" sz="3200" dirty="0" smtClean="0"/>
+              <a:t>n</a:t>
+            </a:r>
+            <a:endParaRPr lang="en-US" sz="3200" dirty="0" smtClean="0"/>
           </a:p>
           <a:p>
             <a:r>
@@ -32233,15 +32141,6 @@
 </file>
 
 <file path=customXml/item1.xml><?xml version="1.0" encoding="utf-8"?>
-<?mso-contentType ?>
-<FormTemplates xmlns="http://schemas.microsoft.com/sharepoint/v3/contenttype/forms">
-  <Display>DocumentLibraryForm</Display>
-  <Edit>DocumentLibraryForm</Edit>
-  <New>DocumentLibraryForm</New>
-</FormTemplates>
-</file>
-
-<file path=customXml/item2.xml><?xml version="1.0" encoding="utf-8"?>
 <ct:contentTypeSchema xmlns:ct="http://schemas.microsoft.com/office/2006/metadata/contentType" xmlns:ma="http://schemas.microsoft.com/office/2006/metadata/properties/metaAttributes" ct:_="" ma:_="" ma:contentTypeName="Document" ma:contentTypeID="0x010100B0E9A4A7D20EA84CAA39F80EA2A19865" ma:contentTypeVersion="1" ma:contentTypeDescription="Create a new document." ma:contentTypeScope="" ma:versionID="4ed0c655cf5595f31b06ef1418ca28bf">
   <xsd:schema xmlns:xsd="http://www.w3.org/2001/XMLSchema" xmlns:xs="http://www.w3.org/2001/XMLSchema" xmlns:p="http://schemas.microsoft.com/office/2006/metadata/properties" xmlns:ns1="http://schemas.microsoft.com/sharepoint/v3" targetNamespace="http://schemas.microsoft.com/office/2006/metadata/properties" ma:root="true" ma:fieldsID="4dcce58c87e9fcebab8021569449a8d0" ns1:_="">
     <xsd:import namespace="http://schemas.microsoft.com/sharepoint/v3"/>
@@ -32373,7 +32272,7 @@
 </ct:contentTypeSchema>
 </file>
 
-<file path=customXml/item3.xml><?xml version="1.0" encoding="utf-8"?>
+<file path=customXml/item2.xml><?xml version="1.0" encoding="utf-8"?>
 <p:properties xmlns:p="http://schemas.microsoft.com/office/2006/metadata/properties" xmlns:xsi="http://www.w3.org/2001/XMLSchema-instance" xmlns:pc="http://schemas.microsoft.com/office/infopath/2007/PartnerControls">
   <documentManagement>
     <PublishingExpirationDate xmlns="http://schemas.microsoft.com/sharepoint/v3" xsi:nil="true"/>
@@ -32382,15 +32281,16 @@
 </p:properties>
 </file>
 
-<file path=customXml/itemProps1.xml><?xml version="1.0" encoding="utf-8"?>
-<ds:datastoreItem xmlns:ds="http://schemas.openxmlformats.org/officeDocument/2006/customXml" ds:itemID="{14883F0F-DE57-4ECA-B9BB-F22E8C5B5D82}">
-  <ds:schemaRefs>
-    <ds:schemaRef ds:uri="http://schemas.microsoft.com/sharepoint/v3/contenttype/forms"/>
-  </ds:schemaRefs>
-</ds:datastoreItem>
+<file path=customXml/item3.xml><?xml version="1.0" encoding="utf-8"?>
+<?mso-contentType ?>
+<FormTemplates xmlns="http://schemas.microsoft.com/sharepoint/v3/contenttype/forms">
+  <Display>DocumentLibraryForm</Display>
+  <Edit>DocumentLibraryForm</Edit>
+  <New>DocumentLibraryForm</New>
+</FormTemplates>
 </file>
 
-<file path=customXml/itemProps2.xml><?xml version="1.0" encoding="utf-8"?>
+<file path=customXml/itemProps1.xml><?xml version="1.0" encoding="utf-8"?>
 <ds:datastoreItem xmlns:ds="http://schemas.openxmlformats.org/officeDocument/2006/customXml" ds:itemID="{C3A1A37E-F8E3-427A-BCE9-B1DDB8B96CDF}">
   <ds:schemaRefs>
     <ds:schemaRef ds:uri="http://schemas.microsoft.com/office/2006/metadata/contentType"/>
@@ -32408,7 +32308,7 @@
 </ds:datastoreItem>
 </file>
 
-<file path=customXml/itemProps3.xml><?xml version="1.0" encoding="utf-8"?>
+<file path=customXml/itemProps2.xml><?xml version="1.0" encoding="utf-8"?>
 <ds:datastoreItem xmlns:ds="http://schemas.openxmlformats.org/officeDocument/2006/customXml" ds:itemID="{D5E3C081-4081-47AD-A9A6-9F18F525DA1D}">
   <ds:schemaRefs>
     <ds:schemaRef ds:uri="http://schemas.microsoft.com/office/2006/documentManagement/types"/>
@@ -32422,4 +32322,12 @@
     <ds:schemaRef ds:uri="http://purl.org/dc/elements/1.1/"/>
   </ds:schemaRefs>
 </ds:datastoreItem>
+</file>
+
+<file path=customXml/itemProps3.xml><?xml version="1.0" encoding="utf-8"?>
+<ds:datastoreItem xmlns:ds="http://schemas.openxmlformats.org/officeDocument/2006/customXml" ds:itemID="{14883F0F-DE57-4ECA-B9BB-F22E8C5B5D82}">
+  <ds:schemaRefs>
+    <ds:schemaRef ds:uri="http://schemas.microsoft.com/sharepoint/v3/contenttype/forms"/>
+  </ds:schemaRefs>
+</ds:datastoreItem>
 </file>
--- a/CamelPresentationITWeek2017.pptx
+++ b/CamelPresentationITWeek2017.pptx
@@ -499,7 +499,7 @@
             <a:fld id="{7F5E9BF7-95E4-A242-BA1D-05FDCF603BE6}" type="datetime1">
               <a:rPr lang="en-US" smtClean="0"/>
               <a:pPr/>
-              <a:t>4/5/2017</a:t>
+              <a:t>4/6/2017</a:t>
             </a:fld>
             <a:endParaRPr lang="en-US"/>
           </a:p>
@@ -667,7 +667,7 @@
             <a:fld id="{165DBCB1-0306-AD41-9452-11E7C08D5C04}" type="datetime1">
               <a:rPr lang="en-US" smtClean="0"/>
               <a:pPr/>
-              <a:t>4/5/2017</a:t>
+              <a:t>4/6/2017</a:t>
             </a:fld>
             <a:endParaRPr lang="en-US"/>
           </a:p>
@@ -11019,13 +11019,8 @@
           <a:p>
             <a:r>
               <a:rPr lang="en-US" sz="3200" dirty="0" smtClean="0"/>
-              <a:t>i</a:t>
-            </a:r>
-            <a:r>
-              <a:rPr lang="en-US" sz="3200" dirty="0" smtClean="0"/>
-              <a:t>n</a:t>
-            </a:r>
-            <a:endParaRPr lang="en-US" sz="3200" dirty="0" smtClean="0"/>
+              <a:t>in</a:t>
+            </a:r>
           </a:p>
           <a:p>
             <a:r>
@@ -11538,13 +11533,22 @@
               <a:defRPr/>
             </a:pPr>
             <a:r>
-              <a:rPr lang="en-US" sz="2400" dirty="0">
+              <a:rPr lang="en-US" sz="2400" smtClean="0">
                 <a:solidFill>
                   <a:sysClr val="windowText" lastClr="000000"/>
                 </a:solidFill>
                 <a:latin typeface="Calibri"/>
               </a:rPr>
-              <a:t>Irrecoverable</a:t>
+              <a:t>Un</a:t>
+            </a:r>
+            <a:r>
+              <a:rPr lang="en-US" sz="2400" smtClean="0">
+                <a:solidFill>
+                  <a:sysClr val="windowText" lastClr="000000"/>
+                </a:solidFill>
+                <a:latin typeface="Calibri"/>
+              </a:rPr>
+              <a:t>recoverable</a:t>
             </a:r>
             <a:endParaRPr lang="ru-RU" sz="2400" dirty="0">
               <a:solidFill>
@@ -32141,6 +32145,24 @@
 </file>
 
 <file path=customXml/item1.xml><?xml version="1.0" encoding="utf-8"?>
+<p:properties xmlns:p="http://schemas.microsoft.com/office/2006/metadata/properties" xmlns:xsi="http://www.w3.org/2001/XMLSchema-instance" xmlns:pc="http://schemas.microsoft.com/office/infopath/2007/PartnerControls">
+  <documentManagement>
+    <PublishingExpirationDate xmlns="http://schemas.microsoft.com/sharepoint/v3" xsi:nil="true"/>
+    <PublishingStartDate xmlns="http://schemas.microsoft.com/sharepoint/v3" xsi:nil="true"/>
+  </documentManagement>
+</p:properties>
+</file>
+
+<file path=customXml/item2.xml><?xml version="1.0" encoding="utf-8"?>
+<?mso-contentType ?>
+<FormTemplates xmlns="http://schemas.microsoft.com/sharepoint/v3/contenttype/forms">
+  <Display>DocumentLibraryForm</Display>
+  <Edit>DocumentLibraryForm</Edit>
+  <New>DocumentLibraryForm</New>
+</FormTemplates>
+</file>
+
+<file path=customXml/item3.xml><?xml version="1.0" encoding="utf-8"?>
 <ct:contentTypeSchema xmlns:ct="http://schemas.microsoft.com/office/2006/metadata/contentType" xmlns:ma="http://schemas.microsoft.com/office/2006/metadata/properties/metaAttributes" ct:_="" ma:_="" ma:contentTypeName="Document" ma:contentTypeID="0x010100B0E9A4A7D20EA84CAA39F80EA2A19865" ma:contentTypeVersion="1" ma:contentTypeDescription="Create a new document." ma:contentTypeScope="" ma:versionID="4ed0c655cf5595f31b06ef1418ca28bf">
   <xsd:schema xmlns:xsd="http://www.w3.org/2001/XMLSchema" xmlns:xs="http://www.w3.org/2001/XMLSchema" xmlns:p="http://schemas.microsoft.com/office/2006/metadata/properties" xmlns:ns1="http://schemas.microsoft.com/sharepoint/v3" targetNamespace="http://schemas.microsoft.com/office/2006/metadata/properties" ma:root="true" ma:fieldsID="4dcce58c87e9fcebab8021569449a8d0" ns1:_="">
     <xsd:import namespace="http://schemas.microsoft.com/sharepoint/v3"/>
@@ -32272,25 +32294,31 @@
 </ct:contentTypeSchema>
 </file>
 
-<file path=customXml/item2.xml><?xml version="1.0" encoding="utf-8"?>
-<p:properties xmlns:p="http://schemas.microsoft.com/office/2006/metadata/properties" xmlns:xsi="http://www.w3.org/2001/XMLSchema-instance" xmlns:pc="http://schemas.microsoft.com/office/infopath/2007/PartnerControls">
-  <documentManagement>
-    <PublishingExpirationDate xmlns="http://schemas.microsoft.com/sharepoint/v3" xsi:nil="true"/>
-    <PublishingStartDate xmlns="http://schemas.microsoft.com/sharepoint/v3" xsi:nil="true"/>
-  </documentManagement>
-</p:properties>
+<file path=customXml/itemProps1.xml><?xml version="1.0" encoding="utf-8"?>
+<ds:datastoreItem xmlns:ds="http://schemas.openxmlformats.org/officeDocument/2006/customXml" ds:itemID="{D5E3C081-4081-47AD-A9A6-9F18F525DA1D}">
+  <ds:schemaRefs>
+    <ds:schemaRef ds:uri="http://schemas.microsoft.com/office/2006/documentManagement/types"/>
+    <ds:schemaRef ds:uri="http://schemas.openxmlformats.org/package/2006/metadata/core-properties"/>
+    <ds:schemaRef ds:uri="http://schemas.microsoft.com/office/infopath/2007/PartnerControls"/>
+    <ds:schemaRef ds:uri="http://schemas.microsoft.com/office/2006/metadata/properties"/>
+    <ds:schemaRef ds:uri="http://schemas.microsoft.com/sharepoint/v3"/>
+    <ds:schemaRef ds:uri="http://www.w3.org/XML/1998/namespace"/>
+    <ds:schemaRef ds:uri="http://purl.org/dc/dcmitype/"/>
+    <ds:schemaRef ds:uri="http://purl.org/dc/terms/"/>
+    <ds:schemaRef ds:uri="http://purl.org/dc/elements/1.1/"/>
+  </ds:schemaRefs>
+</ds:datastoreItem>
 </file>
 
-<file path=customXml/item3.xml><?xml version="1.0" encoding="utf-8"?>
-<?mso-contentType ?>
-<FormTemplates xmlns="http://schemas.microsoft.com/sharepoint/v3/contenttype/forms">
-  <Display>DocumentLibraryForm</Display>
-  <Edit>DocumentLibraryForm</Edit>
-  <New>DocumentLibraryForm</New>
-</FormTemplates>
+<file path=customXml/itemProps2.xml><?xml version="1.0" encoding="utf-8"?>
+<ds:datastoreItem xmlns:ds="http://schemas.openxmlformats.org/officeDocument/2006/customXml" ds:itemID="{14883F0F-DE57-4ECA-B9BB-F22E8C5B5D82}">
+  <ds:schemaRefs>
+    <ds:schemaRef ds:uri="http://schemas.microsoft.com/sharepoint/v3/contenttype/forms"/>
+  </ds:schemaRefs>
+</ds:datastoreItem>
 </file>
 
-<file path=customXml/itemProps1.xml><?xml version="1.0" encoding="utf-8"?>
+<file path=customXml/itemProps3.xml><?xml version="1.0" encoding="utf-8"?>
 <ds:datastoreItem xmlns:ds="http://schemas.openxmlformats.org/officeDocument/2006/customXml" ds:itemID="{C3A1A37E-F8E3-427A-BCE9-B1DDB8B96CDF}">
   <ds:schemaRefs>
     <ds:schemaRef ds:uri="http://schemas.microsoft.com/office/2006/metadata/contentType"/>
@@ -32306,28 +32334,4 @@
     <ds:schemaRef ds:uri="http://schemas.microsoft.com/internal/obd"/>
   </ds:schemaRefs>
 </ds:datastoreItem>
-</file>
-
-<file path=customXml/itemProps2.xml><?xml version="1.0" encoding="utf-8"?>
-<ds:datastoreItem xmlns:ds="http://schemas.openxmlformats.org/officeDocument/2006/customXml" ds:itemID="{D5E3C081-4081-47AD-A9A6-9F18F525DA1D}">
-  <ds:schemaRefs>
-    <ds:schemaRef ds:uri="http://schemas.microsoft.com/office/2006/documentManagement/types"/>
-    <ds:schemaRef ds:uri="http://schemas.openxmlformats.org/package/2006/metadata/core-properties"/>
-    <ds:schemaRef ds:uri="http://schemas.microsoft.com/office/infopath/2007/PartnerControls"/>
-    <ds:schemaRef ds:uri="http://schemas.microsoft.com/office/2006/metadata/properties"/>
-    <ds:schemaRef ds:uri="http://schemas.microsoft.com/sharepoint/v3"/>
-    <ds:schemaRef ds:uri="http://www.w3.org/XML/1998/namespace"/>
-    <ds:schemaRef ds:uri="http://purl.org/dc/dcmitype/"/>
-    <ds:schemaRef ds:uri="http://purl.org/dc/terms/"/>
-    <ds:schemaRef ds:uri="http://purl.org/dc/elements/1.1/"/>
-  </ds:schemaRefs>
-</ds:datastoreItem>
-</file>
-
-<file path=customXml/itemProps3.xml><?xml version="1.0" encoding="utf-8"?>
-<ds:datastoreItem xmlns:ds="http://schemas.openxmlformats.org/officeDocument/2006/customXml" ds:itemID="{14883F0F-DE57-4ECA-B9BB-F22E8C5B5D82}">
-  <ds:schemaRefs>
-    <ds:schemaRef ds:uri="http://schemas.microsoft.com/sharepoint/v3/contenttype/forms"/>
-  </ds:schemaRefs>
-</ds:datastoreItem>
 </file>